--- a/docs/MontiThingsDoku.pptx
+++ b/docs/MontiThingsDoku.pptx
@@ -5,7 +5,7 @@
     <p:sldMasterId id="2147483672" r:id="rId1"/>
   </p:sldMasterIdLst>
   <p:notesMasterIdLst>
-    <p:notesMasterId r:id="rId16"/>
+    <p:notesMasterId r:id="rId17"/>
   </p:notesMasterIdLst>
   <p:sldIdLst>
     <p:sldId id="332" r:id="rId2"/>
@@ -22,6 +22,7 @@
     <p:sldId id="340" r:id="rId13"/>
     <p:sldId id="337" r:id="rId14"/>
     <p:sldId id="333" r:id="rId15"/>
+    <p:sldId id="348" r:id="rId16"/>
   </p:sldIdLst>
   <p:sldSz cx="15998825" cy="8999538"/>
   <p:notesSz cx="6858000" cy="9144000"/>
@@ -184,7 +185,12 @@
           <p14:sldIdLst>
             <p14:sldId id="340"/>
             <p14:sldId id="337"/>
+          </p14:sldIdLst>
+        </p14:section>
+        <p14:section name="RTE" id="{9483C1FF-7317-5D40-919E-8FC973ECF889}">
+          <p14:sldIdLst>
             <p14:sldId id="333"/>
+            <p14:sldId id="348"/>
           </p14:sldIdLst>
         </p14:section>
       </p14:sectionLst>
@@ -1200,6 +1206,99 @@
     <p:extLst>
       <p:ext uri="{BB962C8B-B14F-4D97-AF65-F5344CB8AC3E}">
         <p14:creationId xmlns:p14="http://schemas.microsoft.com/office/powerpoint/2010/main" val="3392159249"/>
+      </p:ext>
+    </p:extLst>
+  </p:cSld>
+  <p:clrMapOvr>
+    <a:masterClrMapping/>
+  </p:clrMapOvr>
+</p:notes>
+</file>
+
+<file path=ppt/notesSlides/notesSlide15.xml><?xml version="1.0" encoding="utf-8"?>
+<p:notes xmlns:a="http://schemas.openxmlformats.org/drawingml/2006/main" xmlns:r="http://schemas.openxmlformats.org/officeDocument/2006/relationships" xmlns:p="http://schemas.openxmlformats.org/presentationml/2006/main">
+  <p:cSld>
+    <p:spTree>
+      <p:nvGrpSpPr>
+        <p:cNvPr id="1" name=""/>
+        <p:cNvGrpSpPr/>
+        <p:nvPr/>
+      </p:nvGrpSpPr>
+      <p:grpSpPr>
+        <a:xfrm>
+          <a:off x="0" y="0"/>
+          <a:ext cx="0" cy="0"/>
+          <a:chOff x="0" y="0"/>
+          <a:chExt cx="0" cy="0"/>
+        </a:xfrm>
+      </p:grpSpPr>
+      <p:sp>
+        <p:nvSpPr>
+          <p:cNvPr id="7" name="Rectangle 7"/>
+          <p:cNvSpPr>
+            <a:spLocks noGrp="1" noChangeArrowheads="1"/>
+          </p:cNvSpPr>
+          <p:nvPr>
+            <p:ph type="sldNum" sz="quarter" idx="5"/>
+          </p:nvPr>
+        </p:nvSpPr>
+        <p:spPr>
+          <a:ln/>
+        </p:spPr>
+        <p:txBody>
+          <a:bodyPr/>
+          <a:lstStyle/>
+          <a:p>
+            <a:fld id="{D235EE40-7F35-4B7A-8E78-3D96CADCFF0B}" type="slidenum">
+              <a:rPr lang="de-DE" altLang="de-DE"/>
+              <a:pPr/>
+              <a:t>15</a:t>
+            </a:fld>
+            <a:endParaRPr lang="de-DE" altLang="de-DE"/>
+          </a:p>
+        </p:txBody>
+      </p:sp>
+      <p:sp>
+        <p:nvSpPr>
+          <p:cNvPr id="13314" name="Rectangle 2"/>
+          <p:cNvSpPr>
+            <a:spLocks noGrp="1" noRot="1" noChangeAspect="1" noChangeArrowheads="1" noTextEdit="1"/>
+          </p:cNvSpPr>
+          <p:nvPr>
+            <p:ph type="sldImg"/>
+          </p:nvPr>
+        </p:nvSpPr>
+        <p:spPr>
+          <a:xfrm>
+            <a:off x="382588" y="685800"/>
+            <a:ext cx="6092825" cy="3429000"/>
+          </a:xfrm>
+          <a:ln/>
+        </p:spPr>
+      </p:sp>
+      <p:sp>
+        <p:nvSpPr>
+          <p:cNvPr id="13315" name="Rectangle 3"/>
+          <p:cNvSpPr>
+            <a:spLocks noGrp="1" noChangeArrowheads="1"/>
+          </p:cNvSpPr>
+          <p:nvPr>
+            <p:ph type="body" idx="1"/>
+          </p:nvPr>
+        </p:nvSpPr>
+        <p:spPr/>
+        <p:txBody>
+          <a:bodyPr/>
+          <a:lstStyle/>
+          <a:p>
+            <a:endParaRPr lang="de-DE" altLang="de-DE" dirty="0"/>
+          </a:p>
+        </p:txBody>
+      </p:sp>
+    </p:spTree>
+    <p:extLst>
+      <p:ext uri="{BB962C8B-B14F-4D97-AF65-F5344CB8AC3E}">
+        <p14:creationId xmlns:p14="http://schemas.microsoft.com/office/powerpoint/2010/main" val="215733645"/>
       </p:ext>
     </p:extLst>
   </p:cSld>
@@ -12379,6 +12478,1886 @@
 </file>
 
 <file path=ppt/slides/slide14.xml><?xml version="1.0" encoding="utf-8"?>
+<p:sld xmlns:a="http://schemas.openxmlformats.org/drawingml/2006/main" xmlns:r="http://schemas.openxmlformats.org/officeDocument/2006/relationships" xmlns:p="http://schemas.openxmlformats.org/presentationml/2006/main" show="0">
+  <p:cSld>
+    <p:spTree>
+      <p:nvGrpSpPr>
+        <p:cNvPr id="1" name=""/>
+        <p:cNvGrpSpPr/>
+        <p:nvPr/>
+      </p:nvGrpSpPr>
+      <p:grpSpPr>
+        <a:xfrm>
+          <a:off x="0" y="0"/>
+          <a:ext cx="0" cy="0"/>
+          <a:chOff x="0" y="0"/>
+          <a:chExt cx="0" cy="0"/>
+        </a:xfrm>
+      </p:grpSpPr>
+      <p:sp>
+        <p:nvSpPr>
+          <p:cNvPr id="20" name="Textfeld 3">
+            <a:extLst>
+              <a:ext uri="{FF2B5EF4-FFF2-40B4-BE49-F238E27FC236}">
+                <a16:creationId xmlns:a16="http://schemas.microsoft.com/office/drawing/2014/main" id="{C450A178-144D-914F-80F5-5309F77A8173}"/>
+              </a:ext>
+            </a:extLst>
+          </p:cNvPr>
+          <p:cNvSpPr txBox="1"/>
+          <p:nvPr/>
+        </p:nvSpPr>
+        <p:spPr>
+          <a:xfrm>
+            <a:off x="3319462" y="0"/>
+            <a:ext cx="9359900" cy="369332"/>
+          </a:xfrm>
+          <a:prstGeom prst="rect">
+            <a:avLst/>
+          </a:prstGeom>
+          <a:noFill/>
+        </p:spPr>
+        <p:txBody>
+          <a:bodyPr wrap="square" rtlCol="0">
+            <a:spAutoFit/>
+          </a:bodyPr>
+          <a:lstStyle/>
+          <a:p>
+            <a:pPr algn="ctr"/>
+            <a:r>
+              <a:rPr lang="de-DE" dirty="0" err="1"/>
+              <a:t>RteCD</a:t>
+            </a:r>
+            <a:endParaRPr lang="de-DE" dirty="0"/>
+          </a:p>
+        </p:txBody>
+      </p:sp>
+      <p:sp>
+        <p:nvSpPr>
+          <p:cNvPr id="16" name="Rectangle 1084">
+            <a:extLst>
+              <a:ext uri="{FF2B5EF4-FFF2-40B4-BE49-F238E27FC236}">
+                <a16:creationId xmlns:a16="http://schemas.microsoft.com/office/drawing/2014/main" id="{F9B0CD61-CE3F-7344-B1BA-4A74C2D5518F}"/>
+              </a:ext>
+            </a:extLst>
+          </p:cNvPr>
+          <p:cNvSpPr>
+            <a:spLocks noChangeArrowheads="1"/>
+          </p:cNvSpPr>
+          <p:nvPr/>
+        </p:nvSpPr>
+        <p:spPr bwMode="auto">
+          <a:xfrm>
+            <a:off x="6211156" y="2331878"/>
+            <a:ext cx="1219200" cy="380470"/>
+          </a:xfrm>
+          <a:prstGeom prst="rect">
+            <a:avLst/>
+          </a:prstGeom>
+          <a:noFill/>
+          <a:ln w="9525">
+            <a:solidFill>
+              <a:schemeClr val="tx1"/>
+            </a:solidFill>
+            <a:miter lim="800000"/>
+            <a:headEnd/>
+            <a:tailEnd/>
+          </a:ln>
+        </p:spPr>
+        <p:txBody>
+          <a:bodyPr wrap="none" anchor="ctr"/>
+          <a:lstStyle/>
+          <a:p>
+            <a:pPr algn="ctr"/>
+            <a:r>
+              <a:rPr lang="en-US" sz="1600" dirty="0" err="1"/>
+              <a:t>InOutPort</a:t>
+            </a:r>
+            <a:endParaRPr lang="en-US" sz="1600" dirty="0"/>
+          </a:p>
+        </p:txBody>
+      </p:sp>
+      <p:sp>
+        <p:nvSpPr>
+          <p:cNvPr id="17" name="AutoShape 1036">
+            <a:extLst>
+              <a:ext uri="{FF2B5EF4-FFF2-40B4-BE49-F238E27FC236}">
+                <a16:creationId xmlns:a16="http://schemas.microsoft.com/office/drawing/2014/main" id="{C78A9626-0EC0-0640-913E-C79AAF7A6745}"/>
+              </a:ext>
+            </a:extLst>
+          </p:cNvPr>
+          <p:cNvSpPr>
+            <a:spLocks noChangeArrowheads="1"/>
+          </p:cNvSpPr>
+          <p:nvPr/>
+        </p:nvSpPr>
+        <p:spPr bwMode="auto">
+          <a:xfrm flipV="1">
+            <a:off x="11923679" y="2047706"/>
+            <a:ext cx="609600" cy="228600"/>
+          </a:xfrm>
+          <a:prstGeom prst="foldedCorner">
+            <a:avLst>
+              <a:gd name="adj" fmla="val 18509"/>
+            </a:avLst>
+          </a:prstGeom>
+          <a:solidFill>
+            <a:schemeClr val="bg1"/>
+          </a:solidFill>
+          <a:ln w="9525">
+            <a:solidFill>
+              <a:schemeClr val="tx1"/>
+            </a:solidFill>
+            <a:round/>
+            <a:headEnd/>
+            <a:tailEnd/>
+          </a:ln>
+        </p:spPr>
+        <p:txBody>
+          <a:bodyPr rot="10800000" wrap="none" anchor="ctr"/>
+          <a:lstStyle/>
+          <a:p>
+            <a:pPr algn="ctr"/>
+            <a:r>
+              <a:rPr lang="de-DE" altLang="de-DE" sz="1200" b="1" noProof="1"/>
+              <a:t>CD</a:t>
+            </a:r>
+          </a:p>
+        </p:txBody>
+      </p:sp>
+      <p:sp>
+        <p:nvSpPr>
+          <p:cNvPr id="21" name="Rectangle 1084">
+            <a:extLst>
+              <a:ext uri="{FF2B5EF4-FFF2-40B4-BE49-F238E27FC236}">
+                <a16:creationId xmlns:a16="http://schemas.microsoft.com/office/drawing/2014/main" id="{1B288745-9FFC-A045-B171-6F7ADAE022B1}"/>
+              </a:ext>
+            </a:extLst>
+          </p:cNvPr>
+          <p:cNvSpPr>
+            <a:spLocks noChangeArrowheads="1"/>
+          </p:cNvSpPr>
+          <p:nvPr/>
+        </p:nvSpPr>
+        <p:spPr bwMode="auto">
+          <a:xfrm>
+            <a:off x="6210362" y="3729091"/>
+            <a:ext cx="1219200" cy="380470"/>
+          </a:xfrm>
+          <a:prstGeom prst="rect">
+            <a:avLst/>
+          </a:prstGeom>
+          <a:noFill/>
+          <a:ln w="9525">
+            <a:solidFill>
+              <a:schemeClr val="tx1"/>
+            </a:solidFill>
+            <a:miter lim="800000"/>
+            <a:headEnd/>
+            <a:tailEnd/>
+          </a:ln>
+        </p:spPr>
+        <p:txBody>
+          <a:bodyPr wrap="none" anchor="ctr"/>
+          <a:lstStyle/>
+          <a:p>
+            <a:pPr algn="ctr"/>
+            <a:r>
+              <a:rPr lang="en-US" sz="1600" dirty="0" err="1"/>
+              <a:t>MultiPort</a:t>
+            </a:r>
+            <a:endParaRPr lang="en-US" sz="1600" dirty="0"/>
+          </a:p>
+        </p:txBody>
+      </p:sp>
+      <p:cxnSp>
+        <p:nvCxnSpPr>
+          <p:cNvPr id="3" name="Straight Arrow Connector 2">
+            <a:extLst>
+              <a:ext uri="{FF2B5EF4-FFF2-40B4-BE49-F238E27FC236}">
+                <a16:creationId xmlns:a16="http://schemas.microsoft.com/office/drawing/2014/main" id="{02404AF8-2143-D14E-AA5C-65B4A6B3EA28}"/>
+              </a:ext>
+            </a:extLst>
+          </p:cNvPr>
+          <p:cNvCxnSpPr>
+            <a:cxnSpLocks/>
+            <a:stCxn id="82" idx="2"/>
+          </p:cNvCxnSpPr>
+          <p:nvPr/>
+        </p:nvCxnSpPr>
+        <p:spPr>
+          <a:xfrm flipH="1">
+            <a:off x="6485326" y="2966265"/>
+            <a:ext cx="554" cy="762826"/>
+          </a:xfrm>
+          <a:prstGeom prst="straightConnector1">
+            <a:avLst/>
+          </a:prstGeom>
+          <a:ln>
+            <a:tailEnd type="triangle"/>
+          </a:ln>
+        </p:spPr>
+        <p:style>
+          <a:lnRef idx="1">
+            <a:schemeClr val="dk1"/>
+          </a:lnRef>
+          <a:fillRef idx="0">
+            <a:schemeClr val="dk1"/>
+          </a:fillRef>
+          <a:effectRef idx="0">
+            <a:schemeClr val="dk1"/>
+          </a:effectRef>
+          <a:fontRef idx="minor">
+            <a:schemeClr val="tx1"/>
+          </a:fontRef>
+        </p:style>
+      </p:cxnSp>
+      <p:sp>
+        <p:nvSpPr>
+          <p:cNvPr id="37" name="Text Box 1075">
+            <a:extLst>
+              <a:ext uri="{FF2B5EF4-FFF2-40B4-BE49-F238E27FC236}">
+                <a16:creationId xmlns:a16="http://schemas.microsoft.com/office/drawing/2014/main" id="{1129BA5F-C306-A544-9F4E-D0CCBD6F125C}"/>
+              </a:ext>
+            </a:extLst>
+          </p:cNvPr>
+          <p:cNvSpPr txBox="1">
+            <a:spLocks noChangeArrowheads="1"/>
+          </p:cNvSpPr>
+          <p:nvPr/>
+        </p:nvSpPr>
+        <p:spPr bwMode="auto">
+          <a:xfrm>
+            <a:off x="6199841" y="3448379"/>
+            <a:ext cx="282575" cy="304800"/>
+          </a:xfrm>
+          <a:prstGeom prst="rect">
+            <a:avLst/>
+          </a:prstGeom>
+          <a:noFill/>
+          <a:ln w="9525">
+            <a:noFill/>
+            <a:miter lim="800000"/>
+            <a:headEnd/>
+            <a:tailEnd/>
+          </a:ln>
+        </p:spPr>
+        <p:txBody>
+          <a:bodyPr wrap="none">
+            <a:spAutoFit/>
+          </a:bodyPr>
+          <a:lstStyle/>
+          <a:p>
+            <a:pPr algn="ctr" eaLnBrk="0" hangingPunct="0"/>
+            <a:r>
+              <a:rPr lang="en-US" altLang="de-DE" sz="1400"/>
+              <a:t>1</a:t>
+            </a:r>
+          </a:p>
+        </p:txBody>
+      </p:sp>
+      <p:sp>
+        <p:nvSpPr>
+          <p:cNvPr id="38" name="Text Box 1075">
+            <a:extLst>
+              <a:ext uri="{FF2B5EF4-FFF2-40B4-BE49-F238E27FC236}">
+                <a16:creationId xmlns:a16="http://schemas.microsoft.com/office/drawing/2014/main" id="{C0EF88A8-F321-D04E-9D35-5F0C7DD063DD}"/>
+              </a:ext>
+            </a:extLst>
+          </p:cNvPr>
+          <p:cNvSpPr txBox="1">
+            <a:spLocks noChangeArrowheads="1"/>
+          </p:cNvSpPr>
+          <p:nvPr/>
+        </p:nvSpPr>
+        <p:spPr bwMode="auto">
+          <a:xfrm>
+            <a:off x="7144871" y="3439734"/>
+            <a:ext cx="282575" cy="304800"/>
+          </a:xfrm>
+          <a:prstGeom prst="rect">
+            <a:avLst/>
+          </a:prstGeom>
+          <a:noFill/>
+          <a:ln w="9525">
+            <a:noFill/>
+            <a:miter lim="800000"/>
+            <a:headEnd/>
+            <a:tailEnd/>
+          </a:ln>
+        </p:spPr>
+        <p:txBody>
+          <a:bodyPr wrap="none">
+            <a:spAutoFit/>
+          </a:bodyPr>
+          <a:lstStyle/>
+          <a:p>
+            <a:pPr algn="ctr" eaLnBrk="0" hangingPunct="0"/>
+            <a:r>
+              <a:rPr lang="en-US" altLang="de-DE" sz="1400"/>
+              <a:t>1</a:t>
+            </a:r>
+          </a:p>
+        </p:txBody>
+      </p:sp>
+      <p:sp>
+        <p:nvSpPr>
+          <p:cNvPr id="5" name="TextBox 4">
+            <a:extLst>
+              <a:ext uri="{FF2B5EF4-FFF2-40B4-BE49-F238E27FC236}">
+                <a16:creationId xmlns:a16="http://schemas.microsoft.com/office/drawing/2014/main" id="{2B125DA6-20E5-E54B-9E55-2A288A4B040D}"/>
+              </a:ext>
+            </a:extLst>
+          </p:cNvPr>
+          <p:cNvSpPr txBox="1"/>
+          <p:nvPr/>
+        </p:nvSpPr>
+        <p:spPr>
+          <a:xfrm>
+            <a:off x="5883889" y="3238282"/>
+            <a:ext cx="631904" cy="307777"/>
+          </a:xfrm>
+          <a:prstGeom prst="rect">
+            <a:avLst/>
+          </a:prstGeom>
+          <a:noFill/>
+        </p:spPr>
+        <p:txBody>
+          <a:bodyPr wrap="none" rtlCol="0">
+            <a:spAutoFit/>
+          </a:bodyPr>
+          <a:lstStyle/>
+          <a:p>
+            <a:r>
+              <a:rPr lang="en-US" sz="1400" dirty="0" err="1"/>
+              <a:t>inport</a:t>
+            </a:r>
+            <a:endParaRPr lang="en-US" sz="1400" dirty="0"/>
+          </a:p>
+        </p:txBody>
+      </p:sp>
+      <p:sp>
+        <p:nvSpPr>
+          <p:cNvPr id="39" name="TextBox 38">
+            <a:extLst>
+              <a:ext uri="{FF2B5EF4-FFF2-40B4-BE49-F238E27FC236}">
+                <a16:creationId xmlns:a16="http://schemas.microsoft.com/office/drawing/2014/main" id="{C383F95E-E620-414A-84FE-62A9E0B3770B}"/>
+              </a:ext>
+            </a:extLst>
+          </p:cNvPr>
+          <p:cNvSpPr txBox="1"/>
+          <p:nvPr/>
+        </p:nvSpPr>
+        <p:spPr>
+          <a:xfrm>
+            <a:off x="7158559" y="3238283"/>
+            <a:ext cx="740908" cy="307777"/>
+          </a:xfrm>
+          <a:prstGeom prst="rect">
+            <a:avLst/>
+          </a:prstGeom>
+          <a:noFill/>
+        </p:spPr>
+        <p:txBody>
+          <a:bodyPr wrap="none" rtlCol="0">
+            <a:spAutoFit/>
+          </a:bodyPr>
+          <a:lstStyle/>
+          <a:p>
+            <a:r>
+              <a:rPr lang="en-US" sz="1400" dirty="0"/>
+              <a:t>outport</a:t>
+            </a:r>
+          </a:p>
+        </p:txBody>
+      </p:sp>
+      <p:sp>
+        <p:nvSpPr>
+          <p:cNvPr id="42" name="Rectangle 1084">
+            <a:extLst>
+              <a:ext uri="{FF2B5EF4-FFF2-40B4-BE49-F238E27FC236}">
+                <a16:creationId xmlns:a16="http://schemas.microsoft.com/office/drawing/2014/main" id="{4715B4A7-20B8-2A42-8838-3EE0D606043B}"/>
+              </a:ext>
+            </a:extLst>
+          </p:cNvPr>
+          <p:cNvSpPr>
+            <a:spLocks noChangeArrowheads="1"/>
+          </p:cNvSpPr>
+          <p:nvPr/>
+        </p:nvSpPr>
+        <p:spPr bwMode="auto">
+          <a:xfrm>
+            <a:off x="6211156" y="5120128"/>
+            <a:ext cx="1219200" cy="380470"/>
+          </a:xfrm>
+          <a:prstGeom prst="rect">
+            <a:avLst/>
+          </a:prstGeom>
+          <a:noFill/>
+          <a:ln w="9525">
+            <a:solidFill>
+              <a:schemeClr val="tx1"/>
+            </a:solidFill>
+            <a:miter lim="800000"/>
+            <a:headEnd/>
+            <a:tailEnd/>
+          </a:ln>
+        </p:spPr>
+        <p:txBody>
+          <a:bodyPr wrap="none" anchor="ctr"/>
+          <a:lstStyle/>
+          <a:p>
+            <a:pPr algn="ctr"/>
+            <a:r>
+              <a:rPr lang="en-US" sz="1600" dirty="0"/>
+              <a:t>Port</a:t>
+            </a:r>
+          </a:p>
+        </p:txBody>
+      </p:sp>
+      <p:sp>
+        <p:nvSpPr>
+          <p:cNvPr id="45" name="Text Box 1075">
+            <a:extLst>
+              <a:ext uri="{FF2B5EF4-FFF2-40B4-BE49-F238E27FC236}">
+                <a16:creationId xmlns:a16="http://schemas.microsoft.com/office/drawing/2014/main" id="{F33963E4-61CE-0B49-96BA-BC201947371A}"/>
+              </a:ext>
+            </a:extLst>
+          </p:cNvPr>
+          <p:cNvSpPr txBox="1">
+            <a:spLocks noChangeArrowheads="1"/>
+          </p:cNvSpPr>
+          <p:nvPr/>
+        </p:nvSpPr>
+        <p:spPr bwMode="auto">
+          <a:xfrm>
+            <a:off x="6199841" y="4845593"/>
+            <a:ext cx="282575" cy="304800"/>
+          </a:xfrm>
+          <a:prstGeom prst="rect">
+            <a:avLst/>
+          </a:prstGeom>
+          <a:noFill/>
+          <a:ln w="9525">
+            <a:noFill/>
+            <a:miter lim="800000"/>
+            <a:headEnd/>
+            <a:tailEnd/>
+          </a:ln>
+        </p:spPr>
+        <p:txBody>
+          <a:bodyPr wrap="none">
+            <a:spAutoFit/>
+          </a:bodyPr>
+          <a:lstStyle/>
+          <a:p>
+            <a:pPr algn="ctr" eaLnBrk="0" hangingPunct="0"/>
+            <a:r>
+              <a:rPr lang="en-US" altLang="de-DE" sz="1400"/>
+              <a:t>1</a:t>
+            </a:r>
+          </a:p>
+        </p:txBody>
+      </p:sp>
+      <p:sp>
+        <p:nvSpPr>
+          <p:cNvPr id="46" name="Text Box 1075">
+            <a:extLst>
+              <a:ext uri="{FF2B5EF4-FFF2-40B4-BE49-F238E27FC236}">
+                <a16:creationId xmlns:a16="http://schemas.microsoft.com/office/drawing/2014/main" id="{925A56C8-F1D9-B64D-BE4F-E98291E22201}"/>
+              </a:ext>
+            </a:extLst>
+          </p:cNvPr>
+          <p:cNvSpPr txBox="1">
+            <a:spLocks noChangeArrowheads="1"/>
+          </p:cNvSpPr>
+          <p:nvPr/>
+        </p:nvSpPr>
+        <p:spPr bwMode="auto">
+          <a:xfrm>
+            <a:off x="7158559" y="4836948"/>
+            <a:ext cx="255198" cy="307777"/>
+          </a:xfrm>
+          <a:prstGeom prst="rect">
+            <a:avLst/>
+          </a:prstGeom>
+          <a:noFill/>
+          <a:ln w="9525">
+            <a:noFill/>
+            <a:miter lim="800000"/>
+            <a:headEnd/>
+            <a:tailEnd/>
+          </a:ln>
+        </p:spPr>
+        <p:txBody>
+          <a:bodyPr wrap="none">
+            <a:spAutoFit/>
+          </a:bodyPr>
+          <a:lstStyle/>
+          <a:p>
+            <a:pPr algn="ctr" eaLnBrk="0" hangingPunct="0"/>
+            <a:r>
+              <a:rPr lang="en-US" altLang="de-DE" sz="1400" dirty="0"/>
+              <a:t>*</a:t>
+            </a:r>
+          </a:p>
+        </p:txBody>
+      </p:sp>
+      <p:sp>
+        <p:nvSpPr>
+          <p:cNvPr id="47" name="TextBox 46">
+            <a:extLst>
+              <a:ext uri="{FF2B5EF4-FFF2-40B4-BE49-F238E27FC236}">
+                <a16:creationId xmlns:a16="http://schemas.microsoft.com/office/drawing/2014/main" id="{CE63F31A-DE38-1544-9CDF-6E331AECF6DB}"/>
+              </a:ext>
+            </a:extLst>
+          </p:cNvPr>
+          <p:cNvSpPr txBox="1"/>
+          <p:nvPr/>
+        </p:nvSpPr>
+        <p:spPr>
+          <a:xfrm>
+            <a:off x="5260252" y="4606870"/>
+            <a:ext cx="1279517" cy="523220"/>
+          </a:xfrm>
+          <a:prstGeom prst="rect">
+            <a:avLst/>
+          </a:prstGeom>
+          <a:noFill/>
+        </p:spPr>
+        <p:txBody>
+          <a:bodyPr wrap="none" rtlCol="0">
+            <a:spAutoFit/>
+          </a:bodyPr>
+          <a:lstStyle/>
+          <a:p>
+            <a:r>
+              <a:rPr lang="en-US" sz="1400" dirty="0" err="1"/>
+              <a:t>dataProviding</a:t>
+            </a:r>
+            <a:br>
+              <a:rPr lang="en-US" sz="1400" dirty="0"/>
+            </a:br>
+            <a:r>
+              <a:rPr lang="en-US" sz="1400" dirty="0"/>
+              <a:t>Port</a:t>
+            </a:r>
+          </a:p>
+        </p:txBody>
+      </p:sp>
+      <p:sp>
+        <p:nvSpPr>
+          <p:cNvPr id="48" name="TextBox 47">
+            <a:extLst>
+              <a:ext uri="{FF2B5EF4-FFF2-40B4-BE49-F238E27FC236}">
+                <a16:creationId xmlns:a16="http://schemas.microsoft.com/office/drawing/2014/main" id="{034B7381-D6EF-384C-A72F-35F0895D5859}"/>
+              </a:ext>
+            </a:extLst>
+          </p:cNvPr>
+          <p:cNvSpPr txBox="1"/>
+          <p:nvPr/>
+        </p:nvSpPr>
+        <p:spPr>
+          <a:xfrm>
+            <a:off x="7155298" y="4601212"/>
+            <a:ext cx="1348446" cy="307777"/>
+          </a:xfrm>
+          <a:prstGeom prst="rect">
+            <a:avLst/>
+          </a:prstGeom>
+          <a:noFill/>
+        </p:spPr>
+        <p:txBody>
+          <a:bodyPr wrap="none" rtlCol="0">
+            <a:spAutoFit/>
+          </a:bodyPr>
+          <a:lstStyle/>
+          <a:p>
+            <a:r>
+              <a:rPr lang="en-US" sz="1400" dirty="0" err="1"/>
+              <a:t>managedPorts</a:t>
+            </a:r>
+            <a:endParaRPr lang="en-US" sz="1400" dirty="0"/>
+          </a:p>
+        </p:txBody>
+      </p:sp>
+      <p:sp>
+        <p:nvSpPr>
+          <p:cNvPr id="49" name="AutoShape 57">
+            <a:extLst>
+              <a:ext uri="{FF2B5EF4-FFF2-40B4-BE49-F238E27FC236}">
+                <a16:creationId xmlns:a16="http://schemas.microsoft.com/office/drawing/2014/main" id="{33BE98CD-BA2E-754E-BD2A-CAD51F77FCAB}"/>
+              </a:ext>
+            </a:extLst>
+          </p:cNvPr>
+          <p:cNvSpPr>
+            <a:spLocks noChangeArrowheads="1"/>
+          </p:cNvSpPr>
+          <p:nvPr/>
+        </p:nvSpPr>
+        <p:spPr bwMode="auto">
+          <a:xfrm>
+            <a:off x="6323075" y="5502322"/>
+            <a:ext cx="304800" cy="290513"/>
+          </a:xfrm>
+          <a:prstGeom prst="triangle">
+            <a:avLst>
+              <a:gd name="adj" fmla="val 50000"/>
+            </a:avLst>
+          </a:prstGeom>
+          <a:solidFill>
+            <a:schemeClr val="bg1"/>
+          </a:solidFill>
+          <a:ln w="9525">
+            <a:solidFill>
+              <a:schemeClr val="tx1"/>
+            </a:solidFill>
+            <a:miter lim="800000"/>
+            <a:headEnd/>
+            <a:tailEnd type="none" w="lg" len="lg"/>
+          </a:ln>
+        </p:spPr>
+        <p:txBody>
+          <a:bodyPr wrap="none" anchor="ctr">
+            <a:spAutoFit/>
+          </a:bodyPr>
+          <a:lstStyle/>
+          <a:p>
+            <a:endParaRPr lang="en-US"/>
+          </a:p>
+        </p:txBody>
+      </p:sp>
+      <p:sp>
+        <p:nvSpPr>
+          <p:cNvPr id="52" name="Rectangle 1084">
+            <a:extLst>
+              <a:ext uri="{FF2B5EF4-FFF2-40B4-BE49-F238E27FC236}">
+                <a16:creationId xmlns:a16="http://schemas.microsoft.com/office/drawing/2014/main" id="{3941BA5C-3B69-784E-BCD6-E05C1D531B5C}"/>
+              </a:ext>
+            </a:extLst>
+          </p:cNvPr>
+          <p:cNvSpPr>
+            <a:spLocks noChangeArrowheads="1"/>
+          </p:cNvSpPr>
+          <p:nvPr/>
+        </p:nvSpPr>
+        <p:spPr bwMode="auto">
+          <a:xfrm>
+            <a:off x="6928437" y="5937372"/>
+            <a:ext cx="1219200" cy="380470"/>
+          </a:xfrm>
+          <a:prstGeom prst="rect">
+            <a:avLst/>
+          </a:prstGeom>
+          <a:noFill/>
+          <a:ln w="9525">
+            <a:solidFill>
+              <a:schemeClr val="tx1"/>
+            </a:solidFill>
+            <a:miter lim="800000"/>
+            <a:headEnd/>
+            <a:tailEnd/>
+          </a:ln>
+        </p:spPr>
+        <p:txBody>
+          <a:bodyPr wrap="none" anchor="ctr"/>
+          <a:lstStyle/>
+          <a:p>
+            <a:pPr algn="ctr"/>
+            <a:r>
+              <a:rPr lang="en-US" sz="1600" dirty="0" err="1"/>
+              <a:t>WSPort</a:t>
+            </a:r>
+            <a:endParaRPr lang="en-US" sz="1600" dirty="0"/>
+          </a:p>
+        </p:txBody>
+      </p:sp>
+      <p:sp>
+        <p:nvSpPr>
+          <p:cNvPr id="55" name="Rectangle 1084">
+            <a:extLst>
+              <a:ext uri="{FF2B5EF4-FFF2-40B4-BE49-F238E27FC236}">
+                <a16:creationId xmlns:a16="http://schemas.microsoft.com/office/drawing/2014/main" id="{41517010-C8AC-F14E-B3F3-C819CC14BB25}"/>
+              </a:ext>
+            </a:extLst>
+          </p:cNvPr>
+          <p:cNvSpPr>
+            <a:spLocks noChangeArrowheads="1"/>
+          </p:cNvSpPr>
+          <p:nvPr/>
+        </p:nvSpPr>
+        <p:spPr bwMode="auto">
+          <a:xfrm>
+            <a:off x="6928437" y="6551655"/>
+            <a:ext cx="1219200" cy="380470"/>
+          </a:xfrm>
+          <a:prstGeom prst="rect">
+            <a:avLst/>
+          </a:prstGeom>
+          <a:noFill/>
+          <a:ln w="9525">
+            <a:solidFill>
+              <a:schemeClr val="tx1"/>
+            </a:solidFill>
+            <a:miter lim="800000"/>
+            <a:headEnd/>
+            <a:tailEnd/>
+          </a:ln>
+        </p:spPr>
+        <p:txBody>
+          <a:bodyPr wrap="none" anchor="ctr"/>
+          <a:lstStyle/>
+          <a:p>
+            <a:pPr algn="ctr"/>
+            <a:r>
+              <a:rPr lang="en-US" sz="1600" dirty="0" err="1"/>
+              <a:t>IPCPort</a:t>
+            </a:r>
+            <a:endParaRPr lang="en-US" sz="1600" dirty="0"/>
+          </a:p>
+        </p:txBody>
+      </p:sp>
+      <p:cxnSp>
+        <p:nvCxnSpPr>
+          <p:cNvPr id="7" name="Straight Connector 6">
+            <a:extLst>
+              <a:ext uri="{FF2B5EF4-FFF2-40B4-BE49-F238E27FC236}">
+                <a16:creationId xmlns:a16="http://schemas.microsoft.com/office/drawing/2014/main" id="{FD8BE4E1-658A-8B44-879F-FDB09E545BB3}"/>
+              </a:ext>
+            </a:extLst>
+          </p:cNvPr>
+          <p:cNvCxnSpPr>
+            <a:stCxn id="49" idx="3"/>
+            <a:endCxn id="52" idx="1"/>
+          </p:cNvCxnSpPr>
+          <p:nvPr/>
+        </p:nvCxnSpPr>
+        <p:spPr>
+          <a:xfrm rot="16200000" flipH="1">
+            <a:off x="6534570" y="5733740"/>
+            <a:ext cx="334772" cy="452962"/>
+          </a:xfrm>
+          <a:prstGeom prst="bentConnector2">
+            <a:avLst/>
+          </a:prstGeom>
+        </p:spPr>
+        <p:style>
+          <a:lnRef idx="1">
+            <a:schemeClr val="dk1"/>
+          </a:lnRef>
+          <a:fillRef idx="0">
+            <a:schemeClr val="dk1"/>
+          </a:fillRef>
+          <a:effectRef idx="0">
+            <a:schemeClr val="dk1"/>
+          </a:effectRef>
+          <a:fontRef idx="minor">
+            <a:schemeClr val="tx1"/>
+          </a:fontRef>
+        </p:style>
+      </p:cxnSp>
+      <p:cxnSp>
+        <p:nvCxnSpPr>
+          <p:cNvPr id="9" name="Straight Connector 8">
+            <a:extLst>
+              <a:ext uri="{FF2B5EF4-FFF2-40B4-BE49-F238E27FC236}">
+                <a16:creationId xmlns:a16="http://schemas.microsoft.com/office/drawing/2014/main" id="{246E2781-9F6E-BF4A-B95D-0DC2A90DA3CF}"/>
+              </a:ext>
+            </a:extLst>
+          </p:cNvPr>
+          <p:cNvCxnSpPr>
+            <a:stCxn id="49" idx="3"/>
+            <a:endCxn id="55" idx="1"/>
+          </p:cNvCxnSpPr>
+          <p:nvPr/>
+        </p:nvCxnSpPr>
+        <p:spPr>
+          <a:xfrm rot="16200000" flipH="1">
+            <a:off x="6227429" y="6040881"/>
+            <a:ext cx="949055" cy="452962"/>
+          </a:xfrm>
+          <a:prstGeom prst="bentConnector2">
+            <a:avLst/>
+          </a:prstGeom>
+        </p:spPr>
+        <p:style>
+          <a:lnRef idx="1">
+            <a:schemeClr val="dk1"/>
+          </a:lnRef>
+          <a:fillRef idx="0">
+            <a:schemeClr val="dk1"/>
+          </a:fillRef>
+          <a:effectRef idx="0">
+            <a:schemeClr val="dk1"/>
+          </a:effectRef>
+          <a:fontRef idx="minor">
+            <a:schemeClr val="tx1"/>
+          </a:fontRef>
+        </p:style>
+      </p:cxnSp>
+      <p:sp>
+        <p:nvSpPr>
+          <p:cNvPr id="61" name="Rectangle 1084">
+            <a:extLst>
+              <a:ext uri="{FF2B5EF4-FFF2-40B4-BE49-F238E27FC236}">
+                <a16:creationId xmlns:a16="http://schemas.microsoft.com/office/drawing/2014/main" id="{A5C0D7D0-9EA7-E045-B6C7-614DDB3A9AF6}"/>
+              </a:ext>
+            </a:extLst>
+          </p:cNvPr>
+          <p:cNvSpPr>
+            <a:spLocks noChangeArrowheads="1"/>
+          </p:cNvSpPr>
+          <p:nvPr/>
+        </p:nvSpPr>
+        <p:spPr bwMode="auto">
+          <a:xfrm>
+            <a:off x="9724377" y="6023943"/>
+            <a:ext cx="2262715" cy="380470"/>
+          </a:xfrm>
+          <a:prstGeom prst="rect">
+            <a:avLst/>
+          </a:prstGeom>
+          <a:noFill/>
+          <a:ln w="9525">
+            <a:solidFill>
+              <a:schemeClr val="tx1"/>
+            </a:solidFill>
+            <a:miter lim="800000"/>
+            <a:headEnd/>
+            <a:tailEnd/>
+          </a:ln>
+        </p:spPr>
+        <p:txBody>
+          <a:bodyPr wrap="none" anchor="ctr"/>
+          <a:lstStyle/>
+          <a:p>
+            <a:pPr algn="ctr"/>
+            <a:r>
+              <a:rPr lang="en-US" sz="1600" dirty="0" err="1"/>
+              <a:t>MessageAcceptor</a:t>
+            </a:r>
+            <a:endParaRPr lang="en-US" sz="1600" dirty="0"/>
+          </a:p>
+        </p:txBody>
+      </p:sp>
+      <p:sp>
+        <p:nvSpPr>
+          <p:cNvPr id="62" name="Rectangle 1084">
+            <a:extLst>
+              <a:ext uri="{FF2B5EF4-FFF2-40B4-BE49-F238E27FC236}">
+                <a16:creationId xmlns:a16="http://schemas.microsoft.com/office/drawing/2014/main" id="{95C2D7EE-A443-BC43-B1F4-9088EFEC2C15}"/>
+              </a:ext>
+            </a:extLst>
+          </p:cNvPr>
+          <p:cNvSpPr>
+            <a:spLocks noChangeArrowheads="1"/>
+          </p:cNvSpPr>
+          <p:nvPr/>
+        </p:nvSpPr>
+        <p:spPr bwMode="auto">
+          <a:xfrm>
+            <a:off x="9724376" y="6529717"/>
+            <a:ext cx="2262715" cy="380470"/>
+          </a:xfrm>
+          <a:prstGeom prst="rect">
+            <a:avLst/>
+          </a:prstGeom>
+          <a:noFill/>
+          <a:ln w="9525">
+            <a:solidFill>
+              <a:schemeClr val="tx1"/>
+            </a:solidFill>
+            <a:miter lim="800000"/>
+            <a:headEnd/>
+            <a:tailEnd/>
+          </a:ln>
+        </p:spPr>
+        <p:txBody>
+          <a:bodyPr wrap="none" anchor="ctr"/>
+          <a:lstStyle/>
+          <a:p>
+            <a:pPr algn="ctr"/>
+            <a:r>
+              <a:rPr lang="en-US" sz="1600" dirty="0" err="1"/>
+              <a:t>MessageProvider</a:t>
+            </a:r>
+            <a:endParaRPr lang="en-US" sz="1600" dirty="0"/>
+          </a:p>
+        </p:txBody>
+      </p:sp>
+      <p:sp>
+        <p:nvSpPr>
+          <p:cNvPr id="63" name="Rectangle 1084">
+            <a:extLst>
+              <a:ext uri="{FF2B5EF4-FFF2-40B4-BE49-F238E27FC236}">
+                <a16:creationId xmlns:a16="http://schemas.microsoft.com/office/drawing/2014/main" id="{DB7B90CE-4361-C444-A2A7-1D682D22D7BA}"/>
+              </a:ext>
+            </a:extLst>
+          </p:cNvPr>
+          <p:cNvSpPr>
+            <a:spLocks noChangeArrowheads="1"/>
+          </p:cNvSpPr>
+          <p:nvPr/>
+        </p:nvSpPr>
+        <p:spPr bwMode="auto">
+          <a:xfrm>
+            <a:off x="9724377" y="5119981"/>
+            <a:ext cx="2262715" cy="380470"/>
+          </a:xfrm>
+          <a:prstGeom prst="rect">
+            <a:avLst/>
+          </a:prstGeom>
+          <a:noFill/>
+          <a:ln w="9525">
+            <a:solidFill>
+              <a:schemeClr val="tx1"/>
+            </a:solidFill>
+            <a:miter lim="800000"/>
+            <a:headEnd/>
+            <a:tailEnd/>
+          </a:ln>
+        </p:spPr>
+        <p:txBody>
+          <a:bodyPr wrap="none" anchor="ctr"/>
+          <a:lstStyle/>
+          <a:p>
+            <a:pPr algn="ctr"/>
+            <a:r>
+              <a:rPr lang="en-US" sz="1600" dirty="0" err="1"/>
+              <a:t>UniqueElement</a:t>
+            </a:r>
+            <a:endParaRPr lang="en-US" sz="1600" dirty="0"/>
+          </a:p>
+        </p:txBody>
+      </p:sp>
+      <p:sp>
+        <p:nvSpPr>
+          <p:cNvPr id="64" name="AutoShape 57">
+            <a:extLst>
+              <a:ext uri="{FF2B5EF4-FFF2-40B4-BE49-F238E27FC236}">
+                <a16:creationId xmlns:a16="http://schemas.microsoft.com/office/drawing/2014/main" id="{C1D93C21-D604-E84D-A048-EF8591491E6D}"/>
+              </a:ext>
+            </a:extLst>
+          </p:cNvPr>
+          <p:cNvSpPr>
+            <a:spLocks noChangeArrowheads="1"/>
+          </p:cNvSpPr>
+          <p:nvPr/>
+        </p:nvSpPr>
+        <p:spPr bwMode="auto">
+          <a:xfrm rot="5400000">
+            <a:off x="5902184" y="5165107"/>
+            <a:ext cx="304800" cy="290513"/>
+          </a:xfrm>
+          <a:prstGeom prst="triangle">
+            <a:avLst>
+              <a:gd name="adj" fmla="val 50000"/>
+            </a:avLst>
+          </a:prstGeom>
+          <a:solidFill>
+            <a:schemeClr val="bg1"/>
+          </a:solidFill>
+          <a:ln w="9525">
+            <a:solidFill>
+              <a:schemeClr val="tx1"/>
+            </a:solidFill>
+            <a:miter lim="800000"/>
+            <a:headEnd/>
+            <a:tailEnd type="none" w="lg" len="lg"/>
+          </a:ln>
+        </p:spPr>
+        <p:txBody>
+          <a:bodyPr wrap="none" anchor="ctr">
+            <a:spAutoFit/>
+          </a:bodyPr>
+          <a:lstStyle/>
+          <a:p>
+            <a:endParaRPr lang="en-US"/>
+          </a:p>
+        </p:txBody>
+      </p:sp>
+      <p:cxnSp>
+        <p:nvCxnSpPr>
+          <p:cNvPr id="11" name="Straight Connector 10">
+            <a:extLst>
+              <a:ext uri="{FF2B5EF4-FFF2-40B4-BE49-F238E27FC236}">
+                <a16:creationId xmlns:a16="http://schemas.microsoft.com/office/drawing/2014/main" id="{3E579B14-CE45-6A48-B0DE-071AB0634D03}"/>
+              </a:ext>
+            </a:extLst>
+          </p:cNvPr>
+          <p:cNvCxnSpPr>
+            <a:stCxn id="16" idx="1"/>
+            <a:endCxn id="64" idx="3"/>
+          </p:cNvCxnSpPr>
+          <p:nvPr/>
+        </p:nvCxnSpPr>
+        <p:spPr>
+          <a:xfrm rot="10800000" flipV="1">
+            <a:off x="5909328" y="2522112"/>
+            <a:ext cx="301828" cy="2788251"/>
+          </a:xfrm>
+          <a:prstGeom prst="bentConnector3">
+            <a:avLst>
+              <a:gd name="adj1" fmla="val 409528"/>
+            </a:avLst>
+          </a:prstGeom>
+        </p:spPr>
+        <p:style>
+          <a:lnRef idx="1">
+            <a:schemeClr val="dk1"/>
+          </a:lnRef>
+          <a:fillRef idx="0">
+            <a:schemeClr val="dk1"/>
+          </a:fillRef>
+          <a:effectRef idx="0">
+            <a:schemeClr val="dk1"/>
+          </a:effectRef>
+          <a:fontRef idx="minor">
+            <a:schemeClr val="tx1"/>
+          </a:fontRef>
+        </p:style>
+      </p:cxnSp>
+      <p:cxnSp>
+        <p:nvCxnSpPr>
+          <p:cNvPr id="65" name="Straight Connector 10">
+            <a:extLst>
+              <a:ext uri="{FF2B5EF4-FFF2-40B4-BE49-F238E27FC236}">
+                <a16:creationId xmlns:a16="http://schemas.microsoft.com/office/drawing/2014/main" id="{9586FF1B-A8C2-A646-B685-C59820032940}"/>
+              </a:ext>
+            </a:extLst>
+          </p:cNvPr>
+          <p:cNvCxnSpPr>
+            <a:cxnSpLocks/>
+            <a:stCxn id="21" idx="1"/>
+            <a:endCxn id="64" idx="3"/>
+          </p:cNvCxnSpPr>
+          <p:nvPr/>
+        </p:nvCxnSpPr>
+        <p:spPr>
+          <a:xfrm rot="10800000" flipV="1">
+            <a:off x="5909328" y="3919326"/>
+            <a:ext cx="301034" cy="1391038"/>
+          </a:xfrm>
+          <a:prstGeom prst="bentConnector3">
+            <a:avLst>
+              <a:gd name="adj1" fmla="val 410345"/>
+            </a:avLst>
+          </a:prstGeom>
+        </p:spPr>
+        <p:style>
+          <a:lnRef idx="1">
+            <a:schemeClr val="dk1"/>
+          </a:lnRef>
+          <a:fillRef idx="0">
+            <a:schemeClr val="dk1"/>
+          </a:fillRef>
+          <a:effectRef idx="0">
+            <a:schemeClr val="dk1"/>
+          </a:effectRef>
+          <a:fontRef idx="minor">
+            <a:schemeClr val="tx1"/>
+          </a:fontRef>
+        </p:style>
+      </p:cxnSp>
+      <p:sp>
+        <p:nvSpPr>
+          <p:cNvPr id="66" name="AutoShape 57">
+            <a:extLst>
+              <a:ext uri="{FF2B5EF4-FFF2-40B4-BE49-F238E27FC236}">
+                <a16:creationId xmlns:a16="http://schemas.microsoft.com/office/drawing/2014/main" id="{87A903C2-6B42-D34E-8DCB-FF12752CB9F2}"/>
+              </a:ext>
+            </a:extLst>
+          </p:cNvPr>
+          <p:cNvSpPr>
+            <a:spLocks noChangeArrowheads="1"/>
+          </p:cNvSpPr>
+          <p:nvPr/>
+        </p:nvSpPr>
+        <p:spPr bwMode="auto">
+          <a:xfrm rot="5400000">
+            <a:off x="9426718" y="6574696"/>
+            <a:ext cx="304800" cy="290513"/>
+          </a:xfrm>
+          <a:prstGeom prst="triangle">
+            <a:avLst>
+              <a:gd name="adj" fmla="val 50000"/>
+            </a:avLst>
+          </a:prstGeom>
+          <a:solidFill>
+            <a:schemeClr val="bg1"/>
+          </a:solidFill>
+          <a:ln w="9525">
+            <a:solidFill>
+              <a:schemeClr val="tx1"/>
+            </a:solidFill>
+            <a:miter lim="800000"/>
+            <a:headEnd/>
+            <a:tailEnd type="none" w="lg" len="lg"/>
+          </a:ln>
+        </p:spPr>
+        <p:txBody>
+          <a:bodyPr wrap="none" anchor="ctr">
+            <a:spAutoFit/>
+          </a:bodyPr>
+          <a:lstStyle/>
+          <a:p>
+            <a:endParaRPr lang="en-US"/>
+          </a:p>
+        </p:txBody>
+      </p:sp>
+      <p:sp>
+        <p:nvSpPr>
+          <p:cNvPr id="67" name="AutoShape 57">
+            <a:extLst>
+              <a:ext uri="{FF2B5EF4-FFF2-40B4-BE49-F238E27FC236}">
+                <a16:creationId xmlns:a16="http://schemas.microsoft.com/office/drawing/2014/main" id="{D2536F62-EB45-674E-8835-1BA03974E105}"/>
+              </a:ext>
+            </a:extLst>
+          </p:cNvPr>
+          <p:cNvSpPr>
+            <a:spLocks noChangeArrowheads="1"/>
+          </p:cNvSpPr>
+          <p:nvPr/>
+        </p:nvSpPr>
+        <p:spPr bwMode="auto">
+          <a:xfrm rot="5400000">
+            <a:off x="9426718" y="6065834"/>
+            <a:ext cx="304800" cy="290513"/>
+          </a:xfrm>
+          <a:prstGeom prst="triangle">
+            <a:avLst>
+              <a:gd name="adj" fmla="val 50000"/>
+            </a:avLst>
+          </a:prstGeom>
+          <a:solidFill>
+            <a:schemeClr val="bg1"/>
+          </a:solidFill>
+          <a:ln w="9525">
+            <a:solidFill>
+              <a:schemeClr val="tx1"/>
+            </a:solidFill>
+            <a:miter lim="800000"/>
+            <a:headEnd/>
+            <a:tailEnd type="none" w="lg" len="lg"/>
+          </a:ln>
+        </p:spPr>
+        <p:txBody>
+          <a:bodyPr wrap="none" anchor="ctr">
+            <a:spAutoFit/>
+          </a:bodyPr>
+          <a:lstStyle/>
+          <a:p>
+            <a:endParaRPr lang="en-US"/>
+          </a:p>
+        </p:txBody>
+      </p:sp>
+      <p:sp>
+        <p:nvSpPr>
+          <p:cNvPr id="68" name="AutoShape 57">
+            <a:extLst>
+              <a:ext uri="{FF2B5EF4-FFF2-40B4-BE49-F238E27FC236}">
+                <a16:creationId xmlns:a16="http://schemas.microsoft.com/office/drawing/2014/main" id="{0D575EB8-7B2A-0245-A0E6-2285ECE5D7D4}"/>
+              </a:ext>
+            </a:extLst>
+          </p:cNvPr>
+          <p:cNvSpPr>
+            <a:spLocks noChangeArrowheads="1"/>
+          </p:cNvSpPr>
+          <p:nvPr/>
+        </p:nvSpPr>
+        <p:spPr bwMode="auto">
+          <a:xfrm rot="5400000">
+            <a:off x="9425545" y="5164960"/>
+            <a:ext cx="304800" cy="290513"/>
+          </a:xfrm>
+          <a:prstGeom prst="triangle">
+            <a:avLst>
+              <a:gd name="adj" fmla="val 50000"/>
+            </a:avLst>
+          </a:prstGeom>
+          <a:solidFill>
+            <a:schemeClr val="bg1"/>
+          </a:solidFill>
+          <a:ln w="9525">
+            <a:solidFill>
+              <a:schemeClr val="tx1"/>
+            </a:solidFill>
+            <a:miter lim="800000"/>
+            <a:headEnd/>
+            <a:tailEnd type="none" w="lg" len="lg"/>
+          </a:ln>
+        </p:spPr>
+        <p:txBody>
+          <a:bodyPr wrap="none" anchor="ctr">
+            <a:spAutoFit/>
+          </a:bodyPr>
+          <a:lstStyle/>
+          <a:p>
+            <a:endParaRPr lang="en-US"/>
+          </a:p>
+        </p:txBody>
+      </p:sp>
+      <p:cxnSp>
+        <p:nvCxnSpPr>
+          <p:cNvPr id="69" name="Straight Connector 6">
+            <a:extLst>
+              <a:ext uri="{FF2B5EF4-FFF2-40B4-BE49-F238E27FC236}">
+                <a16:creationId xmlns:a16="http://schemas.microsoft.com/office/drawing/2014/main" id="{2BC717F6-E179-D444-A284-423AAA8E5005}"/>
+              </a:ext>
+            </a:extLst>
+          </p:cNvPr>
+          <p:cNvCxnSpPr>
+            <a:cxnSpLocks/>
+            <a:stCxn id="68" idx="3"/>
+            <a:endCxn id="42" idx="3"/>
+          </p:cNvCxnSpPr>
+          <p:nvPr/>
+        </p:nvCxnSpPr>
+        <p:spPr>
+          <a:xfrm rot="10800000" flipV="1">
+            <a:off x="7430357" y="5310217"/>
+            <a:ext cx="2002333" cy="146"/>
+          </a:xfrm>
+          <a:prstGeom prst="bentConnector3">
+            <a:avLst>
+              <a:gd name="adj1" fmla="val 50000"/>
+            </a:avLst>
+          </a:prstGeom>
+        </p:spPr>
+        <p:style>
+          <a:lnRef idx="1">
+            <a:schemeClr val="dk1"/>
+          </a:lnRef>
+          <a:fillRef idx="0">
+            <a:schemeClr val="dk1"/>
+          </a:fillRef>
+          <a:effectRef idx="0">
+            <a:schemeClr val="dk1"/>
+          </a:effectRef>
+          <a:fontRef idx="minor">
+            <a:schemeClr val="tx1"/>
+          </a:fontRef>
+        </p:style>
+      </p:cxnSp>
+      <p:cxnSp>
+        <p:nvCxnSpPr>
+          <p:cNvPr id="72" name="Straight Connector 6">
+            <a:extLst>
+              <a:ext uri="{FF2B5EF4-FFF2-40B4-BE49-F238E27FC236}">
+                <a16:creationId xmlns:a16="http://schemas.microsoft.com/office/drawing/2014/main" id="{37188A50-4C3C-0F41-9B91-7BB44B87A894}"/>
+              </a:ext>
+            </a:extLst>
+          </p:cNvPr>
+          <p:cNvCxnSpPr>
+            <a:cxnSpLocks/>
+            <a:stCxn id="66" idx="3"/>
+            <a:endCxn id="42" idx="3"/>
+          </p:cNvCxnSpPr>
+          <p:nvPr/>
+        </p:nvCxnSpPr>
+        <p:spPr>
+          <a:xfrm rot="10800000">
+            <a:off x="7430356" y="5310363"/>
+            <a:ext cx="2003506" cy="1409590"/>
+          </a:xfrm>
+          <a:prstGeom prst="bentConnector3">
+            <a:avLst>
+              <a:gd name="adj1" fmla="val 50000"/>
+            </a:avLst>
+          </a:prstGeom>
+        </p:spPr>
+        <p:style>
+          <a:lnRef idx="1">
+            <a:schemeClr val="dk1"/>
+          </a:lnRef>
+          <a:fillRef idx="0">
+            <a:schemeClr val="dk1"/>
+          </a:fillRef>
+          <a:effectRef idx="0">
+            <a:schemeClr val="dk1"/>
+          </a:effectRef>
+          <a:fontRef idx="minor">
+            <a:schemeClr val="tx1"/>
+          </a:fontRef>
+        </p:style>
+      </p:cxnSp>
+      <p:cxnSp>
+        <p:nvCxnSpPr>
+          <p:cNvPr id="75" name="Straight Connector 6">
+            <a:extLst>
+              <a:ext uri="{FF2B5EF4-FFF2-40B4-BE49-F238E27FC236}">
+                <a16:creationId xmlns:a16="http://schemas.microsoft.com/office/drawing/2014/main" id="{D487AC3B-CE0E-6A41-91B1-924FDA935477}"/>
+              </a:ext>
+            </a:extLst>
+          </p:cNvPr>
+          <p:cNvCxnSpPr>
+            <a:cxnSpLocks/>
+            <a:stCxn id="67" idx="3"/>
+            <a:endCxn id="42" idx="3"/>
+          </p:cNvCxnSpPr>
+          <p:nvPr/>
+        </p:nvCxnSpPr>
+        <p:spPr>
+          <a:xfrm rot="10800000">
+            <a:off x="7430356" y="5310363"/>
+            <a:ext cx="2003506" cy="900728"/>
+          </a:xfrm>
+          <a:prstGeom prst="bentConnector3">
+            <a:avLst>
+              <a:gd name="adj1" fmla="val 50000"/>
+            </a:avLst>
+          </a:prstGeom>
+        </p:spPr>
+        <p:style>
+          <a:lnRef idx="1">
+            <a:schemeClr val="dk1"/>
+          </a:lnRef>
+          <a:fillRef idx="0">
+            <a:schemeClr val="dk1"/>
+          </a:fillRef>
+          <a:effectRef idx="0">
+            <a:schemeClr val="dk1"/>
+          </a:effectRef>
+          <a:fontRef idx="minor">
+            <a:schemeClr val="tx1"/>
+          </a:fontRef>
+        </p:style>
+      </p:cxnSp>
+      <p:sp>
+        <p:nvSpPr>
+          <p:cNvPr id="82" name="AutoShape 50">
+            <a:extLst>
+              <a:ext uri="{FF2B5EF4-FFF2-40B4-BE49-F238E27FC236}">
+                <a16:creationId xmlns:a16="http://schemas.microsoft.com/office/drawing/2014/main" id="{8F2F46E1-A0E7-9E47-B65A-856A4F48D691}"/>
+              </a:ext>
+            </a:extLst>
+          </p:cNvPr>
+          <p:cNvSpPr>
+            <a:spLocks noChangeArrowheads="1"/>
+          </p:cNvSpPr>
+          <p:nvPr/>
+        </p:nvSpPr>
+        <p:spPr bwMode="auto">
+          <a:xfrm>
+            <a:off x="6401742" y="2713853"/>
+            <a:ext cx="168275" cy="252412"/>
+          </a:xfrm>
+          <a:prstGeom prst="diamond">
+            <a:avLst/>
+          </a:prstGeom>
+          <a:solidFill>
+            <a:schemeClr val="tx1"/>
+          </a:solidFill>
+          <a:ln w="9525">
+            <a:solidFill>
+              <a:schemeClr val="tx1"/>
+            </a:solidFill>
+            <a:miter lim="800000"/>
+            <a:headEnd/>
+            <a:tailEnd/>
+          </a:ln>
+        </p:spPr>
+        <p:txBody>
+          <a:bodyPr anchor="ctr">
+            <a:spAutoFit/>
+          </a:bodyPr>
+          <a:lstStyle/>
+          <a:p>
+            <a:endParaRPr lang="en-US"/>
+          </a:p>
+        </p:txBody>
+      </p:sp>
+      <p:cxnSp>
+        <p:nvCxnSpPr>
+          <p:cNvPr id="85" name="Straight Arrow Connector 84">
+            <a:extLst>
+              <a:ext uri="{FF2B5EF4-FFF2-40B4-BE49-F238E27FC236}">
+                <a16:creationId xmlns:a16="http://schemas.microsoft.com/office/drawing/2014/main" id="{29F7C8DC-6F47-A74B-956A-1AA9D365C3DC}"/>
+              </a:ext>
+            </a:extLst>
+          </p:cNvPr>
+          <p:cNvCxnSpPr>
+            <a:cxnSpLocks/>
+            <a:stCxn id="86" idx="2"/>
+          </p:cNvCxnSpPr>
+          <p:nvPr/>
+        </p:nvCxnSpPr>
+        <p:spPr>
+          <a:xfrm flipH="1">
+            <a:off x="7154744" y="2966265"/>
+            <a:ext cx="554" cy="762826"/>
+          </a:xfrm>
+          <a:prstGeom prst="straightConnector1">
+            <a:avLst/>
+          </a:prstGeom>
+          <a:ln>
+            <a:tailEnd type="triangle"/>
+          </a:ln>
+        </p:spPr>
+        <p:style>
+          <a:lnRef idx="1">
+            <a:schemeClr val="dk1"/>
+          </a:lnRef>
+          <a:fillRef idx="0">
+            <a:schemeClr val="dk1"/>
+          </a:fillRef>
+          <a:effectRef idx="0">
+            <a:schemeClr val="dk1"/>
+          </a:effectRef>
+          <a:fontRef idx="minor">
+            <a:schemeClr val="tx1"/>
+          </a:fontRef>
+        </p:style>
+      </p:cxnSp>
+      <p:sp>
+        <p:nvSpPr>
+          <p:cNvPr id="86" name="AutoShape 50">
+            <a:extLst>
+              <a:ext uri="{FF2B5EF4-FFF2-40B4-BE49-F238E27FC236}">
+                <a16:creationId xmlns:a16="http://schemas.microsoft.com/office/drawing/2014/main" id="{3E8A83F5-AD04-AF47-8217-E6288F1BA5EE}"/>
+              </a:ext>
+            </a:extLst>
+          </p:cNvPr>
+          <p:cNvSpPr>
+            <a:spLocks noChangeArrowheads="1"/>
+          </p:cNvSpPr>
+          <p:nvPr/>
+        </p:nvSpPr>
+        <p:spPr bwMode="auto">
+          <a:xfrm>
+            <a:off x="7071160" y="2713853"/>
+            <a:ext cx="168275" cy="252412"/>
+          </a:xfrm>
+          <a:prstGeom prst="diamond">
+            <a:avLst/>
+          </a:prstGeom>
+          <a:solidFill>
+            <a:schemeClr val="tx1"/>
+          </a:solidFill>
+          <a:ln w="9525">
+            <a:solidFill>
+              <a:schemeClr val="tx1"/>
+            </a:solidFill>
+            <a:miter lim="800000"/>
+            <a:headEnd/>
+            <a:tailEnd/>
+          </a:ln>
+        </p:spPr>
+        <p:txBody>
+          <a:bodyPr anchor="ctr">
+            <a:spAutoFit/>
+          </a:bodyPr>
+          <a:lstStyle/>
+          <a:p>
+            <a:endParaRPr lang="en-US" dirty="0"/>
+          </a:p>
+        </p:txBody>
+      </p:sp>
+      <p:cxnSp>
+        <p:nvCxnSpPr>
+          <p:cNvPr id="87" name="Straight Arrow Connector 86">
+            <a:extLst>
+              <a:ext uri="{FF2B5EF4-FFF2-40B4-BE49-F238E27FC236}">
+                <a16:creationId xmlns:a16="http://schemas.microsoft.com/office/drawing/2014/main" id="{74FC0FD0-1DC1-0749-8C40-FD2459441B5C}"/>
+              </a:ext>
+            </a:extLst>
+          </p:cNvPr>
+          <p:cNvCxnSpPr>
+            <a:cxnSpLocks/>
+            <a:stCxn id="88" idx="2"/>
+          </p:cNvCxnSpPr>
+          <p:nvPr/>
+        </p:nvCxnSpPr>
+        <p:spPr>
+          <a:xfrm flipH="1">
+            <a:off x="6488919" y="4365992"/>
+            <a:ext cx="554" cy="762826"/>
+          </a:xfrm>
+          <a:prstGeom prst="straightConnector1">
+            <a:avLst/>
+          </a:prstGeom>
+          <a:ln>
+            <a:tailEnd type="triangle"/>
+          </a:ln>
+        </p:spPr>
+        <p:style>
+          <a:lnRef idx="1">
+            <a:schemeClr val="dk1"/>
+          </a:lnRef>
+          <a:fillRef idx="0">
+            <a:schemeClr val="dk1"/>
+          </a:fillRef>
+          <a:effectRef idx="0">
+            <a:schemeClr val="dk1"/>
+          </a:effectRef>
+          <a:fontRef idx="minor">
+            <a:schemeClr val="tx1"/>
+          </a:fontRef>
+        </p:style>
+      </p:cxnSp>
+      <p:sp>
+        <p:nvSpPr>
+          <p:cNvPr id="88" name="AutoShape 50">
+            <a:extLst>
+              <a:ext uri="{FF2B5EF4-FFF2-40B4-BE49-F238E27FC236}">
+                <a16:creationId xmlns:a16="http://schemas.microsoft.com/office/drawing/2014/main" id="{4442838A-5F3E-FD4B-B3B9-E706107652AE}"/>
+              </a:ext>
+            </a:extLst>
+          </p:cNvPr>
+          <p:cNvSpPr>
+            <a:spLocks noChangeArrowheads="1"/>
+          </p:cNvSpPr>
+          <p:nvPr/>
+        </p:nvSpPr>
+        <p:spPr bwMode="auto">
+          <a:xfrm>
+            <a:off x="6405335" y="4113580"/>
+            <a:ext cx="168275" cy="252412"/>
+          </a:xfrm>
+          <a:prstGeom prst="diamond">
+            <a:avLst/>
+          </a:prstGeom>
+          <a:solidFill>
+            <a:schemeClr val="tx1"/>
+          </a:solidFill>
+          <a:ln w="9525">
+            <a:solidFill>
+              <a:schemeClr val="tx1"/>
+            </a:solidFill>
+            <a:miter lim="800000"/>
+            <a:headEnd/>
+            <a:tailEnd/>
+          </a:ln>
+        </p:spPr>
+        <p:txBody>
+          <a:bodyPr anchor="ctr">
+            <a:spAutoFit/>
+          </a:bodyPr>
+          <a:lstStyle/>
+          <a:p>
+            <a:endParaRPr lang="en-US"/>
+          </a:p>
+        </p:txBody>
+      </p:sp>
+      <p:cxnSp>
+        <p:nvCxnSpPr>
+          <p:cNvPr id="89" name="Straight Arrow Connector 88">
+            <a:extLst>
+              <a:ext uri="{FF2B5EF4-FFF2-40B4-BE49-F238E27FC236}">
+                <a16:creationId xmlns:a16="http://schemas.microsoft.com/office/drawing/2014/main" id="{F9B496CC-C12D-DD44-8731-B5853DE1D1BE}"/>
+              </a:ext>
+            </a:extLst>
+          </p:cNvPr>
+          <p:cNvCxnSpPr>
+            <a:cxnSpLocks/>
+            <a:stCxn id="90" idx="2"/>
+          </p:cNvCxnSpPr>
+          <p:nvPr/>
+        </p:nvCxnSpPr>
+        <p:spPr>
+          <a:xfrm flipH="1">
+            <a:off x="7158337" y="4365992"/>
+            <a:ext cx="554" cy="762826"/>
+          </a:xfrm>
+          <a:prstGeom prst="straightConnector1">
+            <a:avLst/>
+          </a:prstGeom>
+          <a:ln>
+            <a:tailEnd type="triangle"/>
+          </a:ln>
+        </p:spPr>
+        <p:style>
+          <a:lnRef idx="1">
+            <a:schemeClr val="dk1"/>
+          </a:lnRef>
+          <a:fillRef idx="0">
+            <a:schemeClr val="dk1"/>
+          </a:fillRef>
+          <a:effectRef idx="0">
+            <a:schemeClr val="dk1"/>
+          </a:effectRef>
+          <a:fontRef idx="minor">
+            <a:schemeClr val="tx1"/>
+          </a:fontRef>
+        </p:style>
+      </p:cxnSp>
+      <p:sp>
+        <p:nvSpPr>
+          <p:cNvPr id="90" name="AutoShape 50">
+            <a:extLst>
+              <a:ext uri="{FF2B5EF4-FFF2-40B4-BE49-F238E27FC236}">
+                <a16:creationId xmlns:a16="http://schemas.microsoft.com/office/drawing/2014/main" id="{D543D000-D2B9-7042-B9CD-9D70F544AEC1}"/>
+              </a:ext>
+            </a:extLst>
+          </p:cNvPr>
+          <p:cNvSpPr>
+            <a:spLocks noChangeArrowheads="1"/>
+          </p:cNvSpPr>
+          <p:nvPr/>
+        </p:nvSpPr>
+        <p:spPr bwMode="auto">
+          <a:xfrm>
+            <a:off x="7074753" y="4113580"/>
+            <a:ext cx="168275" cy="252412"/>
+          </a:xfrm>
+          <a:prstGeom prst="diamond">
+            <a:avLst/>
+          </a:prstGeom>
+          <a:solidFill>
+            <a:schemeClr val="tx1"/>
+          </a:solidFill>
+          <a:ln w="9525">
+            <a:solidFill>
+              <a:schemeClr val="tx1"/>
+            </a:solidFill>
+            <a:miter lim="800000"/>
+            <a:headEnd/>
+            <a:tailEnd/>
+          </a:ln>
+        </p:spPr>
+        <p:txBody>
+          <a:bodyPr anchor="ctr">
+            <a:spAutoFit/>
+          </a:bodyPr>
+          <a:lstStyle/>
+          <a:p>
+            <a:endParaRPr lang="en-US" dirty="0"/>
+          </a:p>
+        </p:txBody>
+      </p:sp>
+      <p:sp>
+        <p:nvSpPr>
+          <p:cNvPr id="91" name="Rectangle 1084">
+            <a:extLst>
+              <a:ext uri="{FF2B5EF4-FFF2-40B4-BE49-F238E27FC236}">
+                <a16:creationId xmlns:a16="http://schemas.microsoft.com/office/drawing/2014/main" id="{D25DC8B3-5AB4-4549-BE42-817C7C8ED5CF}"/>
+              </a:ext>
+            </a:extLst>
+          </p:cNvPr>
+          <p:cNvSpPr>
+            <a:spLocks noChangeArrowheads="1"/>
+          </p:cNvSpPr>
+          <p:nvPr/>
+        </p:nvSpPr>
+        <p:spPr bwMode="auto">
+          <a:xfrm>
+            <a:off x="9482987" y="3944882"/>
+            <a:ext cx="1219200" cy="380470"/>
+          </a:xfrm>
+          <a:prstGeom prst="rect">
+            <a:avLst/>
+          </a:prstGeom>
+          <a:noFill/>
+          <a:ln w="9525">
+            <a:solidFill>
+              <a:schemeClr val="tx1"/>
+            </a:solidFill>
+            <a:miter lim="800000"/>
+            <a:headEnd/>
+            <a:tailEnd/>
+          </a:ln>
+        </p:spPr>
+        <p:txBody>
+          <a:bodyPr wrap="none" anchor="ctr"/>
+          <a:lstStyle/>
+          <a:p>
+            <a:pPr algn="ctr"/>
+            <a:r>
+              <a:rPr lang="en-US" sz="1600" dirty="0" err="1"/>
+              <a:t>IComputable</a:t>
+            </a:r>
+            <a:endParaRPr lang="en-US" sz="1600" dirty="0"/>
+          </a:p>
+        </p:txBody>
+      </p:sp>
+      <p:sp>
+        <p:nvSpPr>
+          <p:cNvPr id="92" name="Rectangle 1084">
+            <a:extLst>
+              <a:ext uri="{FF2B5EF4-FFF2-40B4-BE49-F238E27FC236}">
+                <a16:creationId xmlns:a16="http://schemas.microsoft.com/office/drawing/2014/main" id="{49E25E6A-FB9D-C649-83CC-8D9DDDBDEDE8}"/>
+              </a:ext>
+            </a:extLst>
+          </p:cNvPr>
+          <p:cNvSpPr>
+            <a:spLocks noChangeArrowheads="1"/>
+          </p:cNvSpPr>
+          <p:nvPr/>
+        </p:nvSpPr>
+        <p:spPr bwMode="auto">
+          <a:xfrm>
+            <a:off x="11009279" y="3944882"/>
+            <a:ext cx="1219200" cy="380470"/>
+          </a:xfrm>
+          <a:prstGeom prst="rect">
+            <a:avLst/>
+          </a:prstGeom>
+          <a:noFill/>
+          <a:ln w="9525">
+            <a:solidFill>
+              <a:schemeClr val="tx1"/>
+            </a:solidFill>
+            <a:miter lim="800000"/>
+            <a:headEnd/>
+            <a:tailEnd/>
+          </a:ln>
+        </p:spPr>
+        <p:txBody>
+          <a:bodyPr wrap="none" anchor="ctr"/>
+          <a:lstStyle/>
+          <a:p>
+            <a:pPr algn="ctr"/>
+            <a:r>
+              <a:rPr lang="en-US" sz="1600" dirty="0" err="1"/>
+              <a:t>IComponent</a:t>
+            </a:r>
+            <a:endParaRPr lang="en-US" sz="1600" dirty="0"/>
+          </a:p>
+        </p:txBody>
+      </p:sp>
+      <p:sp>
+        <p:nvSpPr>
+          <p:cNvPr id="95" name="AutoShape 57">
+            <a:extLst>
+              <a:ext uri="{FF2B5EF4-FFF2-40B4-BE49-F238E27FC236}">
+                <a16:creationId xmlns:a16="http://schemas.microsoft.com/office/drawing/2014/main" id="{B7624E75-AD6A-744C-A0EC-0651E6D71B69}"/>
+              </a:ext>
+            </a:extLst>
+          </p:cNvPr>
+          <p:cNvSpPr>
+            <a:spLocks noChangeArrowheads="1"/>
+          </p:cNvSpPr>
+          <p:nvPr/>
+        </p:nvSpPr>
+        <p:spPr bwMode="auto">
+          <a:xfrm rot="10800000">
+            <a:off x="10704479" y="4829468"/>
+            <a:ext cx="304800" cy="290513"/>
+          </a:xfrm>
+          <a:prstGeom prst="triangle">
+            <a:avLst>
+              <a:gd name="adj" fmla="val 50000"/>
+            </a:avLst>
+          </a:prstGeom>
+          <a:solidFill>
+            <a:schemeClr val="bg1"/>
+          </a:solidFill>
+          <a:ln w="9525">
+            <a:solidFill>
+              <a:schemeClr val="tx1"/>
+            </a:solidFill>
+            <a:miter lim="800000"/>
+            <a:headEnd/>
+            <a:tailEnd type="none" w="lg" len="lg"/>
+          </a:ln>
+        </p:spPr>
+        <p:txBody>
+          <a:bodyPr wrap="none" anchor="ctr">
+            <a:spAutoFit/>
+          </a:bodyPr>
+          <a:lstStyle/>
+          <a:p>
+            <a:endParaRPr lang="en-US"/>
+          </a:p>
+        </p:txBody>
+      </p:sp>
+      <p:cxnSp>
+        <p:nvCxnSpPr>
+          <p:cNvPr id="96" name="Straight Connector 6">
+            <a:extLst>
+              <a:ext uri="{FF2B5EF4-FFF2-40B4-BE49-F238E27FC236}">
+                <a16:creationId xmlns:a16="http://schemas.microsoft.com/office/drawing/2014/main" id="{A74E0012-8302-564B-B88B-F6F1B5FFD18E}"/>
+              </a:ext>
+            </a:extLst>
+          </p:cNvPr>
+          <p:cNvCxnSpPr>
+            <a:cxnSpLocks/>
+            <a:stCxn id="95" idx="3"/>
+            <a:endCxn id="91" idx="2"/>
+          </p:cNvCxnSpPr>
+          <p:nvPr/>
+        </p:nvCxnSpPr>
+        <p:spPr>
+          <a:xfrm rot="16200000" flipV="1">
+            <a:off x="10222675" y="4195264"/>
+            <a:ext cx="504116" cy="764292"/>
+          </a:xfrm>
+          <a:prstGeom prst="bentConnector3">
+            <a:avLst>
+              <a:gd name="adj1" fmla="val 50000"/>
+            </a:avLst>
+          </a:prstGeom>
+        </p:spPr>
+        <p:style>
+          <a:lnRef idx="1">
+            <a:schemeClr val="dk1"/>
+          </a:lnRef>
+          <a:fillRef idx="0">
+            <a:schemeClr val="dk1"/>
+          </a:fillRef>
+          <a:effectRef idx="0">
+            <a:schemeClr val="dk1"/>
+          </a:effectRef>
+          <a:fontRef idx="minor">
+            <a:schemeClr val="tx1"/>
+          </a:fontRef>
+        </p:style>
+      </p:cxnSp>
+      <p:cxnSp>
+        <p:nvCxnSpPr>
+          <p:cNvPr id="99" name="Straight Connector 6">
+            <a:extLst>
+              <a:ext uri="{FF2B5EF4-FFF2-40B4-BE49-F238E27FC236}">
+                <a16:creationId xmlns:a16="http://schemas.microsoft.com/office/drawing/2014/main" id="{8C12CCEC-CD4A-894B-9F0B-7985D4687841}"/>
+              </a:ext>
+            </a:extLst>
+          </p:cNvPr>
+          <p:cNvCxnSpPr>
+            <a:cxnSpLocks/>
+            <a:stCxn id="95" idx="3"/>
+            <a:endCxn id="92" idx="2"/>
+          </p:cNvCxnSpPr>
+          <p:nvPr/>
+        </p:nvCxnSpPr>
+        <p:spPr>
+          <a:xfrm rot="5400000" flipH="1" flipV="1">
+            <a:off x="10985821" y="4196410"/>
+            <a:ext cx="504116" cy="762000"/>
+          </a:xfrm>
+          <a:prstGeom prst="bentConnector3">
+            <a:avLst>
+              <a:gd name="adj1" fmla="val 50000"/>
+            </a:avLst>
+          </a:prstGeom>
+        </p:spPr>
+        <p:style>
+          <a:lnRef idx="1">
+            <a:schemeClr val="dk1"/>
+          </a:lnRef>
+          <a:fillRef idx="0">
+            <a:schemeClr val="dk1"/>
+          </a:fillRef>
+          <a:effectRef idx="0">
+            <a:schemeClr val="dk1"/>
+          </a:effectRef>
+          <a:fontRef idx="minor">
+            <a:schemeClr val="tx1"/>
+          </a:fontRef>
+        </p:style>
+      </p:cxnSp>
+    </p:spTree>
+    <p:extLst>
+      <p:ext uri="{BB962C8B-B14F-4D97-AF65-F5344CB8AC3E}">
+        <p14:creationId xmlns:p14="http://schemas.microsoft.com/office/powerpoint/2010/main" val="2387030362"/>
+      </p:ext>
+    </p:extLst>
+  </p:cSld>
+  <p:clrMapOvr>
+    <a:masterClrMapping/>
+  </p:clrMapOvr>
+</p:sld>
+</file>
+
+<file path=ppt/slides/slide15.xml><?xml version="1.0" encoding="utf-8"?>
 <p:sld xmlns:a="http://schemas.openxmlformats.org/drawingml/2006/main" xmlns:r="http://schemas.openxmlformats.org/officeDocument/2006/relationships" xmlns:p="http://schemas.openxmlformats.org/presentationml/2006/main">
   <p:cSld>
     <p:spTree>
@@ -12425,19 +14404,18 @@
           <a:p>
             <a:pPr algn="ctr"/>
             <a:r>
-              <a:rPr lang="de-DE" dirty="0" err="1"/>
-              <a:t>HierarchyDouble</a:t>
+              <a:rPr lang="de-DE" dirty="0"/>
+              <a:t>RteCDv2</a:t>
             </a:r>
-            <a:endParaRPr lang="de-DE" dirty="0"/>
-          </a:p>
-        </p:txBody>
-      </p:sp>
-      <p:sp>
-        <p:nvSpPr>
-          <p:cNvPr id="26" name="Rectangle 22">
-            <a:extLst>
-              <a:ext uri="{FF2B5EF4-FFF2-40B4-BE49-F238E27FC236}">
-                <a16:creationId xmlns:a16="http://schemas.microsoft.com/office/drawing/2014/main" id="{093DF0CF-4224-1A44-997B-41D63BECB853}"/>
+          </a:p>
+        </p:txBody>
+      </p:sp>
+      <p:sp>
+        <p:nvSpPr>
+          <p:cNvPr id="16" name="Rectangle 1084">
+            <a:extLst>
+              <a:ext uri="{FF2B5EF4-FFF2-40B4-BE49-F238E27FC236}">
+                <a16:creationId xmlns:a16="http://schemas.microsoft.com/office/drawing/2014/main" id="{F9B0CD61-CE3F-7344-B1BA-4A74C2D5518F}"/>
               </a:ext>
             </a:extLst>
           </p:cNvPr>
@@ -12448,18 +14426,65 @@
         </p:nvSpPr>
         <p:spPr bwMode="auto">
           <a:xfrm>
-            <a:off x="9152712" y="1929205"/>
-            <a:ext cx="2781851" cy="1321211"/>
+            <a:off x="6211156" y="7929995"/>
+            <a:ext cx="1219200" cy="380470"/>
           </a:xfrm>
           <a:prstGeom prst="rect">
             <a:avLst/>
+          </a:prstGeom>
+          <a:noFill/>
+          <a:ln w="9525">
+            <a:solidFill>
+              <a:schemeClr val="tx1"/>
+            </a:solidFill>
+            <a:miter lim="800000"/>
+            <a:headEnd/>
+            <a:tailEnd/>
+          </a:ln>
+        </p:spPr>
+        <p:txBody>
+          <a:bodyPr wrap="none" anchor="ctr"/>
+          <a:lstStyle/>
+          <a:p>
+            <a:pPr algn="ctr"/>
+            <a:r>
+              <a:rPr lang="en-US" sz="1600" dirty="0" err="1"/>
+              <a:t>InOutPort</a:t>
+            </a:r>
+            <a:endParaRPr lang="en-US" sz="1600" dirty="0"/>
+          </a:p>
+        </p:txBody>
+      </p:sp>
+      <p:sp>
+        <p:nvSpPr>
+          <p:cNvPr id="17" name="AutoShape 1036">
+            <a:extLst>
+              <a:ext uri="{FF2B5EF4-FFF2-40B4-BE49-F238E27FC236}">
+                <a16:creationId xmlns:a16="http://schemas.microsoft.com/office/drawing/2014/main" id="{C78A9626-0EC0-0640-913E-C79AAF7A6745}"/>
+              </a:ext>
+            </a:extLst>
+          </p:cNvPr>
+          <p:cNvSpPr>
+            <a:spLocks noChangeArrowheads="1"/>
+          </p:cNvSpPr>
+          <p:nvPr/>
+        </p:nvSpPr>
+        <p:spPr bwMode="auto">
+          <a:xfrm flipV="1">
+            <a:off x="10380363" y="2314069"/>
+            <a:ext cx="609600" cy="228600"/>
+          </a:xfrm>
+          <a:prstGeom prst="foldedCorner">
+            <a:avLst>
+              <a:gd name="adj" fmla="val 18509"/>
+            </a:avLst>
           </a:prstGeom>
           <a:solidFill>
             <a:schemeClr val="bg1"/>
           </a:solidFill>
-          <a:ln w="9525" cap="rnd">
+          <a:ln w="9525">
             <a:solidFill>
-              <a:srgbClr val="000000"/>
+              <a:schemeClr val="tx1"/>
             </a:solidFill>
             <a:round/>
             <a:headEnd/>
@@ -12467,22 +14492,23 @@
           </a:ln>
         </p:spPr>
         <p:txBody>
-          <a:bodyPr lIns="36000" tIns="36000" rIns="36000" bIns="36000"/>
-          <a:lstStyle/>
-          <a:p>
+          <a:bodyPr rot="10800000" wrap="none" anchor="ctr"/>
+          <a:lstStyle/>
+          <a:p>
+            <a:pPr algn="ctr"/>
             <a:r>
-              <a:rPr lang="en-US" b="1" dirty="0"/>
-              <a:t>Double</a:t>
+              <a:rPr lang="de-DE" altLang="de-DE" sz="1200" b="1" noProof="1"/>
+              <a:t>CD</a:t>
             </a:r>
           </a:p>
         </p:txBody>
       </p:sp>
       <p:sp>
         <p:nvSpPr>
-          <p:cNvPr id="27" name="Rectangle 41">
-            <a:extLst>
-              <a:ext uri="{FF2B5EF4-FFF2-40B4-BE49-F238E27FC236}">
-                <a16:creationId xmlns:a16="http://schemas.microsoft.com/office/drawing/2014/main" id="{D742FD0F-59B8-E048-83A9-41FF902D11CB}"/>
+          <p:cNvPr id="21" name="Rectangle 1084">
+            <a:extLst>
+              <a:ext uri="{FF2B5EF4-FFF2-40B4-BE49-F238E27FC236}">
+                <a16:creationId xmlns:a16="http://schemas.microsoft.com/office/drawing/2014/main" id="{1B288745-9FFC-A045-B171-6F7ADAE022B1}"/>
               </a:ext>
             </a:extLst>
           </p:cNvPr>
@@ -12493,348 +14519,718 @@
         </p:nvSpPr>
         <p:spPr bwMode="auto">
           <a:xfrm>
-            <a:off x="9961465" y="2361205"/>
-            <a:ext cx="1250344" cy="673211"/>
+            <a:off x="6211156" y="6519091"/>
+            <a:ext cx="1219200" cy="380470"/>
           </a:xfrm>
           <a:prstGeom prst="rect">
             <a:avLst/>
           </a:prstGeom>
-          <a:solidFill>
-            <a:schemeClr val="bg1"/>
-          </a:solidFill>
-          <a:ln w="9525" cap="rnd">
-            <a:solidFill>
-              <a:srgbClr val="000000"/>
-            </a:solidFill>
-            <a:round/>
-            <a:headEnd/>
-            <a:tailEnd/>
-          </a:ln>
-        </p:spPr>
-        <p:txBody>
-          <a:bodyPr anchor="ctr"/>
-          <a:lstStyle/>
-          <a:p>
-            <a:pPr algn="ctr"/>
-            <a:r>
-              <a:rPr lang="en-US" sz="1600" dirty="0">
-                <a:solidFill>
-                  <a:srgbClr val="000000"/>
-                </a:solidFill>
-              </a:rPr>
-              <a:t>Sum</a:t>
-            </a:r>
-            <a:endParaRPr lang="en-US" sz="2000" dirty="0"/>
-          </a:p>
-        </p:txBody>
-      </p:sp>
-      <p:sp>
-        <p:nvSpPr>
-          <p:cNvPr id="28" name="Rechteck 76">
-            <a:extLst>
-              <a:ext uri="{FF2B5EF4-FFF2-40B4-BE49-F238E27FC236}">
-                <a16:creationId xmlns:a16="http://schemas.microsoft.com/office/drawing/2014/main" id="{86850D3F-8403-E841-9CFD-311F0E25662B}"/>
-              </a:ext>
-            </a:extLst>
-          </p:cNvPr>
-          <p:cNvSpPr/>
-          <p:nvPr/>
-        </p:nvSpPr>
-        <p:spPr>
-          <a:xfrm>
-            <a:off x="11112222" y="2565728"/>
-            <a:ext cx="216000" cy="216000"/>
-          </a:xfrm>
-          <a:prstGeom prst="rect">
-            <a:avLst/>
-          </a:prstGeom>
-          <a:solidFill>
-            <a:schemeClr val="bg1"/>
-          </a:solidFill>
-          <a:ln>
-            <a:solidFill>
-              <a:schemeClr val="tx1"/>
-            </a:solidFill>
-            <a:tailEnd type="arrow"/>
-          </a:ln>
-        </p:spPr>
-        <p:style>
-          <a:lnRef idx="1">
-            <a:schemeClr val="accent1"/>
-          </a:lnRef>
-          <a:fillRef idx="0">
-            <a:schemeClr val="accent1"/>
-          </a:fillRef>
-          <a:effectRef idx="0">
-            <a:schemeClr val="accent1"/>
-          </a:effectRef>
-          <a:fontRef idx="minor">
-            <a:schemeClr val="tx1"/>
-          </a:fontRef>
-        </p:style>
-        <p:txBody>
-          <a:bodyPr rtlCol="0" anchor="ctr"/>
-          <a:lstStyle/>
-          <a:p>
-            <a:pPr algn="ctr"/>
-            <a:endParaRPr lang="en-US"/>
-          </a:p>
-        </p:txBody>
-      </p:sp>
-      <p:sp>
-        <p:nvSpPr>
-          <p:cNvPr id="29" name="Rechteck 77">
-            <a:extLst>
-              <a:ext uri="{FF2B5EF4-FFF2-40B4-BE49-F238E27FC236}">
-                <a16:creationId xmlns:a16="http://schemas.microsoft.com/office/drawing/2014/main" id="{4B025019-4940-0648-9EEC-2B3C082CCDEC}"/>
-              </a:ext>
-            </a:extLst>
-          </p:cNvPr>
-          <p:cNvSpPr/>
-          <p:nvPr/>
-        </p:nvSpPr>
-        <p:spPr>
-          <a:xfrm>
-            <a:off x="9865018" y="2774447"/>
-            <a:ext cx="216000" cy="216000"/>
-          </a:xfrm>
-          <a:prstGeom prst="rect">
-            <a:avLst/>
-          </a:prstGeom>
-          <a:solidFill>
-            <a:schemeClr val="bg1"/>
-          </a:solidFill>
-          <a:ln>
-            <a:solidFill>
-              <a:schemeClr val="tx1"/>
-            </a:solidFill>
-            <a:tailEnd type="arrow"/>
-          </a:ln>
-        </p:spPr>
-        <p:style>
-          <a:lnRef idx="1">
-            <a:schemeClr val="accent1"/>
-          </a:lnRef>
-          <a:fillRef idx="0">
-            <a:schemeClr val="accent1"/>
-          </a:fillRef>
-          <a:effectRef idx="0">
-            <a:schemeClr val="accent1"/>
-          </a:effectRef>
-          <a:fontRef idx="minor">
-            <a:schemeClr val="tx1"/>
-          </a:fontRef>
-        </p:style>
-        <p:txBody>
-          <a:bodyPr rtlCol="0" anchor="ctr"/>
-          <a:lstStyle/>
-          <a:p>
-            <a:pPr algn="ctr"/>
-            <a:endParaRPr lang="en-US"/>
-          </a:p>
-        </p:txBody>
-      </p:sp>
-      <p:sp>
-        <p:nvSpPr>
-          <p:cNvPr id="30" name="Rechteck 94">
-            <a:extLst>
-              <a:ext uri="{FF2B5EF4-FFF2-40B4-BE49-F238E27FC236}">
-                <a16:creationId xmlns:a16="http://schemas.microsoft.com/office/drawing/2014/main" id="{66069135-C88B-4A4B-869B-46F0317CE185}"/>
-              </a:ext>
-            </a:extLst>
-          </p:cNvPr>
-          <p:cNvSpPr/>
-          <p:nvPr/>
-        </p:nvSpPr>
-        <p:spPr>
-          <a:xfrm>
-            <a:off x="9868331" y="2410016"/>
-            <a:ext cx="216000" cy="216000"/>
-          </a:xfrm>
-          <a:prstGeom prst="rect">
-            <a:avLst/>
-          </a:prstGeom>
-          <a:solidFill>
-            <a:schemeClr val="bg1"/>
-          </a:solidFill>
-          <a:ln>
-            <a:solidFill>
-              <a:schemeClr val="tx1"/>
-            </a:solidFill>
-            <a:tailEnd type="arrow"/>
-          </a:ln>
-        </p:spPr>
-        <p:style>
-          <a:lnRef idx="1">
-            <a:schemeClr val="accent1"/>
-          </a:lnRef>
-          <a:fillRef idx="0">
-            <a:schemeClr val="accent1"/>
-          </a:fillRef>
-          <a:effectRef idx="0">
-            <a:schemeClr val="accent1"/>
-          </a:effectRef>
-          <a:fontRef idx="minor">
-            <a:schemeClr val="tx1"/>
-          </a:fontRef>
-        </p:style>
-        <p:txBody>
-          <a:bodyPr rtlCol="0" anchor="ctr"/>
-          <a:lstStyle/>
-          <a:p>
-            <a:pPr algn="ctr"/>
-            <a:endParaRPr lang="en-US"/>
-          </a:p>
-        </p:txBody>
-      </p:sp>
-      <p:sp>
-        <p:nvSpPr>
-          <p:cNvPr id="31" name="Rechteck 76">
-            <a:extLst>
-              <a:ext uri="{FF2B5EF4-FFF2-40B4-BE49-F238E27FC236}">
-                <a16:creationId xmlns:a16="http://schemas.microsoft.com/office/drawing/2014/main" id="{ADEE72FE-1C92-3143-A011-E066C356A587}"/>
-              </a:ext>
-            </a:extLst>
-          </p:cNvPr>
-          <p:cNvSpPr/>
-          <p:nvPr/>
-        </p:nvSpPr>
-        <p:spPr>
-          <a:xfrm>
-            <a:off x="11833342" y="2565728"/>
-            <a:ext cx="216000" cy="216000"/>
-          </a:xfrm>
-          <a:prstGeom prst="rect">
-            <a:avLst/>
-          </a:prstGeom>
-          <a:solidFill>
-            <a:schemeClr val="bg1"/>
-          </a:solidFill>
-          <a:ln>
-            <a:solidFill>
-              <a:schemeClr val="tx1"/>
-            </a:solidFill>
-            <a:tailEnd type="arrow"/>
-          </a:ln>
-        </p:spPr>
-        <p:style>
-          <a:lnRef idx="1">
-            <a:schemeClr val="accent1"/>
-          </a:lnRef>
-          <a:fillRef idx="0">
-            <a:schemeClr val="accent1"/>
-          </a:fillRef>
-          <a:effectRef idx="0">
-            <a:schemeClr val="accent1"/>
-          </a:effectRef>
-          <a:fontRef idx="minor">
-            <a:schemeClr val="tx1"/>
-          </a:fontRef>
-        </p:style>
-        <p:txBody>
-          <a:bodyPr rtlCol="0" anchor="ctr"/>
-          <a:lstStyle/>
-          <a:p>
-            <a:pPr algn="ctr"/>
-            <a:endParaRPr lang="en-US"/>
-          </a:p>
-        </p:txBody>
-      </p:sp>
-      <p:sp>
-        <p:nvSpPr>
-          <p:cNvPr id="32" name="Rechteck 76">
-            <a:extLst>
-              <a:ext uri="{FF2B5EF4-FFF2-40B4-BE49-F238E27FC236}">
-                <a16:creationId xmlns:a16="http://schemas.microsoft.com/office/drawing/2014/main" id="{4B754D00-E8C2-9B45-B6B6-14D37C00A660}"/>
-              </a:ext>
-            </a:extLst>
-          </p:cNvPr>
-          <p:cNvSpPr/>
-          <p:nvPr/>
-        </p:nvSpPr>
-        <p:spPr>
-          <a:xfrm>
-            <a:off x="9049659" y="2574364"/>
-            <a:ext cx="216000" cy="216000"/>
-          </a:xfrm>
-          <a:prstGeom prst="rect">
-            <a:avLst/>
-          </a:prstGeom>
-          <a:solidFill>
-            <a:schemeClr val="bg1"/>
-          </a:solidFill>
-          <a:ln>
-            <a:solidFill>
-              <a:schemeClr val="tx1"/>
-            </a:solidFill>
-            <a:tailEnd type="arrow"/>
-          </a:ln>
-        </p:spPr>
-        <p:style>
-          <a:lnRef idx="1">
-            <a:schemeClr val="accent1"/>
-          </a:lnRef>
-          <a:fillRef idx="0">
-            <a:schemeClr val="accent1"/>
-          </a:fillRef>
-          <a:effectRef idx="0">
-            <a:schemeClr val="accent1"/>
-          </a:effectRef>
-          <a:fontRef idx="minor">
-            <a:schemeClr val="tx1"/>
-          </a:fontRef>
-        </p:style>
-        <p:txBody>
-          <a:bodyPr rtlCol="0" anchor="ctr"/>
-          <a:lstStyle/>
-          <a:p>
-            <a:pPr algn="ctr"/>
-            <a:endParaRPr lang="en-US"/>
-          </a:p>
-        </p:txBody>
-      </p:sp>
-      <p:cxnSp>
-        <p:nvCxnSpPr>
-          <p:cNvPr id="33" name="Gerade Verbindung mit Pfeil 63">
-            <a:extLst>
-              <a:ext uri="{FF2B5EF4-FFF2-40B4-BE49-F238E27FC236}">
-                <a16:creationId xmlns:a16="http://schemas.microsoft.com/office/drawing/2014/main" id="{20942992-F1C2-FF42-AC26-7AC6C81997BA}"/>
-              </a:ext>
-            </a:extLst>
-          </p:cNvPr>
-          <p:cNvCxnSpPr>
-            <a:cxnSpLocks/>
-            <a:stCxn id="32" idx="3"/>
-            <a:endCxn id="30" idx="1"/>
-          </p:cNvCxnSpPr>
-          <p:nvPr/>
-        </p:nvCxnSpPr>
-        <p:spPr>
-          <a:xfrm flipV="1">
-            <a:off x="9265659" y="2518016"/>
-            <a:ext cx="602672" cy="164348"/>
-          </a:xfrm>
-          <a:prstGeom prst="bentConnector3">
-            <a:avLst>
-              <a:gd name="adj1" fmla="val 50000"/>
-            </a:avLst>
-          </a:prstGeom>
+          <a:noFill/>
           <a:ln w="9525">
             <a:solidFill>
               <a:schemeClr val="tx1"/>
             </a:solidFill>
-            <a:tailEnd type="arrow"/>
+            <a:miter lim="800000"/>
+            <a:headEnd/>
+            <a:tailEnd/>
           </a:ln>
+        </p:spPr>
+        <p:txBody>
+          <a:bodyPr wrap="none" anchor="ctr"/>
+          <a:lstStyle/>
+          <a:p>
+            <a:pPr algn="ctr"/>
+            <a:r>
+              <a:rPr lang="en-US" sz="1600" dirty="0" err="1"/>
+              <a:t>MultiPort</a:t>
+            </a:r>
+            <a:endParaRPr lang="en-US" sz="1600" dirty="0"/>
+          </a:p>
+        </p:txBody>
+      </p:sp>
+      <p:sp>
+        <p:nvSpPr>
+          <p:cNvPr id="37" name="Text Box 1075">
+            <a:extLst>
+              <a:ext uri="{FF2B5EF4-FFF2-40B4-BE49-F238E27FC236}">
+                <a16:creationId xmlns:a16="http://schemas.microsoft.com/office/drawing/2014/main" id="{1129BA5F-C306-A544-9F4E-D0CCBD6F125C}"/>
+              </a:ext>
+            </a:extLst>
+          </p:cNvPr>
+          <p:cNvSpPr txBox="1">
+            <a:spLocks noChangeArrowheads="1"/>
+          </p:cNvSpPr>
+          <p:nvPr/>
+        </p:nvSpPr>
+        <p:spPr bwMode="auto">
+          <a:xfrm>
+            <a:off x="6199841" y="6860882"/>
+            <a:ext cx="282575" cy="304800"/>
+          </a:xfrm>
+          <a:prstGeom prst="rect">
+            <a:avLst/>
+          </a:prstGeom>
+          <a:noFill/>
+          <a:ln w="9525">
+            <a:noFill/>
+            <a:miter lim="800000"/>
+            <a:headEnd/>
+            <a:tailEnd/>
+          </a:ln>
+        </p:spPr>
+        <p:txBody>
+          <a:bodyPr wrap="none">
+            <a:spAutoFit/>
+          </a:bodyPr>
+          <a:lstStyle/>
+          <a:p>
+            <a:pPr algn="ctr" eaLnBrk="0" hangingPunct="0"/>
+            <a:r>
+              <a:rPr lang="en-US" altLang="de-DE" sz="1400"/>
+              <a:t>1</a:t>
+            </a:r>
+          </a:p>
+        </p:txBody>
+      </p:sp>
+      <p:sp>
+        <p:nvSpPr>
+          <p:cNvPr id="38" name="Text Box 1075">
+            <a:extLst>
+              <a:ext uri="{FF2B5EF4-FFF2-40B4-BE49-F238E27FC236}">
+                <a16:creationId xmlns:a16="http://schemas.microsoft.com/office/drawing/2014/main" id="{C0EF88A8-F321-D04E-9D35-5F0C7DD063DD}"/>
+              </a:ext>
+            </a:extLst>
+          </p:cNvPr>
+          <p:cNvSpPr txBox="1">
+            <a:spLocks noChangeArrowheads="1"/>
+          </p:cNvSpPr>
+          <p:nvPr/>
+        </p:nvSpPr>
+        <p:spPr bwMode="auto">
+          <a:xfrm>
+            <a:off x="7144871" y="6852237"/>
+            <a:ext cx="282575" cy="304800"/>
+          </a:xfrm>
+          <a:prstGeom prst="rect">
+            <a:avLst/>
+          </a:prstGeom>
+          <a:noFill/>
+          <a:ln w="9525">
+            <a:noFill/>
+            <a:miter lim="800000"/>
+            <a:headEnd/>
+            <a:tailEnd/>
+          </a:ln>
+        </p:spPr>
+        <p:txBody>
+          <a:bodyPr wrap="none">
+            <a:spAutoFit/>
+          </a:bodyPr>
+          <a:lstStyle/>
+          <a:p>
+            <a:pPr algn="ctr" eaLnBrk="0" hangingPunct="0"/>
+            <a:r>
+              <a:rPr lang="en-US" altLang="de-DE" sz="1400"/>
+              <a:t>1</a:t>
+            </a:r>
+          </a:p>
+        </p:txBody>
+      </p:sp>
+      <p:sp>
+        <p:nvSpPr>
+          <p:cNvPr id="5" name="TextBox 4">
+            <a:extLst>
+              <a:ext uri="{FF2B5EF4-FFF2-40B4-BE49-F238E27FC236}">
+                <a16:creationId xmlns:a16="http://schemas.microsoft.com/office/drawing/2014/main" id="{2B125DA6-20E5-E54B-9E55-2A288A4B040D}"/>
+              </a:ext>
+            </a:extLst>
+          </p:cNvPr>
+          <p:cNvSpPr txBox="1"/>
+          <p:nvPr/>
+        </p:nvSpPr>
+        <p:spPr>
+          <a:xfrm>
+            <a:off x="5883889" y="7037285"/>
+            <a:ext cx="631904" cy="307777"/>
+          </a:xfrm>
+          <a:prstGeom prst="rect">
+            <a:avLst/>
+          </a:prstGeom>
+          <a:noFill/>
+        </p:spPr>
+        <p:txBody>
+          <a:bodyPr wrap="none" rtlCol="0">
+            <a:spAutoFit/>
+          </a:bodyPr>
+          <a:lstStyle/>
+          <a:p>
+            <a:r>
+              <a:rPr lang="en-US" sz="1400" dirty="0" err="1"/>
+              <a:t>inport</a:t>
+            </a:r>
+            <a:endParaRPr lang="en-US" sz="1400" dirty="0"/>
+          </a:p>
+        </p:txBody>
+      </p:sp>
+      <p:sp>
+        <p:nvSpPr>
+          <p:cNvPr id="39" name="TextBox 38">
+            <a:extLst>
+              <a:ext uri="{FF2B5EF4-FFF2-40B4-BE49-F238E27FC236}">
+                <a16:creationId xmlns:a16="http://schemas.microsoft.com/office/drawing/2014/main" id="{C383F95E-E620-414A-84FE-62A9E0B3770B}"/>
+              </a:ext>
+            </a:extLst>
+          </p:cNvPr>
+          <p:cNvSpPr txBox="1"/>
+          <p:nvPr/>
+        </p:nvSpPr>
+        <p:spPr>
+          <a:xfrm>
+            <a:off x="7158559" y="7037286"/>
+            <a:ext cx="740908" cy="307777"/>
+          </a:xfrm>
+          <a:prstGeom prst="rect">
+            <a:avLst/>
+          </a:prstGeom>
+          <a:noFill/>
+        </p:spPr>
+        <p:txBody>
+          <a:bodyPr wrap="none" rtlCol="0">
+            <a:spAutoFit/>
+          </a:bodyPr>
+          <a:lstStyle/>
+          <a:p>
+            <a:r>
+              <a:rPr lang="en-US" sz="1400" dirty="0"/>
+              <a:t>outport</a:t>
+            </a:r>
+          </a:p>
+        </p:txBody>
+      </p:sp>
+      <p:sp>
+        <p:nvSpPr>
+          <p:cNvPr id="42" name="Rectangle 1084">
+            <a:extLst>
+              <a:ext uri="{FF2B5EF4-FFF2-40B4-BE49-F238E27FC236}">
+                <a16:creationId xmlns:a16="http://schemas.microsoft.com/office/drawing/2014/main" id="{4715B4A7-20B8-2A42-8838-3EE0D606043B}"/>
+              </a:ext>
+            </a:extLst>
+          </p:cNvPr>
+          <p:cNvSpPr>
+            <a:spLocks noChangeArrowheads="1"/>
+          </p:cNvSpPr>
+          <p:nvPr/>
+        </p:nvSpPr>
+        <p:spPr bwMode="auto">
+          <a:xfrm>
+            <a:off x="6211156" y="5120128"/>
+            <a:ext cx="1219200" cy="380470"/>
+          </a:xfrm>
+          <a:prstGeom prst="rect">
+            <a:avLst/>
+          </a:prstGeom>
+          <a:noFill/>
+          <a:ln w="9525">
+            <a:solidFill>
+              <a:schemeClr val="tx1"/>
+            </a:solidFill>
+            <a:miter lim="800000"/>
+            <a:headEnd/>
+            <a:tailEnd/>
+          </a:ln>
+        </p:spPr>
+        <p:txBody>
+          <a:bodyPr wrap="none" anchor="ctr"/>
+          <a:lstStyle/>
+          <a:p>
+            <a:pPr algn="ctr"/>
+            <a:r>
+              <a:rPr lang="en-US" sz="1600" dirty="0"/>
+              <a:t>Port</a:t>
+            </a:r>
+          </a:p>
+        </p:txBody>
+      </p:sp>
+      <p:sp>
+        <p:nvSpPr>
+          <p:cNvPr id="45" name="Text Box 1075">
+            <a:extLst>
+              <a:ext uri="{FF2B5EF4-FFF2-40B4-BE49-F238E27FC236}">
+                <a16:creationId xmlns:a16="http://schemas.microsoft.com/office/drawing/2014/main" id="{F33963E4-61CE-0B49-96BA-BC201947371A}"/>
+              </a:ext>
+            </a:extLst>
+          </p:cNvPr>
+          <p:cNvSpPr txBox="1">
+            <a:spLocks noChangeArrowheads="1"/>
+          </p:cNvSpPr>
+          <p:nvPr/>
+        </p:nvSpPr>
+        <p:spPr bwMode="auto">
+          <a:xfrm>
+            <a:off x="6199841" y="5477189"/>
+            <a:ext cx="282575" cy="304800"/>
+          </a:xfrm>
+          <a:prstGeom prst="rect">
+            <a:avLst/>
+          </a:prstGeom>
+          <a:noFill/>
+          <a:ln w="9525">
+            <a:noFill/>
+            <a:miter lim="800000"/>
+            <a:headEnd/>
+            <a:tailEnd/>
+          </a:ln>
+        </p:spPr>
+        <p:txBody>
+          <a:bodyPr wrap="none">
+            <a:spAutoFit/>
+          </a:bodyPr>
+          <a:lstStyle/>
+          <a:p>
+            <a:pPr algn="ctr" eaLnBrk="0" hangingPunct="0"/>
+            <a:r>
+              <a:rPr lang="en-US" altLang="de-DE" sz="1400" dirty="0"/>
+              <a:t>1</a:t>
+            </a:r>
+          </a:p>
+        </p:txBody>
+      </p:sp>
+      <p:sp>
+        <p:nvSpPr>
+          <p:cNvPr id="46" name="Text Box 1075">
+            <a:extLst>
+              <a:ext uri="{FF2B5EF4-FFF2-40B4-BE49-F238E27FC236}">
+                <a16:creationId xmlns:a16="http://schemas.microsoft.com/office/drawing/2014/main" id="{925A56C8-F1D9-B64D-BE4F-E98291E22201}"/>
+              </a:ext>
+            </a:extLst>
+          </p:cNvPr>
+          <p:cNvSpPr txBox="1">
+            <a:spLocks noChangeArrowheads="1"/>
+          </p:cNvSpPr>
+          <p:nvPr/>
+        </p:nvSpPr>
+        <p:spPr bwMode="auto">
+          <a:xfrm>
+            <a:off x="7158559" y="5468544"/>
+            <a:ext cx="255198" cy="307777"/>
+          </a:xfrm>
+          <a:prstGeom prst="rect">
+            <a:avLst/>
+          </a:prstGeom>
+          <a:noFill/>
+          <a:ln w="9525">
+            <a:noFill/>
+            <a:miter lim="800000"/>
+            <a:headEnd/>
+            <a:tailEnd/>
+          </a:ln>
+        </p:spPr>
+        <p:txBody>
+          <a:bodyPr wrap="none">
+            <a:spAutoFit/>
+          </a:bodyPr>
+          <a:lstStyle/>
+          <a:p>
+            <a:pPr algn="ctr" eaLnBrk="0" hangingPunct="0"/>
+            <a:r>
+              <a:rPr lang="en-US" altLang="de-DE" sz="1400" dirty="0"/>
+              <a:t>*</a:t>
+            </a:r>
+          </a:p>
+        </p:txBody>
+      </p:sp>
+      <p:sp>
+        <p:nvSpPr>
+          <p:cNvPr id="47" name="TextBox 46">
+            <a:extLst>
+              <a:ext uri="{FF2B5EF4-FFF2-40B4-BE49-F238E27FC236}">
+                <a16:creationId xmlns:a16="http://schemas.microsoft.com/office/drawing/2014/main" id="{CE63F31A-DE38-1544-9CDF-6E331AECF6DB}"/>
+              </a:ext>
+            </a:extLst>
+          </p:cNvPr>
+          <p:cNvSpPr txBox="1"/>
+          <p:nvPr/>
+        </p:nvSpPr>
+        <p:spPr>
+          <a:xfrm>
+            <a:off x="5205657" y="5645432"/>
+            <a:ext cx="1279517" cy="523220"/>
+          </a:xfrm>
+          <a:prstGeom prst="rect">
+            <a:avLst/>
+          </a:prstGeom>
+          <a:noFill/>
+        </p:spPr>
+        <p:txBody>
+          <a:bodyPr wrap="none" rtlCol="0">
+            <a:spAutoFit/>
+          </a:bodyPr>
+          <a:lstStyle/>
+          <a:p>
+            <a:pPr algn="r"/>
+            <a:r>
+              <a:rPr lang="en-US" sz="1400" dirty="0" err="1"/>
+              <a:t>dataProviding</a:t>
+            </a:r>
+            <a:br>
+              <a:rPr lang="en-US" sz="1400" dirty="0"/>
+            </a:br>
+            <a:r>
+              <a:rPr lang="en-US" sz="1400" dirty="0"/>
+              <a:t>Port</a:t>
+            </a:r>
+          </a:p>
+        </p:txBody>
+      </p:sp>
+      <p:sp>
+        <p:nvSpPr>
+          <p:cNvPr id="48" name="TextBox 47">
+            <a:extLst>
+              <a:ext uri="{FF2B5EF4-FFF2-40B4-BE49-F238E27FC236}">
+                <a16:creationId xmlns:a16="http://schemas.microsoft.com/office/drawing/2014/main" id="{034B7381-D6EF-384C-A72F-35F0895D5859}"/>
+              </a:ext>
+            </a:extLst>
+          </p:cNvPr>
+          <p:cNvSpPr txBox="1"/>
+          <p:nvPr/>
+        </p:nvSpPr>
+        <p:spPr>
+          <a:xfrm>
+            <a:off x="7110668" y="5590620"/>
+            <a:ext cx="930063" cy="523220"/>
+          </a:xfrm>
+          <a:prstGeom prst="rect">
+            <a:avLst/>
+          </a:prstGeom>
+          <a:noFill/>
+        </p:spPr>
+        <p:txBody>
+          <a:bodyPr wrap="none" rtlCol="0">
+            <a:spAutoFit/>
+          </a:bodyPr>
+          <a:lstStyle/>
+          <a:p>
+            <a:r>
+              <a:rPr lang="en-US" sz="1400" dirty="0"/>
+              <a:t>managed</a:t>
+            </a:r>
+            <a:br>
+              <a:rPr lang="en-US" sz="1400" dirty="0"/>
+            </a:br>
+            <a:r>
+              <a:rPr lang="en-US" sz="1400" dirty="0"/>
+              <a:t>Ports</a:t>
+            </a:r>
+          </a:p>
+        </p:txBody>
+      </p:sp>
+      <p:sp>
+        <p:nvSpPr>
+          <p:cNvPr id="52" name="Rectangle 1084">
+            <a:extLst>
+              <a:ext uri="{FF2B5EF4-FFF2-40B4-BE49-F238E27FC236}">
+                <a16:creationId xmlns:a16="http://schemas.microsoft.com/office/drawing/2014/main" id="{3941BA5C-3B69-784E-BCD6-E05C1D531B5C}"/>
+              </a:ext>
+            </a:extLst>
+          </p:cNvPr>
+          <p:cNvSpPr>
+            <a:spLocks noChangeArrowheads="1"/>
+          </p:cNvSpPr>
+          <p:nvPr/>
+        </p:nvSpPr>
+        <p:spPr bwMode="auto">
+          <a:xfrm>
+            <a:off x="2856057" y="5120129"/>
+            <a:ext cx="1219200" cy="380470"/>
+          </a:xfrm>
+          <a:prstGeom prst="rect">
+            <a:avLst/>
+          </a:prstGeom>
+          <a:noFill/>
+          <a:ln w="9525">
+            <a:solidFill>
+              <a:schemeClr val="tx1"/>
+            </a:solidFill>
+            <a:miter lim="800000"/>
+            <a:headEnd/>
+            <a:tailEnd/>
+          </a:ln>
+        </p:spPr>
+        <p:txBody>
+          <a:bodyPr wrap="none" anchor="ctr"/>
+          <a:lstStyle/>
+          <a:p>
+            <a:pPr algn="ctr"/>
+            <a:r>
+              <a:rPr lang="en-US" sz="1600" dirty="0" err="1"/>
+              <a:t>WSPort</a:t>
+            </a:r>
+            <a:endParaRPr lang="en-US" sz="1600" dirty="0"/>
+          </a:p>
+        </p:txBody>
+      </p:sp>
+      <p:sp>
+        <p:nvSpPr>
+          <p:cNvPr id="55" name="Rectangle 1084">
+            <a:extLst>
+              <a:ext uri="{FF2B5EF4-FFF2-40B4-BE49-F238E27FC236}">
+                <a16:creationId xmlns:a16="http://schemas.microsoft.com/office/drawing/2014/main" id="{41517010-C8AC-F14E-B3F3-C819CC14BB25}"/>
+              </a:ext>
+            </a:extLst>
+          </p:cNvPr>
+          <p:cNvSpPr>
+            <a:spLocks noChangeArrowheads="1"/>
+          </p:cNvSpPr>
+          <p:nvPr/>
+        </p:nvSpPr>
+        <p:spPr bwMode="auto">
+          <a:xfrm>
+            <a:off x="2856057" y="5645432"/>
+            <a:ext cx="1219200" cy="380470"/>
+          </a:xfrm>
+          <a:prstGeom prst="rect">
+            <a:avLst/>
+          </a:prstGeom>
+          <a:noFill/>
+          <a:ln w="9525">
+            <a:solidFill>
+              <a:schemeClr val="tx1"/>
+            </a:solidFill>
+            <a:miter lim="800000"/>
+            <a:headEnd/>
+            <a:tailEnd/>
+          </a:ln>
+        </p:spPr>
+        <p:txBody>
+          <a:bodyPr wrap="none" anchor="ctr"/>
+          <a:lstStyle/>
+          <a:p>
+            <a:pPr algn="ctr"/>
+            <a:r>
+              <a:rPr lang="en-US" sz="1600" dirty="0" err="1"/>
+              <a:t>IPCPort</a:t>
+            </a:r>
+            <a:endParaRPr lang="en-US" sz="1600" dirty="0"/>
+          </a:p>
+        </p:txBody>
+      </p:sp>
+      <p:sp>
+        <p:nvSpPr>
+          <p:cNvPr id="61" name="Rectangle 1084">
+            <a:extLst>
+              <a:ext uri="{FF2B5EF4-FFF2-40B4-BE49-F238E27FC236}">
+                <a16:creationId xmlns:a16="http://schemas.microsoft.com/office/drawing/2014/main" id="{A5C0D7D0-9EA7-E045-B6C7-614DDB3A9AF6}"/>
+              </a:ext>
+            </a:extLst>
+          </p:cNvPr>
+          <p:cNvSpPr>
+            <a:spLocks noChangeArrowheads="1"/>
+          </p:cNvSpPr>
+          <p:nvPr/>
+        </p:nvSpPr>
+        <p:spPr bwMode="auto">
+          <a:xfrm>
+            <a:off x="2856057" y="4119299"/>
+            <a:ext cx="2262715" cy="380470"/>
+          </a:xfrm>
+          <a:prstGeom prst="rect">
+            <a:avLst/>
+          </a:prstGeom>
+          <a:noFill/>
+          <a:ln w="9525">
+            <a:solidFill>
+              <a:schemeClr val="tx1"/>
+            </a:solidFill>
+            <a:miter lim="800000"/>
+            <a:headEnd/>
+            <a:tailEnd/>
+          </a:ln>
+        </p:spPr>
+        <p:txBody>
+          <a:bodyPr wrap="none" anchor="ctr"/>
+          <a:lstStyle/>
+          <a:p>
+            <a:pPr algn="ctr"/>
+            <a:r>
+              <a:rPr lang="en-US" sz="1600" dirty="0" err="1"/>
+              <a:t>MessageAcceptor</a:t>
+            </a:r>
+            <a:endParaRPr lang="en-US" sz="1600" dirty="0"/>
+          </a:p>
+        </p:txBody>
+      </p:sp>
+      <p:sp>
+        <p:nvSpPr>
+          <p:cNvPr id="62" name="Rectangle 1084">
+            <a:extLst>
+              <a:ext uri="{FF2B5EF4-FFF2-40B4-BE49-F238E27FC236}">
+                <a16:creationId xmlns:a16="http://schemas.microsoft.com/office/drawing/2014/main" id="{95C2D7EE-A443-BC43-B1F4-9088EFEC2C15}"/>
+              </a:ext>
+            </a:extLst>
+          </p:cNvPr>
+          <p:cNvSpPr>
+            <a:spLocks noChangeArrowheads="1"/>
+          </p:cNvSpPr>
+          <p:nvPr/>
+        </p:nvSpPr>
+        <p:spPr bwMode="auto">
+          <a:xfrm>
+            <a:off x="2856057" y="3602338"/>
+            <a:ext cx="2262715" cy="380470"/>
+          </a:xfrm>
+          <a:prstGeom prst="rect">
+            <a:avLst/>
+          </a:prstGeom>
+          <a:noFill/>
+          <a:ln w="9525">
+            <a:solidFill>
+              <a:schemeClr val="tx1"/>
+            </a:solidFill>
+            <a:miter lim="800000"/>
+            <a:headEnd/>
+            <a:tailEnd/>
+          </a:ln>
+        </p:spPr>
+        <p:txBody>
+          <a:bodyPr wrap="none" anchor="ctr"/>
+          <a:lstStyle/>
+          <a:p>
+            <a:pPr algn="ctr"/>
+            <a:r>
+              <a:rPr lang="en-US" sz="1600" dirty="0" err="1"/>
+              <a:t>MessageProvider</a:t>
+            </a:r>
+            <a:endParaRPr lang="en-US" sz="1600" dirty="0"/>
+          </a:p>
+        </p:txBody>
+      </p:sp>
+      <p:sp>
+        <p:nvSpPr>
+          <p:cNvPr id="63" name="Rectangle 1084">
+            <a:extLst>
+              <a:ext uri="{FF2B5EF4-FFF2-40B4-BE49-F238E27FC236}">
+                <a16:creationId xmlns:a16="http://schemas.microsoft.com/office/drawing/2014/main" id="{DB7B90CE-4361-C444-A2A7-1D682D22D7BA}"/>
+              </a:ext>
+            </a:extLst>
+          </p:cNvPr>
+          <p:cNvSpPr>
+            <a:spLocks noChangeArrowheads="1"/>
+          </p:cNvSpPr>
+          <p:nvPr/>
+        </p:nvSpPr>
+        <p:spPr bwMode="auto">
+          <a:xfrm>
+            <a:off x="6027201" y="2542669"/>
+            <a:ext cx="2262715" cy="380470"/>
+          </a:xfrm>
+          <a:prstGeom prst="rect">
+            <a:avLst/>
+          </a:prstGeom>
+          <a:noFill/>
+          <a:ln w="9525">
+            <a:solidFill>
+              <a:schemeClr val="tx1"/>
+            </a:solidFill>
+            <a:miter lim="800000"/>
+            <a:headEnd/>
+            <a:tailEnd/>
+          </a:ln>
+        </p:spPr>
+        <p:txBody>
+          <a:bodyPr wrap="none" anchor="ctr"/>
+          <a:lstStyle/>
+          <a:p>
+            <a:pPr algn="ctr"/>
+            <a:r>
+              <a:rPr lang="en-US" sz="1600" dirty="0" err="1"/>
+              <a:t>UniqueElement</a:t>
+            </a:r>
+            <a:endParaRPr lang="en-US" sz="1600" dirty="0"/>
+          </a:p>
+        </p:txBody>
+      </p:sp>
+      <p:sp>
+        <p:nvSpPr>
+          <p:cNvPr id="64" name="AutoShape 57">
+            <a:extLst>
+              <a:ext uri="{FF2B5EF4-FFF2-40B4-BE49-F238E27FC236}">
+                <a16:creationId xmlns:a16="http://schemas.microsoft.com/office/drawing/2014/main" id="{C1D93C21-D604-E84D-A048-EF8591491E6D}"/>
+              </a:ext>
+            </a:extLst>
+          </p:cNvPr>
+          <p:cNvSpPr>
+            <a:spLocks noChangeArrowheads="1"/>
+          </p:cNvSpPr>
+          <p:nvPr/>
+        </p:nvSpPr>
+        <p:spPr bwMode="auto">
+          <a:xfrm rot="16200000">
+            <a:off x="7413960" y="5165107"/>
+            <a:ext cx="304800" cy="290513"/>
+          </a:xfrm>
+          <a:prstGeom prst="triangle">
+            <a:avLst>
+              <a:gd name="adj" fmla="val 50000"/>
+            </a:avLst>
+          </a:prstGeom>
+          <a:solidFill>
+            <a:schemeClr val="bg1"/>
+          </a:solidFill>
+          <a:ln w="9525">
+            <a:solidFill>
+              <a:schemeClr val="tx1"/>
+            </a:solidFill>
+            <a:miter lim="800000"/>
+            <a:headEnd/>
+            <a:tailEnd type="none" w="lg" len="lg"/>
+          </a:ln>
+        </p:spPr>
+        <p:txBody>
+          <a:bodyPr wrap="none" anchor="ctr">
+            <a:spAutoFit/>
+          </a:bodyPr>
+          <a:lstStyle/>
+          <a:p>
+            <a:endParaRPr lang="en-US"/>
+          </a:p>
+        </p:txBody>
+      </p:sp>
+      <p:cxnSp>
+        <p:nvCxnSpPr>
+          <p:cNvPr id="11" name="Straight Connector 10">
+            <a:extLst>
+              <a:ext uri="{FF2B5EF4-FFF2-40B4-BE49-F238E27FC236}">
+                <a16:creationId xmlns:a16="http://schemas.microsoft.com/office/drawing/2014/main" id="{3E579B14-CE45-6A48-B0DE-071AB0634D03}"/>
+              </a:ext>
+            </a:extLst>
+          </p:cNvPr>
+          <p:cNvCxnSpPr>
+            <a:cxnSpLocks/>
+            <a:stCxn id="16" idx="3"/>
+            <a:endCxn id="64" idx="3"/>
+          </p:cNvCxnSpPr>
+          <p:nvPr/>
+        </p:nvCxnSpPr>
+        <p:spPr>
+          <a:xfrm flipV="1">
+            <a:off x="7430356" y="5310364"/>
+            <a:ext cx="281261" cy="2809866"/>
+          </a:xfrm>
+          <a:prstGeom prst="bentConnector3">
+            <a:avLst>
+              <a:gd name="adj1" fmla="val 305731"/>
+            </a:avLst>
+          </a:prstGeom>
         </p:spPr>
         <p:style>
           <a:lnRef idx="1">
-            <a:schemeClr val="accent1"/>
+            <a:schemeClr val="dk1"/>
           </a:lnRef>
           <a:fillRef idx="0">
-            <a:schemeClr val="accent1"/>
+            <a:schemeClr val="dk1"/>
           </a:fillRef>
           <a:effectRef idx="0">
-            <a:schemeClr val="accent1"/>
+            <a:schemeClr val="dk1"/>
           </a:effectRef>
           <a:fontRef idx="minor">
             <a:schemeClr val="tx1"/>
@@ -12843,46 +15239,172 @@
       </p:cxnSp>
       <p:cxnSp>
         <p:nvCxnSpPr>
-          <p:cNvPr id="34" name="Gerade Verbindung mit Pfeil 63">
-            <a:extLst>
-              <a:ext uri="{FF2B5EF4-FFF2-40B4-BE49-F238E27FC236}">
-                <a16:creationId xmlns:a16="http://schemas.microsoft.com/office/drawing/2014/main" id="{696A7A14-E292-4645-9696-6FCFD8663A87}"/>
+          <p:cNvPr id="65" name="Straight Connector 10">
+            <a:extLst>
+              <a:ext uri="{FF2B5EF4-FFF2-40B4-BE49-F238E27FC236}">
+                <a16:creationId xmlns:a16="http://schemas.microsoft.com/office/drawing/2014/main" id="{9586FF1B-A8C2-A646-B685-C59820032940}"/>
               </a:ext>
             </a:extLst>
           </p:cNvPr>
           <p:cNvCxnSpPr>
             <a:cxnSpLocks/>
-            <a:stCxn id="32" idx="3"/>
-            <a:endCxn id="29" idx="1"/>
+            <a:stCxn id="21" idx="3"/>
+            <a:endCxn id="64" idx="3"/>
           </p:cNvCxnSpPr>
           <p:nvPr/>
         </p:nvCxnSpPr>
         <p:spPr>
-          <a:xfrm>
-            <a:off x="9265659" y="2682364"/>
-            <a:ext cx="599359" cy="200083"/>
+          <a:xfrm flipV="1">
+            <a:off x="7430356" y="5310364"/>
+            <a:ext cx="281261" cy="1398962"/>
           </a:xfrm>
           <a:prstGeom prst="bentConnector3">
             <a:avLst>
-              <a:gd name="adj1" fmla="val 50000"/>
+              <a:gd name="adj1" fmla="val 305731"/>
             </a:avLst>
           </a:prstGeom>
+        </p:spPr>
+        <p:style>
+          <a:lnRef idx="1">
+            <a:schemeClr val="dk1"/>
+          </a:lnRef>
+          <a:fillRef idx="0">
+            <a:schemeClr val="dk1"/>
+          </a:fillRef>
+          <a:effectRef idx="0">
+            <a:schemeClr val="dk1"/>
+          </a:effectRef>
+          <a:fontRef idx="minor">
+            <a:schemeClr val="tx1"/>
+          </a:fontRef>
+        </p:style>
+      </p:cxnSp>
+      <p:sp>
+        <p:nvSpPr>
+          <p:cNvPr id="66" name="AutoShape 57">
+            <a:extLst>
+              <a:ext uri="{FF2B5EF4-FFF2-40B4-BE49-F238E27FC236}">
+                <a16:creationId xmlns:a16="http://schemas.microsoft.com/office/drawing/2014/main" id="{87A903C2-6B42-D34E-8DCB-FF12752CB9F2}"/>
+              </a:ext>
+            </a:extLst>
+          </p:cNvPr>
+          <p:cNvSpPr>
+            <a:spLocks noChangeArrowheads="1"/>
+          </p:cNvSpPr>
+          <p:nvPr/>
+        </p:nvSpPr>
+        <p:spPr bwMode="auto">
+          <a:xfrm rot="16200000">
+            <a:off x="5111629" y="3647316"/>
+            <a:ext cx="304800" cy="290513"/>
+          </a:xfrm>
+          <a:prstGeom prst="triangle">
+            <a:avLst>
+              <a:gd name="adj" fmla="val 50000"/>
+            </a:avLst>
+          </a:prstGeom>
+          <a:solidFill>
+            <a:schemeClr val="bg1"/>
+          </a:solidFill>
           <a:ln w="9525">
             <a:solidFill>
               <a:schemeClr val="tx1"/>
             </a:solidFill>
-            <a:tailEnd type="arrow"/>
+            <a:miter lim="800000"/>
+            <a:headEnd/>
+            <a:tailEnd type="none" w="lg" len="lg"/>
           </a:ln>
+        </p:spPr>
+        <p:txBody>
+          <a:bodyPr wrap="none" anchor="ctr">
+            <a:spAutoFit/>
+          </a:bodyPr>
+          <a:lstStyle/>
+          <a:p>
+            <a:endParaRPr lang="en-US"/>
+          </a:p>
+        </p:txBody>
+      </p:sp>
+      <p:sp>
+        <p:nvSpPr>
+          <p:cNvPr id="67" name="AutoShape 57">
+            <a:extLst>
+              <a:ext uri="{FF2B5EF4-FFF2-40B4-BE49-F238E27FC236}">
+                <a16:creationId xmlns:a16="http://schemas.microsoft.com/office/drawing/2014/main" id="{D2536F62-EB45-674E-8835-1BA03974E105}"/>
+              </a:ext>
+            </a:extLst>
+          </p:cNvPr>
+          <p:cNvSpPr>
+            <a:spLocks noChangeArrowheads="1"/>
+          </p:cNvSpPr>
+          <p:nvPr/>
+        </p:nvSpPr>
+        <p:spPr bwMode="auto">
+          <a:xfrm rot="16200000">
+            <a:off x="5111629" y="4164277"/>
+            <a:ext cx="304800" cy="290513"/>
+          </a:xfrm>
+          <a:prstGeom prst="triangle">
+            <a:avLst>
+              <a:gd name="adj" fmla="val 50000"/>
+            </a:avLst>
+          </a:prstGeom>
+          <a:solidFill>
+            <a:schemeClr val="bg1"/>
+          </a:solidFill>
+          <a:ln w="9525">
+            <a:solidFill>
+              <a:schemeClr val="tx1"/>
+            </a:solidFill>
+            <a:miter lim="800000"/>
+            <a:headEnd/>
+            <a:tailEnd type="none" w="lg" len="lg"/>
+          </a:ln>
+        </p:spPr>
+        <p:txBody>
+          <a:bodyPr wrap="none" anchor="ctr">
+            <a:spAutoFit/>
+          </a:bodyPr>
+          <a:lstStyle/>
+          <a:p>
+            <a:endParaRPr lang="en-US"/>
+          </a:p>
+        </p:txBody>
+      </p:sp>
+      <p:cxnSp>
+        <p:nvCxnSpPr>
+          <p:cNvPr id="72" name="Straight Connector 6">
+            <a:extLst>
+              <a:ext uri="{FF2B5EF4-FFF2-40B4-BE49-F238E27FC236}">
+                <a16:creationId xmlns:a16="http://schemas.microsoft.com/office/drawing/2014/main" id="{37188A50-4C3C-0F41-9B91-7BB44B87A894}"/>
+              </a:ext>
+            </a:extLst>
+          </p:cNvPr>
+          <p:cNvCxnSpPr>
+            <a:cxnSpLocks/>
+            <a:stCxn id="66" idx="3"/>
+            <a:endCxn id="42" idx="0"/>
+          </p:cNvCxnSpPr>
+          <p:nvPr/>
+        </p:nvCxnSpPr>
+        <p:spPr>
+          <a:xfrm>
+            <a:off x="5409286" y="3792573"/>
+            <a:ext cx="1411470" cy="1327555"/>
+          </a:xfrm>
+          <a:prstGeom prst="bentConnector2">
+            <a:avLst/>
+          </a:prstGeom>
         </p:spPr>
         <p:style>
           <a:lnRef idx="1">
-            <a:schemeClr val="accent1"/>
+            <a:schemeClr val="dk1"/>
           </a:lnRef>
           <a:fillRef idx="0">
-            <a:schemeClr val="accent1"/>
+            <a:schemeClr val="dk1"/>
           </a:fillRef>
           <a:effectRef idx="0">
-            <a:schemeClr val="accent1"/>
+            <a:schemeClr val="dk1"/>
           </a:effectRef>
           <a:fontRef idx="minor">
             <a:schemeClr val="tx1"/>
@@ -12891,56 +15413,520 @@
       </p:cxnSp>
       <p:cxnSp>
         <p:nvCxnSpPr>
-          <p:cNvPr id="35" name="Gerade Verbindung mit Pfeil 63">
-            <a:extLst>
-              <a:ext uri="{FF2B5EF4-FFF2-40B4-BE49-F238E27FC236}">
-                <a16:creationId xmlns:a16="http://schemas.microsoft.com/office/drawing/2014/main" id="{0E56FB46-CD90-7F45-8683-06186987AC39}"/>
+          <p:cNvPr id="75" name="Straight Connector 6">
+            <a:extLst>
+              <a:ext uri="{FF2B5EF4-FFF2-40B4-BE49-F238E27FC236}">
+                <a16:creationId xmlns:a16="http://schemas.microsoft.com/office/drawing/2014/main" id="{D487AC3B-CE0E-6A41-91B1-924FDA935477}"/>
               </a:ext>
             </a:extLst>
           </p:cNvPr>
           <p:cNvCxnSpPr>
             <a:cxnSpLocks/>
-            <a:stCxn id="28" idx="3"/>
-            <a:endCxn id="31" idx="1"/>
+            <a:stCxn id="67" idx="3"/>
+            <a:endCxn id="42" idx="0"/>
           </p:cNvCxnSpPr>
           <p:nvPr/>
         </p:nvCxnSpPr>
         <p:spPr>
           <a:xfrm>
-            <a:off x="11328222" y="2673728"/>
-            <a:ext cx="505120" cy="0"/>
-          </a:xfrm>
-          <a:prstGeom prst="straightConnector1">
+            <a:off x="5409286" y="4309534"/>
+            <a:ext cx="1411470" cy="810594"/>
+          </a:xfrm>
+          <a:prstGeom prst="bentConnector2">
             <a:avLst/>
           </a:prstGeom>
-          <a:ln w="9525">
-            <a:solidFill>
-              <a:schemeClr val="tx1"/>
-            </a:solidFill>
-            <a:tailEnd type="arrow"/>
-          </a:ln>
         </p:spPr>
         <p:style>
           <a:lnRef idx="1">
-            <a:schemeClr val="accent1"/>
+            <a:schemeClr val="dk1"/>
           </a:lnRef>
           <a:fillRef idx="0">
-            <a:schemeClr val="accent1"/>
+            <a:schemeClr val="dk1"/>
           </a:fillRef>
           <a:effectRef idx="0">
-            <a:schemeClr val="accent1"/>
+            <a:schemeClr val="dk1"/>
           </a:effectRef>
           <a:fontRef idx="minor">
             <a:schemeClr val="tx1"/>
           </a:fontRef>
         </p:style>
       </p:cxnSp>
-      <p:sp>
-        <p:nvSpPr>
-          <p:cNvPr id="36" name="AutoShape 40">
-            <a:extLst>
-              <a:ext uri="{FF2B5EF4-FFF2-40B4-BE49-F238E27FC236}">
-                <a16:creationId xmlns:a16="http://schemas.microsoft.com/office/drawing/2014/main" id="{3C30EB59-6698-6A44-BB72-95A4DDA5EBD0}"/>
+      <p:grpSp>
+        <p:nvGrpSpPr>
+          <p:cNvPr id="8" name="Group 7">
+            <a:extLst>
+              <a:ext uri="{FF2B5EF4-FFF2-40B4-BE49-F238E27FC236}">
+                <a16:creationId xmlns:a16="http://schemas.microsoft.com/office/drawing/2014/main" id="{6F20073E-01BC-6B4C-A85C-546FFD77397A}"/>
+              </a:ext>
+            </a:extLst>
+          </p:cNvPr>
+          <p:cNvGrpSpPr/>
+          <p:nvPr/>
+        </p:nvGrpSpPr>
+        <p:grpSpPr>
+          <a:xfrm>
+            <a:off x="6430194" y="5499208"/>
+            <a:ext cx="769769" cy="1017322"/>
+            <a:chOff x="6428847" y="5499686"/>
+            <a:chExt cx="769769" cy="1017322"/>
+          </a:xfrm>
+        </p:grpSpPr>
+        <p:grpSp>
+          <p:nvGrpSpPr>
+            <p:cNvPr id="6" name="Group 5">
+              <a:extLst>
+                <a:ext uri="{FF2B5EF4-FFF2-40B4-BE49-F238E27FC236}">
+                  <a16:creationId xmlns:a16="http://schemas.microsoft.com/office/drawing/2014/main" id="{C478E2F7-F213-944B-9D62-71C9B9E19897}"/>
+                </a:ext>
+              </a:extLst>
+            </p:cNvPr>
+            <p:cNvGrpSpPr/>
+            <p:nvPr/>
+          </p:nvGrpSpPr>
+          <p:grpSpPr>
+            <a:xfrm>
+              <a:off x="6428847" y="5499686"/>
+              <a:ext cx="168275" cy="1015238"/>
+              <a:chOff x="6428847" y="5499686"/>
+              <a:chExt cx="168275" cy="1015238"/>
+            </a:xfrm>
+          </p:grpSpPr>
+          <p:cxnSp>
+            <p:nvCxnSpPr>
+              <p:cNvPr id="87" name="Straight Arrow Connector 86">
+                <a:extLst>
+                  <a:ext uri="{FF2B5EF4-FFF2-40B4-BE49-F238E27FC236}">
+                    <a16:creationId xmlns:a16="http://schemas.microsoft.com/office/drawing/2014/main" id="{74FC0FD0-1DC1-0749-8C40-FD2459441B5C}"/>
+                  </a:ext>
+                </a:extLst>
+              </p:cNvPr>
+              <p:cNvCxnSpPr>
+                <a:cxnSpLocks/>
+                <a:stCxn id="88" idx="2"/>
+              </p:cNvCxnSpPr>
+              <p:nvPr/>
+            </p:nvCxnSpPr>
+            <p:spPr>
+              <a:xfrm rot="10800000" flipH="1">
+                <a:off x="6512984" y="5499686"/>
+                <a:ext cx="554" cy="762826"/>
+              </a:xfrm>
+              <a:prstGeom prst="straightConnector1">
+                <a:avLst/>
+              </a:prstGeom>
+              <a:ln>
+                <a:tailEnd type="triangle"/>
+              </a:ln>
+            </p:spPr>
+            <p:style>
+              <a:lnRef idx="1">
+                <a:schemeClr val="dk1"/>
+              </a:lnRef>
+              <a:fillRef idx="0">
+                <a:schemeClr val="dk1"/>
+              </a:fillRef>
+              <a:effectRef idx="0">
+                <a:schemeClr val="dk1"/>
+              </a:effectRef>
+              <a:fontRef idx="minor">
+                <a:schemeClr val="tx1"/>
+              </a:fontRef>
+            </p:style>
+          </p:cxnSp>
+          <p:sp>
+            <p:nvSpPr>
+              <p:cNvPr id="88" name="AutoShape 50">
+                <a:extLst>
+                  <a:ext uri="{FF2B5EF4-FFF2-40B4-BE49-F238E27FC236}">
+                    <a16:creationId xmlns:a16="http://schemas.microsoft.com/office/drawing/2014/main" id="{4442838A-5F3E-FD4B-B3B9-E706107652AE}"/>
+                  </a:ext>
+                </a:extLst>
+              </p:cNvPr>
+              <p:cNvSpPr>
+                <a:spLocks noChangeArrowheads="1"/>
+              </p:cNvSpPr>
+              <p:nvPr/>
+            </p:nvSpPr>
+            <p:spPr bwMode="auto">
+              <a:xfrm rot="10800000">
+                <a:off x="6428847" y="6262512"/>
+                <a:ext cx="168275" cy="252412"/>
+              </a:xfrm>
+              <a:prstGeom prst="diamond">
+                <a:avLst/>
+              </a:prstGeom>
+              <a:solidFill>
+                <a:schemeClr val="tx1"/>
+              </a:solidFill>
+              <a:ln w="9525">
+                <a:solidFill>
+                  <a:schemeClr val="tx1"/>
+                </a:solidFill>
+                <a:miter lim="800000"/>
+                <a:headEnd/>
+                <a:tailEnd/>
+              </a:ln>
+            </p:spPr>
+            <p:txBody>
+              <a:bodyPr anchor="ctr">
+                <a:spAutoFit/>
+              </a:bodyPr>
+              <a:lstStyle/>
+              <a:p>
+                <a:endParaRPr lang="en-US"/>
+              </a:p>
+            </p:txBody>
+          </p:sp>
+        </p:grpSp>
+        <p:grpSp>
+          <p:nvGrpSpPr>
+            <p:cNvPr id="50" name="Group 49">
+              <a:extLst>
+                <a:ext uri="{FF2B5EF4-FFF2-40B4-BE49-F238E27FC236}">
+                  <a16:creationId xmlns:a16="http://schemas.microsoft.com/office/drawing/2014/main" id="{D86FDD80-B91D-BB47-88FC-AB83746CF27E}"/>
+                </a:ext>
+              </a:extLst>
+            </p:cNvPr>
+            <p:cNvGrpSpPr/>
+            <p:nvPr/>
+          </p:nvGrpSpPr>
+          <p:grpSpPr>
+            <a:xfrm>
+              <a:off x="7030341" y="5501770"/>
+              <a:ext cx="168275" cy="1015238"/>
+              <a:chOff x="6428847" y="5499686"/>
+              <a:chExt cx="168275" cy="1015238"/>
+            </a:xfrm>
+          </p:grpSpPr>
+          <p:cxnSp>
+            <p:nvCxnSpPr>
+              <p:cNvPr id="51" name="Straight Arrow Connector 50">
+                <a:extLst>
+                  <a:ext uri="{FF2B5EF4-FFF2-40B4-BE49-F238E27FC236}">
+                    <a16:creationId xmlns:a16="http://schemas.microsoft.com/office/drawing/2014/main" id="{D1CD9D07-059C-4643-816D-A6C304427E58}"/>
+                  </a:ext>
+                </a:extLst>
+              </p:cNvPr>
+              <p:cNvCxnSpPr>
+                <a:cxnSpLocks/>
+                <a:stCxn id="53" idx="2"/>
+              </p:cNvCxnSpPr>
+              <p:nvPr/>
+            </p:nvCxnSpPr>
+            <p:spPr>
+              <a:xfrm rot="10800000" flipH="1">
+                <a:off x="6512984" y="5499686"/>
+                <a:ext cx="554" cy="762826"/>
+              </a:xfrm>
+              <a:prstGeom prst="straightConnector1">
+                <a:avLst/>
+              </a:prstGeom>
+              <a:ln>
+                <a:tailEnd type="triangle"/>
+              </a:ln>
+            </p:spPr>
+            <p:style>
+              <a:lnRef idx="1">
+                <a:schemeClr val="dk1"/>
+              </a:lnRef>
+              <a:fillRef idx="0">
+                <a:schemeClr val="dk1"/>
+              </a:fillRef>
+              <a:effectRef idx="0">
+                <a:schemeClr val="dk1"/>
+              </a:effectRef>
+              <a:fontRef idx="minor">
+                <a:schemeClr val="tx1"/>
+              </a:fontRef>
+            </p:style>
+          </p:cxnSp>
+          <p:sp>
+            <p:nvSpPr>
+              <p:cNvPr id="53" name="AutoShape 50">
+                <a:extLst>
+                  <a:ext uri="{FF2B5EF4-FFF2-40B4-BE49-F238E27FC236}">
+                    <a16:creationId xmlns:a16="http://schemas.microsoft.com/office/drawing/2014/main" id="{69F44865-39B1-284E-A93E-E5B16E36082B}"/>
+                  </a:ext>
+                </a:extLst>
+              </p:cNvPr>
+              <p:cNvSpPr>
+                <a:spLocks noChangeArrowheads="1"/>
+              </p:cNvSpPr>
+              <p:nvPr/>
+            </p:nvSpPr>
+            <p:spPr bwMode="auto">
+              <a:xfrm rot="10800000">
+                <a:off x="6428847" y="6262512"/>
+                <a:ext cx="168275" cy="252412"/>
+              </a:xfrm>
+              <a:prstGeom prst="diamond">
+                <a:avLst/>
+              </a:prstGeom>
+              <a:solidFill>
+                <a:schemeClr val="tx1"/>
+              </a:solidFill>
+              <a:ln w="9525">
+                <a:solidFill>
+                  <a:schemeClr val="tx1"/>
+                </a:solidFill>
+                <a:miter lim="800000"/>
+                <a:headEnd/>
+                <a:tailEnd/>
+              </a:ln>
+            </p:spPr>
+            <p:txBody>
+              <a:bodyPr anchor="ctr">
+                <a:spAutoFit/>
+              </a:bodyPr>
+              <a:lstStyle/>
+              <a:p>
+                <a:endParaRPr lang="en-US"/>
+              </a:p>
+            </p:txBody>
+          </p:sp>
+        </p:grpSp>
+      </p:grpSp>
+      <p:grpSp>
+        <p:nvGrpSpPr>
+          <p:cNvPr id="56" name="Group 55">
+            <a:extLst>
+              <a:ext uri="{FF2B5EF4-FFF2-40B4-BE49-F238E27FC236}">
+                <a16:creationId xmlns:a16="http://schemas.microsoft.com/office/drawing/2014/main" id="{8E0944B3-E5FF-BE49-93C7-925210E81A8B}"/>
+              </a:ext>
+            </a:extLst>
+          </p:cNvPr>
+          <p:cNvGrpSpPr/>
+          <p:nvPr/>
+        </p:nvGrpSpPr>
+        <p:grpSpPr>
+          <a:xfrm>
+            <a:off x="6434018" y="6904533"/>
+            <a:ext cx="769769" cy="1017322"/>
+            <a:chOff x="6428847" y="5499686"/>
+            <a:chExt cx="769769" cy="1017322"/>
+          </a:xfrm>
+        </p:grpSpPr>
+        <p:grpSp>
+          <p:nvGrpSpPr>
+            <p:cNvPr id="57" name="Group 56">
+              <a:extLst>
+                <a:ext uri="{FF2B5EF4-FFF2-40B4-BE49-F238E27FC236}">
+                  <a16:creationId xmlns:a16="http://schemas.microsoft.com/office/drawing/2014/main" id="{9E3B8D55-79D1-2D49-A366-72E3DCAE7682}"/>
+                </a:ext>
+              </a:extLst>
+            </p:cNvPr>
+            <p:cNvGrpSpPr/>
+            <p:nvPr/>
+          </p:nvGrpSpPr>
+          <p:grpSpPr>
+            <a:xfrm>
+              <a:off x="6428847" y="5499686"/>
+              <a:ext cx="168275" cy="1015238"/>
+              <a:chOff x="6428847" y="5499686"/>
+              <a:chExt cx="168275" cy="1015238"/>
+            </a:xfrm>
+          </p:grpSpPr>
+          <p:cxnSp>
+            <p:nvCxnSpPr>
+              <p:cNvPr id="70" name="Straight Arrow Connector 69">
+                <a:extLst>
+                  <a:ext uri="{FF2B5EF4-FFF2-40B4-BE49-F238E27FC236}">
+                    <a16:creationId xmlns:a16="http://schemas.microsoft.com/office/drawing/2014/main" id="{B361BF42-C41D-F349-875F-26218A7B2E93}"/>
+                  </a:ext>
+                </a:extLst>
+              </p:cNvPr>
+              <p:cNvCxnSpPr>
+                <a:cxnSpLocks/>
+                <a:stCxn id="71" idx="2"/>
+              </p:cNvCxnSpPr>
+              <p:nvPr/>
+            </p:nvCxnSpPr>
+            <p:spPr>
+              <a:xfrm rot="10800000" flipH="1">
+                <a:off x="6512984" y="5499686"/>
+                <a:ext cx="554" cy="762826"/>
+              </a:xfrm>
+              <a:prstGeom prst="straightConnector1">
+                <a:avLst/>
+              </a:prstGeom>
+              <a:ln>
+                <a:tailEnd type="triangle"/>
+              </a:ln>
+            </p:spPr>
+            <p:style>
+              <a:lnRef idx="1">
+                <a:schemeClr val="dk1"/>
+              </a:lnRef>
+              <a:fillRef idx="0">
+                <a:schemeClr val="dk1"/>
+              </a:fillRef>
+              <a:effectRef idx="0">
+                <a:schemeClr val="dk1"/>
+              </a:effectRef>
+              <a:fontRef idx="minor">
+                <a:schemeClr val="tx1"/>
+              </a:fontRef>
+            </p:style>
+          </p:cxnSp>
+          <p:sp>
+            <p:nvSpPr>
+              <p:cNvPr id="71" name="AutoShape 50">
+                <a:extLst>
+                  <a:ext uri="{FF2B5EF4-FFF2-40B4-BE49-F238E27FC236}">
+                    <a16:creationId xmlns:a16="http://schemas.microsoft.com/office/drawing/2014/main" id="{8AB6B30C-AE7D-F744-9184-5DE74AABFFFF}"/>
+                  </a:ext>
+                </a:extLst>
+              </p:cNvPr>
+              <p:cNvSpPr>
+                <a:spLocks noChangeArrowheads="1"/>
+              </p:cNvSpPr>
+              <p:nvPr/>
+            </p:nvSpPr>
+            <p:spPr bwMode="auto">
+              <a:xfrm rot="10800000">
+                <a:off x="6428847" y="6262512"/>
+                <a:ext cx="168275" cy="252412"/>
+              </a:xfrm>
+              <a:prstGeom prst="diamond">
+                <a:avLst/>
+              </a:prstGeom>
+              <a:solidFill>
+                <a:schemeClr val="tx1"/>
+              </a:solidFill>
+              <a:ln w="9525">
+                <a:solidFill>
+                  <a:schemeClr val="tx1"/>
+                </a:solidFill>
+                <a:miter lim="800000"/>
+                <a:headEnd/>
+                <a:tailEnd/>
+              </a:ln>
+            </p:spPr>
+            <p:txBody>
+              <a:bodyPr anchor="ctr">
+                <a:spAutoFit/>
+              </a:bodyPr>
+              <a:lstStyle/>
+              <a:p>
+                <a:endParaRPr lang="en-US"/>
+              </a:p>
+            </p:txBody>
+          </p:sp>
+        </p:grpSp>
+        <p:grpSp>
+          <p:nvGrpSpPr>
+            <p:cNvPr id="58" name="Group 57">
+              <a:extLst>
+                <a:ext uri="{FF2B5EF4-FFF2-40B4-BE49-F238E27FC236}">
+                  <a16:creationId xmlns:a16="http://schemas.microsoft.com/office/drawing/2014/main" id="{3B25D0CC-8977-B243-9A2A-35DFD233C093}"/>
+                </a:ext>
+              </a:extLst>
+            </p:cNvPr>
+            <p:cNvGrpSpPr/>
+            <p:nvPr/>
+          </p:nvGrpSpPr>
+          <p:grpSpPr>
+            <a:xfrm>
+              <a:off x="7030341" y="5501770"/>
+              <a:ext cx="168275" cy="1015238"/>
+              <a:chOff x="6428847" y="5499686"/>
+              <a:chExt cx="168275" cy="1015238"/>
+            </a:xfrm>
+          </p:grpSpPr>
+          <p:cxnSp>
+            <p:nvCxnSpPr>
+              <p:cNvPr id="59" name="Straight Arrow Connector 58">
+                <a:extLst>
+                  <a:ext uri="{FF2B5EF4-FFF2-40B4-BE49-F238E27FC236}">
+                    <a16:creationId xmlns:a16="http://schemas.microsoft.com/office/drawing/2014/main" id="{F1CA1C70-7DD8-FD4A-B250-0C8C7B1B7909}"/>
+                  </a:ext>
+                </a:extLst>
+              </p:cNvPr>
+              <p:cNvCxnSpPr>
+                <a:cxnSpLocks/>
+                <a:stCxn id="60" idx="2"/>
+              </p:cNvCxnSpPr>
+              <p:nvPr/>
+            </p:nvCxnSpPr>
+            <p:spPr>
+              <a:xfrm rot="10800000" flipH="1">
+                <a:off x="6512984" y="5499686"/>
+                <a:ext cx="554" cy="762826"/>
+              </a:xfrm>
+              <a:prstGeom prst="straightConnector1">
+                <a:avLst/>
+              </a:prstGeom>
+              <a:ln>
+                <a:tailEnd type="triangle"/>
+              </a:ln>
+            </p:spPr>
+            <p:style>
+              <a:lnRef idx="1">
+                <a:schemeClr val="dk1"/>
+              </a:lnRef>
+              <a:fillRef idx="0">
+                <a:schemeClr val="dk1"/>
+              </a:fillRef>
+              <a:effectRef idx="0">
+                <a:schemeClr val="dk1"/>
+              </a:effectRef>
+              <a:fontRef idx="minor">
+                <a:schemeClr val="tx1"/>
+              </a:fontRef>
+            </p:style>
+          </p:cxnSp>
+          <p:sp>
+            <p:nvSpPr>
+              <p:cNvPr id="60" name="AutoShape 50">
+                <a:extLst>
+                  <a:ext uri="{FF2B5EF4-FFF2-40B4-BE49-F238E27FC236}">
+                    <a16:creationId xmlns:a16="http://schemas.microsoft.com/office/drawing/2014/main" id="{4B26539A-3DBC-D542-9387-E99F1241FDA2}"/>
+                  </a:ext>
+                </a:extLst>
+              </p:cNvPr>
+              <p:cNvSpPr>
+                <a:spLocks noChangeArrowheads="1"/>
+              </p:cNvSpPr>
+              <p:nvPr/>
+            </p:nvSpPr>
+            <p:spPr bwMode="auto">
+              <a:xfrm rot="10800000">
+                <a:off x="6428847" y="6262512"/>
+                <a:ext cx="168275" cy="252412"/>
+              </a:xfrm>
+              <a:prstGeom prst="diamond">
+                <a:avLst/>
+              </a:prstGeom>
+              <a:solidFill>
+                <a:schemeClr val="tx1"/>
+              </a:solidFill>
+              <a:ln w="9525">
+                <a:solidFill>
+                  <a:schemeClr val="tx1"/>
+                </a:solidFill>
+                <a:miter lim="800000"/>
+                <a:headEnd/>
+                <a:tailEnd/>
+              </a:ln>
+            </p:spPr>
+            <p:txBody>
+              <a:bodyPr anchor="ctr">
+                <a:spAutoFit/>
+              </a:bodyPr>
+              <a:lstStyle/>
+              <a:p>
+                <a:endParaRPr lang="en-US"/>
+              </a:p>
+            </p:txBody>
+          </p:sp>
+        </p:grpSp>
+      </p:grpSp>
+      <p:sp>
+        <p:nvSpPr>
+          <p:cNvPr id="95" name="AutoShape 57">
+            <a:extLst>
+              <a:ext uri="{FF2B5EF4-FFF2-40B4-BE49-F238E27FC236}">
+                <a16:creationId xmlns:a16="http://schemas.microsoft.com/office/drawing/2014/main" id="{B7624E75-AD6A-744C-A0EC-0651E6D71B69}"/>
               </a:ext>
             </a:extLst>
           </p:cNvPr>
@@ -12950,65 +15936,518 @@
           <p:nvPr/>
         </p:nvSpPr>
         <p:spPr bwMode="auto">
-          <a:xfrm flipV="1">
-            <a:off x="10757648" y="1506875"/>
-            <a:ext cx="1183694" cy="339284"/>
-          </a:xfrm>
-          <a:prstGeom prst="foldedCorner">
+          <a:xfrm>
+            <a:off x="7461909" y="2930195"/>
+            <a:ext cx="304800" cy="290513"/>
+          </a:xfrm>
+          <a:prstGeom prst="triangle">
             <a:avLst>
-              <a:gd name="adj" fmla="val 27606"/>
+              <a:gd name="adj" fmla="val 50000"/>
             </a:avLst>
           </a:prstGeom>
           <a:solidFill>
-            <a:srgbClr val="FFFFFF"/>
+            <a:schemeClr val="bg1"/>
           </a:solidFill>
           <a:ln w="9525">
             <a:solidFill>
-              <a:srgbClr val="000000"/>
+              <a:schemeClr val="tx1"/>
             </a:solidFill>
-            <a:round/>
+            <a:miter lim="800000"/>
+            <a:headEnd/>
+            <a:tailEnd type="none" w="lg" len="lg"/>
+          </a:ln>
+        </p:spPr>
+        <p:txBody>
+          <a:bodyPr wrap="none" anchor="ctr">
+            <a:spAutoFit/>
+          </a:bodyPr>
+          <a:lstStyle/>
+          <a:p>
+            <a:endParaRPr lang="en-US"/>
+          </a:p>
+        </p:txBody>
+      </p:sp>
+      <p:sp>
+        <p:nvSpPr>
+          <p:cNvPr id="81" name="AutoShape 57">
+            <a:extLst>
+              <a:ext uri="{FF2B5EF4-FFF2-40B4-BE49-F238E27FC236}">
+                <a16:creationId xmlns:a16="http://schemas.microsoft.com/office/drawing/2014/main" id="{0EAFE022-B39F-CA48-ABB1-C3FEDBBEF85A}"/>
+              </a:ext>
+            </a:extLst>
+          </p:cNvPr>
+          <p:cNvSpPr>
+            <a:spLocks noChangeArrowheads="1"/>
+          </p:cNvSpPr>
+          <p:nvPr/>
+        </p:nvSpPr>
+        <p:spPr bwMode="auto">
+          <a:xfrm>
+            <a:off x="6668355" y="2935829"/>
+            <a:ext cx="304800" cy="290513"/>
+          </a:xfrm>
+          <a:prstGeom prst="triangle">
+            <a:avLst>
+              <a:gd name="adj" fmla="val 50000"/>
+            </a:avLst>
+          </a:prstGeom>
+          <a:solidFill>
+            <a:schemeClr val="bg1"/>
+          </a:solidFill>
+          <a:ln w="9525">
+            <a:solidFill>
+              <a:schemeClr val="tx1"/>
+            </a:solidFill>
+            <a:miter lim="800000"/>
+            <a:headEnd/>
+            <a:tailEnd type="none" w="lg" len="lg"/>
+          </a:ln>
+        </p:spPr>
+        <p:txBody>
+          <a:bodyPr wrap="square" anchor="ctr">
+            <a:spAutoFit/>
+          </a:bodyPr>
+          <a:lstStyle/>
+          <a:p>
+            <a:endParaRPr lang="en-US"/>
+          </a:p>
+        </p:txBody>
+      </p:sp>
+      <p:cxnSp>
+        <p:nvCxnSpPr>
+          <p:cNvPr id="83" name="Straight Connector 6">
+            <a:extLst>
+              <a:ext uri="{FF2B5EF4-FFF2-40B4-BE49-F238E27FC236}">
+                <a16:creationId xmlns:a16="http://schemas.microsoft.com/office/drawing/2014/main" id="{0004146D-7606-0240-AF8C-E0B7D538406C}"/>
+              </a:ext>
+            </a:extLst>
+          </p:cNvPr>
+          <p:cNvCxnSpPr>
+            <a:cxnSpLocks/>
+            <a:stCxn id="81" idx="3"/>
+            <a:endCxn id="42" idx="0"/>
+          </p:cNvCxnSpPr>
+          <p:nvPr/>
+        </p:nvCxnSpPr>
+        <p:spPr>
+          <a:xfrm rot="16200000" flipH="1">
+            <a:off x="5873862" y="4173234"/>
+            <a:ext cx="1893786" cy="1"/>
+          </a:xfrm>
+          <a:prstGeom prst="bentConnector3">
+            <a:avLst>
+              <a:gd name="adj1" fmla="val 50000"/>
+            </a:avLst>
+          </a:prstGeom>
+        </p:spPr>
+        <p:style>
+          <a:lnRef idx="1">
+            <a:schemeClr val="dk1"/>
+          </a:lnRef>
+          <a:fillRef idx="0">
+            <a:schemeClr val="dk1"/>
+          </a:fillRef>
+          <a:effectRef idx="0">
+            <a:schemeClr val="dk1"/>
+          </a:effectRef>
+          <a:fontRef idx="minor">
+            <a:schemeClr val="tx1"/>
+          </a:fontRef>
+        </p:style>
+      </p:cxnSp>
+      <p:sp>
+        <p:nvSpPr>
+          <p:cNvPr id="100" name="AutoShape 57">
+            <a:extLst>
+              <a:ext uri="{FF2B5EF4-FFF2-40B4-BE49-F238E27FC236}">
+                <a16:creationId xmlns:a16="http://schemas.microsoft.com/office/drawing/2014/main" id="{1203038F-2C45-5345-ACA9-BCF6367C52DE}"/>
+              </a:ext>
+            </a:extLst>
+          </p:cNvPr>
+          <p:cNvSpPr>
+            <a:spLocks noChangeArrowheads="1"/>
+          </p:cNvSpPr>
+          <p:nvPr/>
+        </p:nvSpPr>
+        <p:spPr bwMode="auto">
+          <a:xfrm rot="5400000">
+            <a:off x="5910240" y="5165107"/>
+            <a:ext cx="304800" cy="290513"/>
+          </a:xfrm>
+          <a:prstGeom prst="triangle">
+            <a:avLst>
+              <a:gd name="adj" fmla="val 50000"/>
+            </a:avLst>
+          </a:prstGeom>
+          <a:solidFill>
+            <a:schemeClr val="bg1"/>
+          </a:solidFill>
+          <a:ln w="9525">
+            <a:solidFill>
+              <a:schemeClr val="tx1"/>
+            </a:solidFill>
+            <a:miter lim="800000"/>
+            <a:headEnd/>
+            <a:tailEnd type="none" w="lg" len="lg"/>
+          </a:ln>
+        </p:spPr>
+        <p:txBody>
+          <a:bodyPr wrap="none" anchor="ctr">
+            <a:spAutoFit/>
+          </a:bodyPr>
+          <a:lstStyle/>
+          <a:p>
+            <a:endParaRPr lang="en-US"/>
+          </a:p>
+        </p:txBody>
+      </p:sp>
+      <p:cxnSp>
+        <p:nvCxnSpPr>
+          <p:cNvPr id="101" name="Straight Connector 6">
+            <a:extLst>
+              <a:ext uri="{FF2B5EF4-FFF2-40B4-BE49-F238E27FC236}">
+                <a16:creationId xmlns:a16="http://schemas.microsoft.com/office/drawing/2014/main" id="{E85D58FB-5A68-A04F-9EBF-D59CE3F39FF5}"/>
+              </a:ext>
+            </a:extLst>
+          </p:cNvPr>
+          <p:cNvCxnSpPr>
+            <a:cxnSpLocks/>
+            <a:stCxn id="100" idx="3"/>
+            <a:endCxn id="52" idx="3"/>
+          </p:cNvCxnSpPr>
+          <p:nvPr/>
+        </p:nvCxnSpPr>
+        <p:spPr>
+          <a:xfrm flipH="1">
+            <a:off x="4075257" y="5310364"/>
+            <a:ext cx="1842127" cy="0"/>
+          </a:xfrm>
+          <a:prstGeom prst="straightConnector1">
+            <a:avLst/>
+          </a:prstGeom>
+        </p:spPr>
+        <p:style>
+          <a:lnRef idx="1">
+            <a:schemeClr val="dk1"/>
+          </a:lnRef>
+          <a:fillRef idx="0">
+            <a:schemeClr val="dk1"/>
+          </a:fillRef>
+          <a:effectRef idx="0">
+            <a:schemeClr val="dk1"/>
+          </a:effectRef>
+          <a:fontRef idx="minor">
+            <a:schemeClr val="tx1"/>
+          </a:fontRef>
+        </p:style>
+      </p:cxnSp>
+      <p:cxnSp>
+        <p:nvCxnSpPr>
+          <p:cNvPr id="104" name="Straight Connector 6">
+            <a:extLst>
+              <a:ext uri="{FF2B5EF4-FFF2-40B4-BE49-F238E27FC236}">
+                <a16:creationId xmlns:a16="http://schemas.microsoft.com/office/drawing/2014/main" id="{E96F9D6F-D613-1B40-A992-62A81C505A59}"/>
+              </a:ext>
+            </a:extLst>
+          </p:cNvPr>
+          <p:cNvCxnSpPr>
+            <a:cxnSpLocks/>
+            <a:stCxn id="100" idx="3"/>
+            <a:endCxn id="55" idx="3"/>
+          </p:cNvCxnSpPr>
+          <p:nvPr/>
+        </p:nvCxnSpPr>
+        <p:spPr>
+          <a:xfrm rot="10800000" flipV="1">
+            <a:off x="4075258" y="5310363"/>
+            <a:ext cx="1842127" cy="525303"/>
+          </a:xfrm>
+          <a:prstGeom prst="bentConnector3">
+            <a:avLst>
+              <a:gd name="adj1" fmla="val 50000"/>
+            </a:avLst>
+          </a:prstGeom>
+        </p:spPr>
+        <p:style>
+          <a:lnRef idx="1">
+            <a:schemeClr val="dk1"/>
+          </a:lnRef>
+          <a:fillRef idx="0">
+            <a:schemeClr val="dk1"/>
+          </a:fillRef>
+          <a:effectRef idx="0">
+            <a:schemeClr val="dk1"/>
+          </a:effectRef>
+          <a:fontRef idx="minor">
+            <a:schemeClr val="tx1"/>
+          </a:fontRef>
+        </p:style>
+      </p:cxnSp>
+      <p:sp>
+        <p:nvSpPr>
+          <p:cNvPr id="112" name="Rectangle 1084">
+            <a:extLst>
+              <a:ext uri="{FF2B5EF4-FFF2-40B4-BE49-F238E27FC236}">
+                <a16:creationId xmlns:a16="http://schemas.microsoft.com/office/drawing/2014/main" id="{9D0ADAC8-B943-9C4B-BE11-E55FAAF1CE0D}"/>
+              </a:ext>
+            </a:extLst>
+          </p:cNvPr>
+          <p:cNvSpPr>
+            <a:spLocks noChangeArrowheads="1"/>
+          </p:cNvSpPr>
+          <p:nvPr/>
+        </p:nvSpPr>
+        <p:spPr bwMode="auto">
+          <a:xfrm>
+            <a:off x="9229725" y="4110214"/>
+            <a:ext cx="1760238" cy="380470"/>
+          </a:xfrm>
+          <a:prstGeom prst="rect">
+            <a:avLst/>
+          </a:prstGeom>
+          <a:noFill/>
+          <a:ln w="9525">
+            <a:solidFill>
+              <a:schemeClr val="tx1"/>
+            </a:solidFill>
+            <a:miter lim="800000"/>
             <a:headEnd/>
             <a:tailEnd/>
           </a:ln>
         </p:spPr>
         <p:txBody>
-          <a:bodyPr rot="10800000" wrap="none" anchor="ctr" anchorCtr="1"/>
-          <a:lstStyle/>
-          <a:p>
-            <a:pPr defTabSz="914346" fontAlgn="auto">
-              <a:lnSpc>
-                <a:spcPct val="70000"/>
-              </a:lnSpc>
-              <a:spcBef>
-                <a:spcPts val="0"/>
-              </a:spcBef>
-              <a:spcAft>
-                <a:spcPts val="0"/>
-              </a:spcAft>
-              <a:defRPr/>
-            </a:pPr>
+          <a:bodyPr wrap="none" anchor="ctr"/>
+          <a:lstStyle/>
+          <a:p>
+            <a:pPr algn="ctr"/>
             <a:r>
-              <a:rPr lang="en-US" altLang="de-DE" sz="1600" dirty="0" err="1">
-                <a:solidFill>
-                  <a:srgbClr val="000000"/>
-                </a:solidFill>
-                <a:latin typeface="Arial"/>
-              </a:rPr>
-              <a:t>MontiThings</a:t>
+              <a:rPr lang="en-US" sz="1600" dirty="0" err="1"/>
+              <a:t>IComputable</a:t>
             </a:r>
-            <a:endParaRPr lang="en-US" altLang="de-DE" sz="1600" dirty="0">
-              <a:solidFill>
-                <a:srgbClr val="000000"/>
-              </a:solidFill>
-              <a:latin typeface="Arial"/>
-            </a:endParaRPr>
-          </a:p>
-        </p:txBody>
-      </p:sp>
+            <a:endParaRPr lang="en-US" sz="1600" dirty="0"/>
+          </a:p>
+        </p:txBody>
+      </p:sp>
+      <p:sp>
+        <p:nvSpPr>
+          <p:cNvPr id="113" name="Rectangle 1084">
+            <a:extLst>
+              <a:ext uri="{FF2B5EF4-FFF2-40B4-BE49-F238E27FC236}">
+                <a16:creationId xmlns:a16="http://schemas.microsoft.com/office/drawing/2014/main" id="{D2DD84AE-5D3D-2B47-8951-DB83B521C658}"/>
+              </a:ext>
+            </a:extLst>
+          </p:cNvPr>
+          <p:cNvSpPr>
+            <a:spLocks noChangeArrowheads="1"/>
+          </p:cNvSpPr>
+          <p:nvPr/>
+        </p:nvSpPr>
+        <p:spPr bwMode="auto">
+          <a:xfrm>
+            <a:off x="9229725" y="3593253"/>
+            <a:ext cx="1760238" cy="380470"/>
+          </a:xfrm>
+          <a:prstGeom prst="rect">
+            <a:avLst/>
+          </a:prstGeom>
+          <a:noFill/>
+          <a:ln w="9525">
+            <a:solidFill>
+              <a:schemeClr val="tx1"/>
+            </a:solidFill>
+            <a:miter lim="800000"/>
+            <a:headEnd/>
+            <a:tailEnd/>
+          </a:ln>
+        </p:spPr>
+        <p:txBody>
+          <a:bodyPr wrap="none" anchor="ctr"/>
+          <a:lstStyle/>
+          <a:p>
+            <a:pPr algn="ctr"/>
+            <a:r>
+              <a:rPr lang="en-US" sz="1600" dirty="0" err="1"/>
+              <a:t>IComponent</a:t>
+            </a:r>
+            <a:endParaRPr lang="en-US" sz="1600" dirty="0"/>
+          </a:p>
+        </p:txBody>
+      </p:sp>
+      <p:sp>
+        <p:nvSpPr>
+          <p:cNvPr id="114" name="Rectangle 1084">
+            <a:extLst>
+              <a:ext uri="{FF2B5EF4-FFF2-40B4-BE49-F238E27FC236}">
+                <a16:creationId xmlns:a16="http://schemas.microsoft.com/office/drawing/2014/main" id="{5C6D88E4-D809-6747-A068-7EEB420590E7}"/>
+              </a:ext>
+            </a:extLst>
+          </p:cNvPr>
+          <p:cNvSpPr>
+            <a:spLocks noChangeArrowheads="1"/>
+          </p:cNvSpPr>
+          <p:nvPr/>
+        </p:nvSpPr>
+        <p:spPr bwMode="auto">
+          <a:xfrm>
+            <a:off x="9229725" y="4623249"/>
+            <a:ext cx="1760238" cy="560591"/>
+          </a:xfrm>
+          <a:prstGeom prst="rect">
+            <a:avLst/>
+          </a:prstGeom>
+          <a:noFill/>
+          <a:ln w="9525">
+            <a:solidFill>
+              <a:schemeClr val="tx1"/>
+            </a:solidFill>
+            <a:miter lim="800000"/>
+            <a:headEnd/>
+            <a:tailEnd/>
+          </a:ln>
+        </p:spPr>
+        <p:txBody>
+          <a:bodyPr wrap="none" anchor="ctr"/>
+          <a:lstStyle/>
+          <a:p>
+            <a:pPr algn="ctr"/>
+            <a:r>
+              <a:rPr lang="en-US" sz="1600" dirty="0"/>
+              <a:t>Management</a:t>
+            </a:r>
+            <a:br>
+              <a:rPr lang="en-US" sz="1600" dirty="0"/>
+            </a:br>
+            <a:r>
+              <a:rPr lang="en-US" sz="1600" dirty="0"/>
+              <a:t>Communication</a:t>
+            </a:r>
+          </a:p>
+        </p:txBody>
+      </p:sp>
+      <p:cxnSp>
+        <p:nvCxnSpPr>
+          <p:cNvPr id="115" name="Straight Connector 6">
+            <a:extLst>
+              <a:ext uri="{FF2B5EF4-FFF2-40B4-BE49-F238E27FC236}">
+                <a16:creationId xmlns:a16="http://schemas.microsoft.com/office/drawing/2014/main" id="{6BC0EB6C-EE34-6A4C-96D9-D72AF2A9AB03}"/>
+              </a:ext>
+            </a:extLst>
+          </p:cNvPr>
+          <p:cNvCxnSpPr>
+            <a:cxnSpLocks/>
+            <a:stCxn id="95" idx="3"/>
+            <a:endCxn id="113" idx="1"/>
+          </p:cNvCxnSpPr>
+          <p:nvPr/>
+        </p:nvCxnSpPr>
+        <p:spPr>
+          <a:xfrm rot="16200000" flipH="1">
+            <a:off x="8140627" y="2694390"/>
+            <a:ext cx="562780" cy="1615416"/>
+          </a:xfrm>
+          <a:prstGeom prst="bentConnector2">
+            <a:avLst/>
+          </a:prstGeom>
+        </p:spPr>
+        <p:style>
+          <a:lnRef idx="1">
+            <a:schemeClr val="dk1"/>
+          </a:lnRef>
+          <a:fillRef idx="0">
+            <a:schemeClr val="dk1"/>
+          </a:fillRef>
+          <a:effectRef idx="0">
+            <a:schemeClr val="dk1"/>
+          </a:effectRef>
+          <a:fontRef idx="minor">
+            <a:schemeClr val="tx1"/>
+          </a:fontRef>
+        </p:style>
+      </p:cxnSp>
+      <p:cxnSp>
+        <p:nvCxnSpPr>
+          <p:cNvPr id="118" name="Straight Connector 6">
+            <a:extLst>
+              <a:ext uri="{FF2B5EF4-FFF2-40B4-BE49-F238E27FC236}">
+                <a16:creationId xmlns:a16="http://schemas.microsoft.com/office/drawing/2014/main" id="{43B2EE9D-552F-254B-85A4-FF7B2D6D71EC}"/>
+              </a:ext>
+            </a:extLst>
+          </p:cNvPr>
+          <p:cNvCxnSpPr>
+            <a:cxnSpLocks/>
+            <a:stCxn id="95" idx="3"/>
+            <a:endCxn id="112" idx="1"/>
+          </p:cNvCxnSpPr>
+          <p:nvPr/>
+        </p:nvCxnSpPr>
+        <p:spPr>
+          <a:xfrm rot="16200000" flipH="1">
+            <a:off x="7882147" y="2952870"/>
+            <a:ext cx="1079741" cy="1615416"/>
+          </a:xfrm>
+          <a:prstGeom prst="bentConnector2">
+            <a:avLst/>
+          </a:prstGeom>
+        </p:spPr>
+        <p:style>
+          <a:lnRef idx="1">
+            <a:schemeClr val="dk1"/>
+          </a:lnRef>
+          <a:fillRef idx="0">
+            <a:schemeClr val="dk1"/>
+          </a:fillRef>
+          <a:effectRef idx="0">
+            <a:schemeClr val="dk1"/>
+          </a:effectRef>
+          <a:fontRef idx="minor">
+            <a:schemeClr val="tx1"/>
+          </a:fontRef>
+        </p:style>
+      </p:cxnSp>
+      <p:cxnSp>
+        <p:nvCxnSpPr>
+          <p:cNvPr id="121" name="Straight Connector 6">
+            <a:extLst>
+              <a:ext uri="{FF2B5EF4-FFF2-40B4-BE49-F238E27FC236}">
+                <a16:creationId xmlns:a16="http://schemas.microsoft.com/office/drawing/2014/main" id="{946A6E2D-3390-9043-9FBD-461C3AD6AD92}"/>
+              </a:ext>
+            </a:extLst>
+          </p:cNvPr>
+          <p:cNvCxnSpPr>
+            <a:cxnSpLocks/>
+            <a:stCxn id="95" idx="3"/>
+            <a:endCxn id="114" idx="1"/>
+          </p:cNvCxnSpPr>
+          <p:nvPr/>
+        </p:nvCxnSpPr>
+        <p:spPr>
+          <a:xfrm rot="16200000" flipH="1">
+            <a:off x="7580599" y="3254418"/>
+            <a:ext cx="1682837" cy="1615416"/>
+          </a:xfrm>
+          <a:prstGeom prst="bentConnector2">
+            <a:avLst/>
+          </a:prstGeom>
+        </p:spPr>
+        <p:style>
+          <a:lnRef idx="1">
+            <a:schemeClr val="dk1"/>
+          </a:lnRef>
+          <a:fillRef idx="0">
+            <a:schemeClr val="dk1"/>
+          </a:fillRef>
+          <a:effectRef idx="0">
+            <a:schemeClr val="dk1"/>
+          </a:effectRef>
+          <a:fontRef idx="minor">
+            <a:schemeClr val="tx1"/>
+          </a:fontRef>
+        </p:style>
+      </p:cxnSp>
     </p:spTree>
     <p:extLst>
       <p:ext uri="{BB962C8B-B14F-4D97-AF65-F5344CB8AC3E}">
-        <p14:creationId xmlns:p14="http://schemas.microsoft.com/office/powerpoint/2010/main" val="2387030362"/>
+        <p14:creationId xmlns:p14="http://schemas.microsoft.com/office/powerpoint/2010/main" val="1988361942"/>
       </p:ext>
     </p:extLst>
   </p:cSld>

--- a/docs/MontiThingsDoku.pptx
+++ b/docs/MontiThingsDoku.pptx
@@ -5,24 +5,25 @@
     <p:sldMasterId id="2147483672" r:id="rId1"/>
   </p:sldMasterIdLst>
   <p:notesMasterIdLst>
-    <p:notesMasterId r:id="rId17"/>
+    <p:notesMasterId r:id="rId18"/>
   </p:notesMasterIdLst>
   <p:sldIdLst>
     <p:sldId id="332" r:id="rId2"/>
     <p:sldId id="334" r:id="rId3"/>
     <p:sldId id="336" r:id="rId4"/>
     <p:sldId id="338" r:id="rId5"/>
-    <p:sldId id="335" r:id="rId6"/>
-    <p:sldId id="341" r:id="rId7"/>
-    <p:sldId id="342" r:id="rId8"/>
-    <p:sldId id="343" r:id="rId9"/>
-    <p:sldId id="344" r:id="rId10"/>
-    <p:sldId id="346" r:id="rId11"/>
-    <p:sldId id="347" r:id="rId12"/>
-    <p:sldId id="340" r:id="rId13"/>
-    <p:sldId id="337" r:id="rId14"/>
-    <p:sldId id="333" r:id="rId15"/>
-    <p:sldId id="348" r:id="rId16"/>
+    <p:sldId id="349" r:id="rId6"/>
+    <p:sldId id="335" r:id="rId7"/>
+    <p:sldId id="341" r:id="rId8"/>
+    <p:sldId id="342" r:id="rId9"/>
+    <p:sldId id="343" r:id="rId10"/>
+    <p:sldId id="344" r:id="rId11"/>
+    <p:sldId id="346" r:id="rId12"/>
+    <p:sldId id="347" r:id="rId13"/>
+    <p:sldId id="340" r:id="rId14"/>
+    <p:sldId id="337" r:id="rId15"/>
+    <p:sldId id="333" r:id="rId16"/>
+    <p:sldId id="348" r:id="rId17"/>
   </p:sldIdLst>
   <p:sldSz cx="15998825" cy="8999538"/>
   <p:notesSz cx="6858000" cy="9144000"/>
@@ -164,6 +165,11 @@
             <p14:sldId id="334"/>
             <p14:sldId id="336"/>
             <p14:sldId id="338"/>
+          </p14:sldIdLst>
+        </p14:section>
+        <p14:section name="SensorActuatorAccess" id="{2EC9C5B1-B362-054B-8F82-2D229B1338DD}">
+          <p14:sldIdLst>
+            <p14:sldId id="349"/>
           </p14:sldIdLst>
         </p14:section>
         <p14:section name="Behavior" id="{2EFCFAF9-F690-E446-A9B5-68E9C2B1913C}">
@@ -833,7 +839,7 @@
     </p:spTree>
     <p:extLst>
       <p:ext uri="{BB962C8B-B14F-4D97-AF65-F5344CB8AC3E}">
-        <p14:creationId xmlns:p14="http://schemas.microsoft.com/office/powerpoint/2010/main" val="2517486937"/>
+        <p14:creationId xmlns:p14="http://schemas.microsoft.com/office/powerpoint/2010/main" val="263346699"/>
       </p:ext>
     </p:extLst>
   </p:cSld>
@@ -926,7 +932,7 @@
     </p:spTree>
     <p:extLst>
       <p:ext uri="{BB962C8B-B14F-4D97-AF65-F5344CB8AC3E}">
-        <p14:creationId xmlns:p14="http://schemas.microsoft.com/office/powerpoint/2010/main" val="763748306"/>
+        <p14:creationId xmlns:p14="http://schemas.microsoft.com/office/powerpoint/2010/main" val="2517486937"/>
       </p:ext>
     </p:extLst>
   </p:cSld>
@@ -1019,7 +1025,7 @@
     </p:spTree>
     <p:extLst>
       <p:ext uri="{BB962C8B-B14F-4D97-AF65-F5344CB8AC3E}">
-        <p14:creationId xmlns:p14="http://schemas.microsoft.com/office/powerpoint/2010/main" val="3310893876"/>
+        <p14:creationId xmlns:p14="http://schemas.microsoft.com/office/powerpoint/2010/main" val="763748306"/>
       </p:ext>
     </p:extLst>
   </p:cSld>
@@ -1112,7 +1118,7 @@
     </p:spTree>
     <p:extLst>
       <p:ext uri="{BB962C8B-B14F-4D97-AF65-F5344CB8AC3E}">
-        <p14:creationId xmlns:p14="http://schemas.microsoft.com/office/powerpoint/2010/main" val="1178417931"/>
+        <p14:creationId xmlns:p14="http://schemas.microsoft.com/office/powerpoint/2010/main" val="3310893876"/>
       </p:ext>
     </p:extLst>
   </p:cSld>
@@ -1205,7 +1211,7 @@
     </p:spTree>
     <p:extLst>
       <p:ext uri="{BB962C8B-B14F-4D97-AF65-F5344CB8AC3E}">
-        <p14:creationId xmlns:p14="http://schemas.microsoft.com/office/powerpoint/2010/main" val="3392159249"/>
+        <p14:creationId xmlns:p14="http://schemas.microsoft.com/office/powerpoint/2010/main" val="1178417931"/>
       </p:ext>
     </p:extLst>
   </p:cSld>
@@ -1253,6 +1259,99 @@
               <a:rPr lang="de-DE" altLang="de-DE"/>
               <a:pPr/>
               <a:t>15</a:t>
+            </a:fld>
+            <a:endParaRPr lang="de-DE" altLang="de-DE"/>
+          </a:p>
+        </p:txBody>
+      </p:sp>
+      <p:sp>
+        <p:nvSpPr>
+          <p:cNvPr id="13314" name="Rectangle 2"/>
+          <p:cNvSpPr>
+            <a:spLocks noGrp="1" noRot="1" noChangeAspect="1" noChangeArrowheads="1" noTextEdit="1"/>
+          </p:cNvSpPr>
+          <p:nvPr>
+            <p:ph type="sldImg"/>
+          </p:nvPr>
+        </p:nvSpPr>
+        <p:spPr>
+          <a:xfrm>
+            <a:off x="382588" y="685800"/>
+            <a:ext cx="6092825" cy="3429000"/>
+          </a:xfrm>
+          <a:ln/>
+        </p:spPr>
+      </p:sp>
+      <p:sp>
+        <p:nvSpPr>
+          <p:cNvPr id="13315" name="Rectangle 3"/>
+          <p:cNvSpPr>
+            <a:spLocks noGrp="1" noChangeArrowheads="1"/>
+          </p:cNvSpPr>
+          <p:nvPr>
+            <p:ph type="body" idx="1"/>
+          </p:nvPr>
+        </p:nvSpPr>
+        <p:spPr/>
+        <p:txBody>
+          <a:bodyPr/>
+          <a:lstStyle/>
+          <a:p>
+            <a:endParaRPr lang="de-DE" altLang="de-DE" dirty="0"/>
+          </a:p>
+        </p:txBody>
+      </p:sp>
+    </p:spTree>
+    <p:extLst>
+      <p:ext uri="{BB962C8B-B14F-4D97-AF65-F5344CB8AC3E}">
+        <p14:creationId xmlns:p14="http://schemas.microsoft.com/office/powerpoint/2010/main" val="3392159249"/>
+      </p:ext>
+    </p:extLst>
+  </p:cSld>
+  <p:clrMapOvr>
+    <a:masterClrMapping/>
+  </p:clrMapOvr>
+</p:notes>
+</file>
+
+<file path=ppt/notesSlides/notesSlide16.xml><?xml version="1.0" encoding="utf-8"?>
+<p:notes xmlns:a="http://schemas.openxmlformats.org/drawingml/2006/main" xmlns:r="http://schemas.openxmlformats.org/officeDocument/2006/relationships" xmlns:p="http://schemas.openxmlformats.org/presentationml/2006/main">
+  <p:cSld>
+    <p:spTree>
+      <p:nvGrpSpPr>
+        <p:cNvPr id="1" name=""/>
+        <p:cNvGrpSpPr/>
+        <p:nvPr/>
+      </p:nvGrpSpPr>
+      <p:grpSpPr>
+        <a:xfrm>
+          <a:off x="0" y="0"/>
+          <a:ext cx="0" cy="0"/>
+          <a:chOff x="0" y="0"/>
+          <a:chExt cx="0" cy="0"/>
+        </a:xfrm>
+      </p:grpSpPr>
+      <p:sp>
+        <p:nvSpPr>
+          <p:cNvPr id="7" name="Rectangle 7"/>
+          <p:cNvSpPr>
+            <a:spLocks noGrp="1" noChangeArrowheads="1"/>
+          </p:cNvSpPr>
+          <p:nvPr>
+            <p:ph type="sldNum" sz="quarter" idx="5"/>
+          </p:nvPr>
+        </p:nvSpPr>
+        <p:spPr>
+          <a:ln/>
+        </p:spPr>
+        <p:txBody>
+          <a:bodyPr/>
+          <a:lstStyle/>
+          <a:p>
+            <a:fld id="{D235EE40-7F35-4B7A-8E78-3D96CADCFF0B}" type="slidenum">
+              <a:rPr lang="de-DE" altLang="de-DE"/>
+              <a:pPr/>
+              <a:t>16</a:t>
             </a:fld>
             <a:endParaRPr lang="de-DE" altLang="de-DE"/>
           </a:p>
@@ -1670,7 +1769,7 @@
     </p:spTree>
     <p:extLst>
       <p:ext uri="{BB962C8B-B14F-4D97-AF65-F5344CB8AC3E}">
-        <p14:creationId xmlns:p14="http://schemas.microsoft.com/office/powerpoint/2010/main" val="3641149936"/>
+        <p14:creationId xmlns:p14="http://schemas.microsoft.com/office/powerpoint/2010/main" val="3921327112"/>
       </p:ext>
     </p:extLst>
   </p:cSld>
@@ -1763,7 +1862,7 @@
     </p:spTree>
     <p:extLst>
       <p:ext uri="{BB962C8B-B14F-4D97-AF65-F5344CB8AC3E}">
-        <p14:creationId xmlns:p14="http://schemas.microsoft.com/office/powerpoint/2010/main" val="1683698691"/>
+        <p14:creationId xmlns:p14="http://schemas.microsoft.com/office/powerpoint/2010/main" val="3641149936"/>
       </p:ext>
     </p:extLst>
   </p:cSld>
@@ -1856,7 +1955,7 @@
     </p:spTree>
     <p:extLst>
       <p:ext uri="{BB962C8B-B14F-4D97-AF65-F5344CB8AC3E}">
-        <p14:creationId xmlns:p14="http://schemas.microsoft.com/office/powerpoint/2010/main" val="925420908"/>
+        <p14:creationId xmlns:p14="http://schemas.microsoft.com/office/powerpoint/2010/main" val="1683698691"/>
       </p:ext>
     </p:extLst>
   </p:cSld>
@@ -1949,7 +2048,7 @@
     </p:spTree>
     <p:extLst>
       <p:ext uri="{BB962C8B-B14F-4D97-AF65-F5344CB8AC3E}">
-        <p14:creationId xmlns:p14="http://schemas.microsoft.com/office/powerpoint/2010/main" val="1048580452"/>
+        <p14:creationId xmlns:p14="http://schemas.microsoft.com/office/powerpoint/2010/main" val="925420908"/>
       </p:ext>
     </p:extLst>
   </p:cSld>
@@ -2042,7 +2141,7 @@
     </p:spTree>
     <p:extLst>
       <p:ext uri="{BB962C8B-B14F-4D97-AF65-F5344CB8AC3E}">
-        <p14:creationId xmlns:p14="http://schemas.microsoft.com/office/powerpoint/2010/main" val="263346699"/>
+        <p14:creationId xmlns:p14="http://schemas.microsoft.com/office/powerpoint/2010/main" val="1048580452"/>
       </p:ext>
     </p:extLst>
   </p:cSld>
@@ -8946,6 +9045,378 @@
             <a:pPr algn="ctr"/>
             <a:r>
               <a:rPr lang="de-DE" dirty="0" err="1"/>
+              <a:t>CDExampleCD</a:t>
+            </a:r>
+            <a:endParaRPr lang="de-DE" dirty="0"/>
+          </a:p>
+        </p:txBody>
+      </p:sp>
+      <p:sp>
+        <p:nvSpPr>
+          <p:cNvPr id="44" name="AutoShape 40">
+            <a:extLst>
+              <a:ext uri="{FF2B5EF4-FFF2-40B4-BE49-F238E27FC236}">
+                <a16:creationId xmlns:a16="http://schemas.microsoft.com/office/drawing/2014/main" id="{6DCE0214-732B-9142-B614-E0DDF95F6D96}"/>
+              </a:ext>
+            </a:extLst>
+          </p:cNvPr>
+          <p:cNvSpPr>
+            <a:spLocks noChangeArrowheads="1"/>
+          </p:cNvSpPr>
+          <p:nvPr/>
+        </p:nvSpPr>
+        <p:spPr bwMode="auto">
+          <a:xfrm flipV="1">
+            <a:off x="3139092" y="3560983"/>
+            <a:ext cx="699484" cy="339284"/>
+          </a:xfrm>
+          <a:prstGeom prst="foldedCorner">
+            <a:avLst>
+              <a:gd name="adj" fmla="val 27606"/>
+            </a:avLst>
+          </a:prstGeom>
+          <a:solidFill>
+            <a:srgbClr val="FFFFFF"/>
+          </a:solidFill>
+          <a:ln w="9525">
+            <a:solidFill>
+              <a:srgbClr val="000000"/>
+            </a:solidFill>
+            <a:round/>
+            <a:headEnd/>
+            <a:tailEnd/>
+          </a:ln>
+        </p:spPr>
+        <p:txBody>
+          <a:bodyPr rot="10800000" wrap="none" anchor="ctr" anchorCtr="1"/>
+          <a:lstStyle/>
+          <a:p>
+            <a:pPr defTabSz="914346" fontAlgn="auto">
+              <a:lnSpc>
+                <a:spcPct val="70000"/>
+              </a:lnSpc>
+              <a:spcBef>
+                <a:spcPts val="0"/>
+              </a:spcBef>
+              <a:spcAft>
+                <a:spcPts val="0"/>
+              </a:spcAft>
+              <a:defRPr/>
+            </a:pPr>
+            <a:r>
+              <a:rPr lang="en-US" altLang="de-DE" sz="1600" dirty="0">
+                <a:solidFill>
+                  <a:srgbClr val="000000"/>
+                </a:solidFill>
+                <a:latin typeface="Arial"/>
+              </a:rPr>
+              <a:t>CD</a:t>
+            </a:r>
+          </a:p>
+        </p:txBody>
+      </p:sp>
+      <p:grpSp>
+        <p:nvGrpSpPr>
+          <p:cNvPr id="11" name="Group 1028">
+            <a:extLst>
+              <a:ext uri="{FF2B5EF4-FFF2-40B4-BE49-F238E27FC236}">
+                <a16:creationId xmlns:a16="http://schemas.microsoft.com/office/drawing/2014/main" id="{201F6C62-F000-F44F-8136-8744C9396C38}"/>
+              </a:ext>
+            </a:extLst>
+          </p:cNvPr>
+          <p:cNvGrpSpPr>
+            <a:grpSpLocks/>
+          </p:cNvGrpSpPr>
+          <p:nvPr/>
+        </p:nvGrpSpPr>
+        <p:grpSpPr bwMode="auto">
+          <a:xfrm>
+            <a:off x="2073276" y="3962400"/>
+            <a:ext cx="1976438" cy="1724025"/>
+            <a:chOff x="2266" y="2572"/>
+            <a:chExt cx="1245" cy="1086"/>
+          </a:xfrm>
+        </p:grpSpPr>
+        <p:sp>
+          <p:nvSpPr>
+            <p:cNvPr id="12" name="Text Box 1029">
+              <a:extLst>
+                <a:ext uri="{FF2B5EF4-FFF2-40B4-BE49-F238E27FC236}">
+                  <a16:creationId xmlns:a16="http://schemas.microsoft.com/office/drawing/2014/main" id="{B9608A06-17ED-6E4D-8C30-96C6BB24D82F}"/>
+                </a:ext>
+              </a:extLst>
+            </p:cNvPr>
+            <p:cNvSpPr txBox="1">
+              <a:spLocks noChangeArrowheads="1"/>
+            </p:cNvSpPr>
+            <p:nvPr/>
+          </p:nvSpPr>
+          <p:spPr bwMode="auto">
+            <a:xfrm>
+              <a:off x="2266" y="2610"/>
+              <a:ext cx="1245" cy="368"/>
+            </a:xfrm>
+            <a:prstGeom prst="rect">
+              <a:avLst/>
+            </a:prstGeom>
+            <a:noFill/>
+            <a:ln w="9525">
+              <a:noFill/>
+              <a:miter lim="800000"/>
+              <a:headEnd/>
+              <a:tailEnd/>
+            </a:ln>
+          </p:spPr>
+          <p:txBody>
+            <a:bodyPr wrap="square">
+              <a:spAutoFit/>
+            </a:bodyPr>
+            <a:lstStyle/>
+            <a:p>
+              <a:pPr algn="ctr" eaLnBrk="0" hangingPunct="0"/>
+              <a:r>
+                <a:rPr lang="en-US" altLang="de-DE" sz="1600" dirty="0"/>
+                <a:t>«enumeration»</a:t>
+              </a:r>
+              <a:br>
+                <a:rPr lang="en-US" altLang="de-DE" sz="1600" dirty="0"/>
+              </a:br>
+              <a:r>
+                <a:rPr lang="en-US" altLang="de-DE" sz="1600" dirty="0"/>
+                <a:t>Color</a:t>
+              </a:r>
+            </a:p>
+          </p:txBody>
+        </p:sp>
+        <p:grpSp>
+          <p:nvGrpSpPr>
+            <p:cNvPr id="13" name="Group 1030">
+              <a:extLst>
+                <a:ext uri="{FF2B5EF4-FFF2-40B4-BE49-F238E27FC236}">
+                  <a16:creationId xmlns:a16="http://schemas.microsoft.com/office/drawing/2014/main" id="{BD15FA19-96C3-F74C-9F2F-A425D193DD8A}"/>
+                </a:ext>
+              </a:extLst>
+            </p:cNvPr>
+            <p:cNvGrpSpPr>
+              <a:grpSpLocks/>
+            </p:cNvGrpSpPr>
+            <p:nvPr/>
+          </p:nvGrpSpPr>
+          <p:grpSpPr bwMode="auto">
+            <a:xfrm>
+              <a:off x="2400" y="2572"/>
+              <a:ext cx="978" cy="1086"/>
+              <a:chOff x="2400" y="2572"/>
+              <a:chExt cx="1956" cy="1086"/>
+            </a:xfrm>
+          </p:grpSpPr>
+          <p:sp>
+            <p:nvSpPr>
+              <p:cNvPr id="15" name="Rectangle 1031">
+                <a:extLst>
+                  <a:ext uri="{FF2B5EF4-FFF2-40B4-BE49-F238E27FC236}">
+                    <a16:creationId xmlns:a16="http://schemas.microsoft.com/office/drawing/2014/main" id="{2FAD303B-83C9-6F49-9868-781899165777}"/>
+                  </a:ext>
+                </a:extLst>
+              </p:cNvPr>
+              <p:cNvSpPr>
+                <a:spLocks noChangeArrowheads="1"/>
+              </p:cNvSpPr>
+              <p:nvPr/>
+            </p:nvSpPr>
+            <p:spPr bwMode="auto">
+              <a:xfrm>
+                <a:off x="2400" y="2572"/>
+                <a:ext cx="1956" cy="1086"/>
+              </a:xfrm>
+              <a:prstGeom prst="rect">
+                <a:avLst/>
+              </a:prstGeom>
+              <a:noFill/>
+              <a:ln w="9525">
+                <a:solidFill>
+                  <a:schemeClr val="tx1"/>
+                </a:solidFill>
+                <a:miter lim="800000"/>
+                <a:headEnd/>
+                <a:tailEnd/>
+              </a:ln>
+            </p:spPr>
+            <p:txBody>
+              <a:bodyPr wrap="none" anchor="ctr"/>
+              <a:lstStyle/>
+              <a:p>
+                <a:endParaRPr lang="en-US"/>
+              </a:p>
+            </p:txBody>
+          </p:sp>
+          <p:sp>
+            <p:nvSpPr>
+              <p:cNvPr id="16" name="Rectangle 1032">
+                <a:extLst>
+                  <a:ext uri="{FF2B5EF4-FFF2-40B4-BE49-F238E27FC236}">
+                    <a16:creationId xmlns:a16="http://schemas.microsoft.com/office/drawing/2014/main" id="{E12D7214-9B47-A741-9453-F20592E7D2DE}"/>
+                  </a:ext>
+                </a:extLst>
+              </p:cNvPr>
+              <p:cNvSpPr>
+                <a:spLocks noChangeArrowheads="1"/>
+              </p:cNvSpPr>
+              <p:nvPr/>
+            </p:nvSpPr>
+            <p:spPr bwMode="auto">
+              <a:xfrm>
+                <a:off x="2400" y="2978"/>
+                <a:ext cx="1956" cy="680"/>
+              </a:xfrm>
+              <a:prstGeom prst="rect">
+                <a:avLst/>
+              </a:prstGeom>
+              <a:noFill/>
+              <a:ln w="9525">
+                <a:solidFill>
+                  <a:schemeClr val="tx1"/>
+                </a:solidFill>
+                <a:miter lim="800000"/>
+                <a:headEnd/>
+                <a:tailEnd/>
+              </a:ln>
+            </p:spPr>
+            <p:txBody>
+              <a:bodyPr wrap="none" anchor="ctr"/>
+              <a:lstStyle/>
+              <a:p>
+                <a:endParaRPr lang="en-US"/>
+              </a:p>
+            </p:txBody>
+          </p:sp>
+        </p:grpSp>
+        <p:sp>
+          <p:nvSpPr>
+            <p:cNvPr id="14" name="Text Box 1033">
+              <a:extLst>
+                <a:ext uri="{FF2B5EF4-FFF2-40B4-BE49-F238E27FC236}">
+                  <a16:creationId xmlns:a16="http://schemas.microsoft.com/office/drawing/2014/main" id="{E5443111-3D1D-444C-B112-E0B68A1EDA63}"/>
+                </a:ext>
+              </a:extLst>
+            </p:cNvPr>
+            <p:cNvSpPr txBox="1">
+              <a:spLocks noChangeArrowheads="1"/>
+            </p:cNvSpPr>
+            <p:nvPr/>
+          </p:nvSpPr>
+          <p:spPr bwMode="auto">
+            <a:xfrm>
+              <a:off x="2400" y="2979"/>
+              <a:ext cx="655" cy="679"/>
+            </a:xfrm>
+            <a:prstGeom prst="rect">
+              <a:avLst/>
+            </a:prstGeom>
+            <a:noFill/>
+            <a:ln w="9525">
+              <a:noFill/>
+              <a:miter lim="800000"/>
+              <a:headEnd/>
+              <a:tailEnd/>
+            </a:ln>
+          </p:spPr>
+          <p:txBody>
+            <a:bodyPr wrap="none">
+              <a:spAutoFit/>
+            </a:bodyPr>
+            <a:lstStyle/>
+            <a:p>
+              <a:r>
+                <a:rPr lang="de-DE" sz="1600" dirty="0"/>
+                <a:t>RED</a:t>
+              </a:r>
+              <a:br>
+                <a:rPr lang="de-DE" sz="1600" dirty="0"/>
+              </a:br>
+              <a:r>
+                <a:rPr lang="de-DE" sz="1600" dirty="0"/>
+                <a:t>GREEN</a:t>
+              </a:r>
+              <a:br>
+                <a:rPr lang="de-DE" sz="1600" dirty="0"/>
+              </a:br>
+              <a:r>
+                <a:rPr lang="de-DE" sz="1600" dirty="0"/>
+                <a:t>BLUE</a:t>
+              </a:r>
+              <a:br>
+                <a:rPr lang="de-DE" sz="1600" dirty="0"/>
+              </a:br>
+              <a:r>
+                <a:rPr lang="de-DE" sz="1600" dirty="0"/>
+                <a:t>YELLOW</a:t>
+              </a:r>
+            </a:p>
+          </p:txBody>
+        </p:sp>
+      </p:grpSp>
+    </p:spTree>
+    <p:extLst>
+      <p:ext uri="{BB962C8B-B14F-4D97-AF65-F5344CB8AC3E}">
+        <p14:creationId xmlns:p14="http://schemas.microsoft.com/office/powerpoint/2010/main" val="2886980958"/>
+      </p:ext>
+    </p:extLst>
+  </p:cSld>
+  <p:clrMapOvr>
+    <a:masterClrMapping/>
+  </p:clrMapOvr>
+</p:sld>
+</file>
+
+<file path=ppt/slides/slide11.xml><?xml version="1.0" encoding="utf-8"?>
+<p:sld xmlns:a="http://schemas.openxmlformats.org/drawingml/2006/main" xmlns:r="http://schemas.openxmlformats.org/officeDocument/2006/relationships" xmlns:p="http://schemas.openxmlformats.org/presentationml/2006/main">
+  <p:cSld>
+    <p:spTree>
+      <p:nvGrpSpPr>
+        <p:cNvPr id="1" name=""/>
+        <p:cNvGrpSpPr/>
+        <p:nvPr/>
+      </p:nvGrpSpPr>
+      <p:grpSpPr>
+        <a:xfrm>
+          <a:off x="0" y="0"/>
+          <a:ext cx="0" cy="0"/>
+          <a:chOff x="0" y="0"/>
+          <a:chExt cx="0" cy="0"/>
+        </a:xfrm>
+      </p:grpSpPr>
+      <p:sp>
+        <p:nvSpPr>
+          <p:cNvPr id="20" name="Textfeld 3">
+            <a:extLst>
+              <a:ext uri="{FF2B5EF4-FFF2-40B4-BE49-F238E27FC236}">
+                <a16:creationId xmlns:a16="http://schemas.microsoft.com/office/drawing/2014/main" id="{C450A178-144D-914F-80F5-5309F77A8173}"/>
+              </a:ext>
+            </a:extLst>
+          </p:cNvPr>
+          <p:cNvSpPr txBox="1"/>
+          <p:nvPr/>
+        </p:nvSpPr>
+        <p:spPr>
+          <a:xfrm>
+            <a:off x="3319462" y="0"/>
+            <a:ext cx="9359900" cy="369332"/>
+          </a:xfrm>
+          <a:prstGeom prst="rect">
+            <a:avLst/>
+          </a:prstGeom>
+          <a:noFill/>
+        </p:spPr>
+        <p:txBody>
+          <a:bodyPr wrap="square" rtlCol="0">
+            <a:spAutoFit/>
+          </a:bodyPr>
+          <a:lstStyle/>
+          <a:p>
+            <a:pPr algn="ctr"/>
+            <a:r>
+              <a:rPr lang="de-DE" dirty="0" err="1"/>
               <a:t>CDCde</a:t>
             </a:r>
             <a:endParaRPr lang="de-DE" dirty="0"/>
@@ -10075,7 +10546,7 @@
 </p:sld>
 </file>
 
-<file path=ppt/slides/slide11.xml><?xml version="1.0" encoding="utf-8"?>
+<file path=ppt/slides/slide12.xml><?xml version="1.0" encoding="utf-8"?>
 <p:sld xmlns:a="http://schemas.openxmlformats.org/drawingml/2006/main" xmlns:r="http://schemas.openxmlformats.org/officeDocument/2006/relationships" xmlns:p="http://schemas.openxmlformats.org/presentationml/2006/main">
   <p:cSld>
     <p:spTree>
@@ -10717,7 +11188,7 @@
 </p:sld>
 </file>
 
-<file path=ppt/slides/slide12.xml><?xml version="1.0" encoding="utf-8"?>
+<file path=ppt/slides/slide13.xml><?xml version="1.0" encoding="utf-8"?>
 <p:sld xmlns:a="http://schemas.openxmlformats.org/drawingml/2006/main" xmlns:r="http://schemas.openxmlformats.org/officeDocument/2006/relationships" xmlns:p="http://schemas.openxmlformats.org/presentationml/2006/main">
   <p:cSld>
     <p:spTree>
@@ -11789,7 +12260,7 @@
 </p:sld>
 </file>
 
-<file path=ppt/slides/slide13.xml><?xml version="1.0" encoding="utf-8"?>
+<file path=ppt/slides/slide14.xml><?xml version="1.0" encoding="utf-8"?>
 <p:sld xmlns:a="http://schemas.openxmlformats.org/drawingml/2006/main" xmlns:r="http://schemas.openxmlformats.org/officeDocument/2006/relationships" xmlns:p="http://schemas.openxmlformats.org/presentationml/2006/main">
   <p:cSld>
     <p:spTree>
@@ -12477,7 +12948,7 @@
 </p:sld>
 </file>
 
-<file path=ppt/slides/slide14.xml><?xml version="1.0" encoding="utf-8"?>
+<file path=ppt/slides/slide15.xml><?xml version="1.0" encoding="utf-8"?>
 <p:sld xmlns:a="http://schemas.openxmlformats.org/drawingml/2006/main" xmlns:r="http://schemas.openxmlformats.org/officeDocument/2006/relationships" xmlns:p="http://schemas.openxmlformats.org/presentationml/2006/main" show="0">
   <p:cSld>
     <p:spTree>
@@ -14357,7 +14828,7 @@
 </p:sld>
 </file>
 
-<file path=ppt/slides/slide15.xml><?xml version="1.0" encoding="utf-8"?>
+<file path=ppt/slides/slide16.xml><?xml version="1.0" encoding="utf-8"?>
 <p:sld xmlns:a="http://schemas.openxmlformats.org/drawingml/2006/main" xmlns:r="http://schemas.openxmlformats.org/officeDocument/2006/relationships" xmlns:p="http://schemas.openxmlformats.org/presentationml/2006/main">
   <p:cSld>
     <p:spTree>
@@ -16527,8 +16998,8 @@
         </p:nvSpPr>
         <p:spPr bwMode="auto">
           <a:xfrm>
-            <a:off x="991683" y="1214021"/>
-            <a:ext cx="4243706" cy="1529180"/>
+            <a:off x="3208160" y="1514467"/>
+            <a:ext cx="4791252" cy="1529180"/>
           </a:xfrm>
           <a:prstGeom prst="rect">
             <a:avLst/>
@@ -16574,7 +17045,7 @@
         </p:nvCxnSpPr>
         <p:spPr>
           <a:xfrm>
-            <a:off x="2701258" y="2265811"/>
+            <a:off x="5190961" y="2334867"/>
             <a:ext cx="831828" cy="0"/>
           </a:xfrm>
           <a:prstGeom prst="straightConnector1">
@@ -16618,7 +17089,7 @@
         </p:nvSpPr>
         <p:spPr bwMode="auto">
           <a:xfrm>
-            <a:off x="1165673" y="1941811"/>
+            <a:off x="3655376" y="2010867"/>
             <a:ext cx="1427585" cy="648000"/>
           </a:xfrm>
           <a:prstGeom prst="rect">
@@ -16666,7 +17137,7 @@
         </p:nvSpPr>
         <p:spPr>
           <a:xfrm>
-            <a:off x="2485258" y="2157811"/>
+            <a:off x="4974961" y="2226867"/>
             <a:ext cx="216000" cy="216000"/>
           </a:xfrm>
           <a:prstGeom prst="rect">
@@ -16721,7 +17192,7 @@
         </p:nvSpPr>
         <p:spPr bwMode="auto">
           <a:xfrm>
-            <a:off x="3641086" y="1941811"/>
+            <a:off x="6130789" y="2010867"/>
             <a:ext cx="1427585" cy="648000"/>
           </a:xfrm>
           <a:prstGeom prst="rect">
@@ -16769,7 +17240,7 @@
         </p:nvSpPr>
         <p:spPr>
           <a:xfrm>
-            <a:off x="3533086" y="2157811"/>
+            <a:off x="6022789" y="2226867"/>
             <a:ext cx="216000" cy="216000"/>
           </a:xfrm>
           <a:prstGeom prst="rect">
@@ -16824,7 +17295,7 @@
         </p:nvSpPr>
         <p:spPr bwMode="auto">
           <a:xfrm flipV="1">
-            <a:off x="4051695" y="806447"/>
+            <a:off x="6815718" y="1106893"/>
             <a:ext cx="1183694" cy="339284"/>
           </a:xfrm>
           <a:prstGeom prst="foldedCorner">
@@ -18385,7 +18856,7 @@
             <a:pPr algn="ctr"/>
             <a:r>
               <a:rPr lang="de-DE" dirty="0" err="1"/>
-              <a:t>BehaviorExample</a:t>
+              <a:t>SensorActuatorAccess</a:t>
             </a:r>
             <a:endParaRPr lang="de-DE" dirty="0"/>
           </a:p>
@@ -18393,10 +18864,10 @@
       </p:sp>
       <p:sp>
         <p:nvSpPr>
-          <p:cNvPr id="7" name="Rectangle 22">
-            <a:extLst>
-              <a:ext uri="{FF2B5EF4-FFF2-40B4-BE49-F238E27FC236}">
-                <a16:creationId xmlns:a16="http://schemas.microsoft.com/office/drawing/2014/main" id="{1A8AB62F-DFF3-AB4D-B94A-F0E446565C85}"/>
+          <p:cNvPr id="26" name="Rectangle 22">
+            <a:extLst>
+              <a:ext uri="{FF2B5EF4-FFF2-40B4-BE49-F238E27FC236}">
+                <a16:creationId xmlns:a16="http://schemas.microsoft.com/office/drawing/2014/main" id="{C48CEB0C-FF22-D548-97A6-4CBFCB8813CD}"/>
               </a:ext>
             </a:extLst>
           </p:cNvPr>
@@ -18407,8 +18878,8 @@
         </p:nvSpPr>
         <p:spPr bwMode="auto">
           <a:xfrm>
-            <a:off x="991682" y="1214020"/>
-            <a:ext cx="7356717" cy="1546765"/>
+            <a:off x="3208160" y="1514467"/>
+            <a:ext cx="4791252" cy="1529180"/>
           </a:xfrm>
           <a:prstGeom prst="rect">
             <a:avLst/>
@@ -18436,88 +18907,26 @@
           </a:p>
         </p:txBody>
       </p:sp>
-      <p:sp>
-        <p:nvSpPr>
-          <p:cNvPr id="8" name="Rectangle 27">
-            <a:extLst>
-              <a:ext uri="{FF2B5EF4-FFF2-40B4-BE49-F238E27FC236}">
-                <a16:creationId xmlns:a16="http://schemas.microsoft.com/office/drawing/2014/main" id="{BD096CFB-576C-B341-9804-C07219686F0C}"/>
-              </a:ext>
-            </a:extLst>
-          </p:cNvPr>
-          <p:cNvSpPr>
-            <a:spLocks noChangeArrowheads="1"/>
-          </p:cNvSpPr>
-          <p:nvPr/>
-        </p:nvSpPr>
-        <p:spPr bwMode="auto">
-          <a:xfrm>
-            <a:off x="3613571" y="1941811"/>
-            <a:ext cx="2040626" cy="648000"/>
-          </a:xfrm>
-          <a:prstGeom prst="rect">
-            <a:avLst/>
-          </a:prstGeom>
-          <a:solidFill>
-            <a:schemeClr val="bg1"/>
-          </a:solidFill>
-          <a:ln w="9525" cap="rnd">
-            <a:solidFill>
-              <a:srgbClr val="000000"/>
-            </a:solidFill>
-            <a:round/>
-            <a:headEnd/>
-            <a:tailEnd/>
-          </a:ln>
-        </p:spPr>
-        <p:txBody>
-          <a:bodyPr anchor="ctr"/>
-          <a:lstStyle/>
-          <a:p>
-            <a:pPr lvl="0" algn="ctr"/>
-            <a:r>
-              <a:rPr lang="en-GB" sz="1600" dirty="0" err="1"/>
-              <a:t>LowPassFilter</a:t>
-            </a:r>
-            <a:r>
-              <a:rPr lang="en-GB" sz="1600" dirty="0"/>
-              <a:t> (5, 0)</a:t>
-            </a:r>
-            <a:br>
-              <a:rPr lang="en-GB" sz="1600" dirty="0"/>
-            </a:br>
-            <a:r>
-              <a:rPr lang="en-GB" sz="1600" dirty="0" err="1"/>
-              <a:t>lfp</a:t>
-            </a:r>
-            <a:endParaRPr lang="en-US" sz="1600" dirty="0">
-              <a:solidFill>
-                <a:srgbClr val="000000"/>
-              </a:solidFill>
-            </a:endParaRPr>
-          </a:p>
-        </p:txBody>
-      </p:sp>
       <p:cxnSp>
         <p:nvCxnSpPr>
-          <p:cNvPr id="9" name="Gerade Verbindung mit Pfeil 63">
-            <a:extLst>
-              <a:ext uri="{FF2B5EF4-FFF2-40B4-BE49-F238E27FC236}">
-                <a16:creationId xmlns:a16="http://schemas.microsoft.com/office/drawing/2014/main" id="{F189BC44-05B3-8748-B8B5-22CEF0AF8D35}"/>
+          <p:cNvPr id="28" name="Gerade Verbindung mit Pfeil 63">
+            <a:extLst>
+              <a:ext uri="{FF2B5EF4-FFF2-40B4-BE49-F238E27FC236}">
+                <a16:creationId xmlns:a16="http://schemas.microsoft.com/office/drawing/2014/main" id="{4C2900A4-B476-4A4F-9D31-597A214C0C2C}"/>
               </a:ext>
             </a:extLst>
           </p:cNvPr>
           <p:cNvCxnSpPr>
             <a:cxnSpLocks/>
-            <a:stCxn id="13" idx="3"/>
-            <a:endCxn id="10" idx="1"/>
+            <a:stCxn id="32" idx="3"/>
+            <a:endCxn id="34" idx="1"/>
           </p:cNvCxnSpPr>
           <p:nvPr/>
         </p:nvCxnSpPr>
         <p:spPr>
           <a:xfrm>
-            <a:off x="2701258" y="2265811"/>
-            <a:ext cx="804313" cy="0"/>
+            <a:off x="5190961" y="2334867"/>
+            <a:ext cx="831828" cy="0"/>
           </a:xfrm>
           <a:prstGeom prst="straightConnector1">
             <a:avLst/>
@@ -18546,10 +18955,60 @@
       </p:cxnSp>
       <p:sp>
         <p:nvSpPr>
-          <p:cNvPr id="10" name="Rechteck 64">
-            <a:extLst>
-              <a:ext uri="{FF2B5EF4-FFF2-40B4-BE49-F238E27FC236}">
-                <a16:creationId xmlns:a16="http://schemas.microsoft.com/office/drawing/2014/main" id="{E009D4FC-5E3C-8945-A0AA-2C2DC6001E1B}"/>
+          <p:cNvPr id="31" name="Rectangle 41">
+            <a:extLst>
+              <a:ext uri="{FF2B5EF4-FFF2-40B4-BE49-F238E27FC236}">
+                <a16:creationId xmlns:a16="http://schemas.microsoft.com/office/drawing/2014/main" id="{103ED5A4-B60B-5C42-92E4-B011973F7923}"/>
+              </a:ext>
+            </a:extLst>
+          </p:cNvPr>
+          <p:cNvSpPr>
+            <a:spLocks noChangeArrowheads="1"/>
+          </p:cNvSpPr>
+          <p:nvPr/>
+        </p:nvSpPr>
+        <p:spPr bwMode="auto">
+          <a:xfrm>
+            <a:off x="3655376" y="2010867"/>
+            <a:ext cx="1427585" cy="648000"/>
+          </a:xfrm>
+          <a:prstGeom prst="rect">
+            <a:avLst/>
+          </a:prstGeom>
+          <a:solidFill>
+            <a:schemeClr val="bg1"/>
+          </a:solidFill>
+          <a:ln w="9525" cap="rnd">
+            <a:solidFill>
+              <a:srgbClr val="000000"/>
+            </a:solidFill>
+            <a:round/>
+            <a:headEnd/>
+            <a:tailEnd/>
+          </a:ln>
+        </p:spPr>
+        <p:txBody>
+          <a:bodyPr anchor="ctr"/>
+          <a:lstStyle/>
+          <a:p>
+            <a:pPr algn="ctr"/>
+            <a:r>
+              <a:rPr lang="en-US" sz="1600" dirty="0">
+                <a:solidFill>
+                  <a:srgbClr val="000000"/>
+                </a:solidFill>
+              </a:rPr>
+              <a:t>Source</a:t>
+            </a:r>
+          </a:p>
+        </p:txBody>
+      </p:sp>
+      <p:sp>
+        <p:nvSpPr>
+          <p:cNvPr id="32" name="Rechteck 57">
+            <a:extLst>
+              <a:ext uri="{FF2B5EF4-FFF2-40B4-BE49-F238E27FC236}">
+                <a16:creationId xmlns:a16="http://schemas.microsoft.com/office/drawing/2014/main" id="{9F55C4C1-22D3-694C-B79F-BA4442C501F5}"/>
               </a:ext>
             </a:extLst>
           </p:cNvPr>
@@ -18558,7 +19017,7 @@
         </p:nvSpPr>
         <p:spPr>
           <a:xfrm>
-            <a:off x="3505571" y="2157811"/>
+            <a:off x="4974961" y="2226867"/>
             <a:ext cx="216000" cy="216000"/>
           </a:xfrm>
           <a:prstGeom prst="rect">
@@ -18599,10 +19058,60 @@
       </p:sp>
       <p:sp>
         <p:nvSpPr>
-          <p:cNvPr id="11" name="Rechteck 66">
-            <a:extLst>
-              <a:ext uri="{FF2B5EF4-FFF2-40B4-BE49-F238E27FC236}">
-                <a16:creationId xmlns:a16="http://schemas.microsoft.com/office/drawing/2014/main" id="{5B7B9E18-A0E3-8540-A554-2886265151F5}"/>
+          <p:cNvPr id="33" name="Rectangle 41">
+            <a:extLst>
+              <a:ext uri="{FF2B5EF4-FFF2-40B4-BE49-F238E27FC236}">
+                <a16:creationId xmlns:a16="http://schemas.microsoft.com/office/drawing/2014/main" id="{075CEAD9-4CBB-4E4F-9D81-151D7B234972}"/>
+              </a:ext>
+            </a:extLst>
+          </p:cNvPr>
+          <p:cNvSpPr>
+            <a:spLocks noChangeArrowheads="1"/>
+          </p:cNvSpPr>
+          <p:nvPr/>
+        </p:nvSpPr>
+        <p:spPr bwMode="auto">
+          <a:xfrm>
+            <a:off x="6130789" y="2010867"/>
+            <a:ext cx="1427585" cy="648000"/>
+          </a:xfrm>
+          <a:prstGeom prst="rect">
+            <a:avLst/>
+          </a:prstGeom>
+          <a:solidFill>
+            <a:schemeClr val="bg1"/>
+          </a:solidFill>
+          <a:ln w="9525" cap="rnd">
+            <a:solidFill>
+              <a:srgbClr val="000000"/>
+            </a:solidFill>
+            <a:round/>
+            <a:headEnd/>
+            <a:tailEnd/>
+          </a:ln>
+        </p:spPr>
+        <p:txBody>
+          <a:bodyPr anchor="ctr"/>
+          <a:lstStyle/>
+          <a:p>
+            <a:pPr algn="ctr"/>
+            <a:r>
+              <a:rPr lang="en-US" sz="1600" dirty="0">
+                <a:solidFill>
+                  <a:srgbClr val="000000"/>
+                </a:solidFill>
+              </a:rPr>
+              <a:t>Sink</a:t>
+            </a:r>
+          </a:p>
+        </p:txBody>
+      </p:sp>
+      <p:sp>
+        <p:nvSpPr>
+          <p:cNvPr id="34" name="Rechteck 57">
+            <a:extLst>
+              <a:ext uri="{FF2B5EF4-FFF2-40B4-BE49-F238E27FC236}">
+                <a16:creationId xmlns:a16="http://schemas.microsoft.com/office/drawing/2014/main" id="{73008B58-A1BF-E946-B982-9A06029B6956}"/>
               </a:ext>
             </a:extLst>
           </p:cNvPr>
@@ -18611,7 +19120,7 @@
         </p:nvSpPr>
         <p:spPr>
           <a:xfrm>
-            <a:off x="5546197" y="2157811"/>
+            <a:off x="6022789" y="2226867"/>
             <a:ext cx="216000" cy="216000"/>
           </a:xfrm>
           <a:prstGeom prst="rect">
@@ -18652,10 +19161,10 @@
       </p:sp>
       <p:sp>
         <p:nvSpPr>
-          <p:cNvPr id="12" name="Rectangle 41">
-            <a:extLst>
-              <a:ext uri="{FF2B5EF4-FFF2-40B4-BE49-F238E27FC236}">
-                <a16:creationId xmlns:a16="http://schemas.microsoft.com/office/drawing/2014/main" id="{8DE4CD99-58C7-BE46-B949-4FAFF1DFDDD5}"/>
+          <p:cNvPr id="44" name="AutoShape 40">
+            <a:extLst>
+              <a:ext uri="{FF2B5EF4-FFF2-40B4-BE49-F238E27FC236}">
+                <a16:creationId xmlns:a16="http://schemas.microsoft.com/office/drawing/2014/main" id="{6DCE0214-732B-9142-B614-E0DDF95F6D96}"/>
               </a:ext>
             </a:extLst>
           </p:cNvPr>
@@ -18665,260 +19174,8 @@
           <p:nvPr/>
         </p:nvSpPr>
         <p:spPr bwMode="auto">
-          <a:xfrm>
-            <a:off x="1165673" y="1941811"/>
-            <a:ext cx="1427585" cy="648000"/>
-          </a:xfrm>
-          <a:prstGeom prst="rect">
-            <a:avLst/>
-          </a:prstGeom>
-          <a:solidFill>
-            <a:schemeClr val="bg1"/>
-          </a:solidFill>
-          <a:ln w="9525" cap="rnd">
-            <a:solidFill>
-              <a:srgbClr val="000000"/>
-            </a:solidFill>
-            <a:round/>
-            <a:headEnd/>
-            <a:tailEnd/>
-          </a:ln>
-        </p:spPr>
-        <p:txBody>
-          <a:bodyPr anchor="ctr"/>
-          <a:lstStyle/>
-          <a:p>
-            <a:pPr algn="ctr"/>
-            <a:r>
-              <a:rPr lang="en-US" sz="1600" dirty="0">
-                <a:solidFill>
-                  <a:srgbClr val="000000"/>
-                </a:solidFill>
-              </a:rPr>
-              <a:t>Source</a:t>
-            </a:r>
-          </a:p>
-        </p:txBody>
-      </p:sp>
-      <p:sp>
-        <p:nvSpPr>
-          <p:cNvPr id="13" name="Rechteck 57">
-            <a:extLst>
-              <a:ext uri="{FF2B5EF4-FFF2-40B4-BE49-F238E27FC236}">
-                <a16:creationId xmlns:a16="http://schemas.microsoft.com/office/drawing/2014/main" id="{05EEDD76-F6DF-E54D-9B5B-76ADC336725E}"/>
-              </a:ext>
-            </a:extLst>
-          </p:cNvPr>
-          <p:cNvSpPr/>
-          <p:nvPr/>
-        </p:nvSpPr>
-        <p:spPr>
-          <a:xfrm>
-            <a:off x="2485258" y="2157811"/>
-            <a:ext cx="216000" cy="216000"/>
-          </a:xfrm>
-          <a:prstGeom prst="rect">
-            <a:avLst/>
-          </a:prstGeom>
-          <a:solidFill>
-            <a:schemeClr val="bg1"/>
-          </a:solidFill>
-          <a:ln>
-            <a:solidFill>
-              <a:schemeClr val="tx1"/>
-            </a:solidFill>
-            <a:tailEnd type="arrow"/>
-          </a:ln>
-        </p:spPr>
-        <p:style>
-          <a:lnRef idx="1">
-            <a:schemeClr val="accent1"/>
-          </a:lnRef>
-          <a:fillRef idx="0">
-            <a:schemeClr val="accent1"/>
-          </a:fillRef>
-          <a:effectRef idx="0">
-            <a:schemeClr val="accent1"/>
-          </a:effectRef>
-          <a:fontRef idx="minor">
-            <a:schemeClr val="tx1"/>
-          </a:fontRef>
-        </p:style>
-        <p:txBody>
-          <a:bodyPr rtlCol="0" anchor="ctr"/>
-          <a:lstStyle/>
-          <a:p>
-            <a:pPr algn="ctr"/>
-            <a:endParaRPr lang="en-US"/>
-          </a:p>
-        </p:txBody>
-      </p:sp>
-      <p:sp>
-        <p:nvSpPr>
-          <p:cNvPr id="14" name="Rectangle 41">
-            <a:extLst>
-              <a:ext uri="{FF2B5EF4-FFF2-40B4-BE49-F238E27FC236}">
-                <a16:creationId xmlns:a16="http://schemas.microsoft.com/office/drawing/2014/main" id="{895F45DB-5F74-2744-BEE0-C2ED7F9B1860}"/>
-              </a:ext>
-            </a:extLst>
-          </p:cNvPr>
-          <p:cNvSpPr>
-            <a:spLocks noChangeArrowheads="1"/>
-          </p:cNvSpPr>
-          <p:nvPr/>
-        </p:nvSpPr>
-        <p:spPr bwMode="auto">
-          <a:xfrm>
-            <a:off x="6566510" y="1941811"/>
-            <a:ext cx="1427585" cy="648000"/>
-          </a:xfrm>
-          <a:prstGeom prst="rect">
-            <a:avLst/>
-          </a:prstGeom>
-          <a:solidFill>
-            <a:schemeClr val="bg1"/>
-          </a:solidFill>
-          <a:ln w="9525" cap="rnd">
-            <a:solidFill>
-              <a:srgbClr val="000000"/>
-            </a:solidFill>
-            <a:round/>
-            <a:headEnd/>
-            <a:tailEnd/>
-          </a:ln>
-        </p:spPr>
-        <p:txBody>
-          <a:bodyPr anchor="ctr"/>
-          <a:lstStyle/>
-          <a:p>
-            <a:pPr algn="ctr"/>
-            <a:r>
-              <a:rPr lang="en-US" sz="1600" dirty="0">
-                <a:solidFill>
-                  <a:srgbClr val="000000"/>
-                </a:solidFill>
-              </a:rPr>
-              <a:t>Sink</a:t>
-            </a:r>
-          </a:p>
-        </p:txBody>
-      </p:sp>
-      <p:sp>
-        <p:nvSpPr>
-          <p:cNvPr id="15" name="Rechteck 57">
-            <a:extLst>
-              <a:ext uri="{FF2B5EF4-FFF2-40B4-BE49-F238E27FC236}">
-                <a16:creationId xmlns:a16="http://schemas.microsoft.com/office/drawing/2014/main" id="{0172E365-1948-9C49-9E4C-256150F0F81A}"/>
-              </a:ext>
-            </a:extLst>
-          </p:cNvPr>
-          <p:cNvSpPr/>
-          <p:nvPr/>
-        </p:nvSpPr>
-        <p:spPr>
-          <a:xfrm>
-            <a:off x="6458510" y="2157811"/>
-            <a:ext cx="216000" cy="216000"/>
-          </a:xfrm>
-          <a:prstGeom prst="rect">
-            <a:avLst/>
-          </a:prstGeom>
-          <a:solidFill>
-            <a:schemeClr val="bg1"/>
-          </a:solidFill>
-          <a:ln>
-            <a:solidFill>
-              <a:schemeClr val="tx1"/>
-            </a:solidFill>
-            <a:tailEnd type="arrow"/>
-          </a:ln>
-        </p:spPr>
-        <p:style>
-          <a:lnRef idx="1">
-            <a:schemeClr val="accent1"/>
-          </a:lnRef>
-          <a:fillRef idx="0">
-            <a:schemeClr val="accent1"/>
-          </a:fillRef>
-          <a:effectRef idx="0">
-            <a:schemeClr val="accent1"/>
-          </a:effectRef>
-          <a:fontRef idx="minor">
-            <a:schemeClr val="tx1"/>
-          </a:fontRef>
-        </p:style>
-        <p:txBody>
-          <a:bodyPr rtlCol="0" anchor="ctr"/>
-          <a:lstStyle/>
-          <a:p>
-            <a:pPr algn="ctr"/>
-            <a:endParaRPr lang="en-US"/>
-          </a:p>
-        </p:txBody>
-      </p:sp>
-      <p:cxnSp>
-        <p:nvCxnSpPr>
-          <p:cNvPr id="25" name="Gerade Verbindung mit Pfeil 63">
-            <a:extLst>
-              <a:ext uri="{FF2B5EF4-FFF2-40B4-BE49-F238E27FC236}">
-                <a16:creationId xmlns:a16="http://schemas.microsoft.com/office/drawing/2014/main" id="{0763E9CF-2FA2-1649-8A8F-6C68A1C87828}"/>
-              </a:ext>
-            </a:extLst>
-          </p:cNvPr>
-          <p:cNvCxnSpPr>
-            <a:cxnSpLocks/>
-            <a:stCxn id="11" idx="3"/>
-            <a:endCxn id="15" idx="1"/>
-          </p:cNvCxnSpPr>
-          <p:nvPr/>
-        </p:nvCxnSpPr>
-        <p:spPr>
-          <a:xfrm>
-            <a:off x="5762197" y="2265811"/>
-            <a:ext cx="696313" cy="0"/>
-          </a:xfrm>
-          <a:prstGeom prst="straightConnector1">
-            <a:avLst/>
-          </a:prstGeom>
-          <a:ln w="9525">
-            <a:solidFill>
-              <a:schemeClr val="tx1"/>
-            </a:solidFill>
-            <a:tailEnd type="arrow"/>
-          </a:ln>
-        </p:spPr>
-        <p:style>
-          <a:lnRef idx="1">
-            <a:schemeClr val="accent1"/>
-          </a:lnRef>
-          <a:fillRef idx="0">
-            <a:schemeClr val="accent1"/>
-          </a:fillRef>
-          <a:effectRef idx="0">
-            <a:schemeClr val="accent1"/>
-          </a:effectRef>
-          <a:fontRef idx="minor">
-            <a:schemeClr val="tx1"/>
-          </a:fontRef>
-        </p:style>
-      </p:cxnSp>
-      <p:sp>
-        <p:nvSpPr>
-          <p:cNvPr id="26" name="AutoShape 40">
-            <a:extLst>
-              <a:ext uri="{FF2B5EF4-FFF2-40B4-BE49-F238E27FC236}">
-                <a16:creationId xmlns:a16="http://schemas.microsoft.com/office/drawing/2014/main" id="{F8F16213-7266-7C42-8B91-2F053929ADA0}"/>
-              </a:ext>
-            </a:extLst>
-          </p:cNvPr>
-          <p:cNvSpPr>
-            <a:spLocks noChangeArrowheads="1"/>
-          </p:cNvSpPr>
-          <p:nvPr/>
-        </p:nvSpPr>
-        <p:spPr bwMode="auto">
           <a:xfrm flipV="1">
-            <a:off x="7164705" y="806028"/>
+            <a:off x="6815718" y="1106893"/>
             <a:ext cx="1183694" cy="339284"/>
           </a:xfrm>
           <a:prstGeom prst="foldedCorner">
@@ -18972,6 +19229,1079 @@
           </a:p>
         </p:txBody>
       </p:sp>
+      <p:sp>
+        <p:nvSpPr>
+          <p:cNvPr id="11" name="Rechteck 57">
+            <a:extLst>
+              <a:ext uri="{FF2B5EF4-FFF2-40B4-BE49-F238E27FC236}">
+                <a16:creationId xmlns:a16="http://schemas.microsoft.com/office/drawing/2014/main" id="{BFF2C9D9-107E-DD40-8D53-2AAF7156E6B5}"/>
+              </a:ext>
+            </a:extLst>
+          </p:cNvPr>
+          <p:cNvSpPr/>
+          <p:nvPr/>
+        </p:nvSpPr>
+        <p:spPr>
+          <a:xfrm>
+            <a:off x="3547376" y="2226867"/>
+            <a:ext cx="216000" cy="216000"/>
+          </a:xfrm>
+          <a:prstGeom prst="rect">
+            <a:avLst/>
+          </a:prstGeom>
+          <a:solidFill>
+            <a:schemeClr val="bg1"/>
+          </a:solidFill>
+          <a:ln>
+            <a:solidFill>
+              <a:schemeClr val="tx1"/>
+            </a:solidFill>
+            <a:tailEnd type="arrow"/>
+          </a:ln>
+        </p:spPr>
+        <p:style>
+          <a:lnRef idx="1">
+            <a:schemeClr val="accent1"/>
+          </a:lnRef>
+          <a:fillRef idx="0">
+            <a:schemeClr val="accent1"/>
+          </a:fillRef>
+          <a:effectRef idx="0">
+            <a:schemeClr val="accent1"/>
+          </a:effectRef>
+          <a:fontRef idx="minor">
+            <a:schemeClr val="tx1"/>
+          </a:fontRef>
+        </p:style>
+        <p:txBody>
+          <a:bodyPr rtlCol="0" anchor="ctr"/>
+          <a:lstStyle/>
+          <a:p>
+            <a:pPr algn="ctr"/>
+            <a:endParaRPr lang="en-US"/>
+          </a:p>
+        </p:txBody>
+      </p:sp>
+      <p:sp>
+        <p:nvSpPr>
+          <p:cNvPr id="12" name="Rechteck 57">
+            <a:extLst>
+              <a:ext uri="{FF2B5EF4-FFF2-40B4-BE49-F238E27FC236}">
+                <a16:creationId xmlns:a16="http://schemas.microsoft.com/office/drawing/2014/main" id="{F498E6BE-642B-9341-ABB9-0F30A2114717}"/>
+              </a:ext>
+            </a:extLst>
+          </p:cNvPr>
+          <p:cNvSpPr/>
+          <p:nvPr/>
+        </p:nvSpPr>
+        <p:spPr>
+          <a:xfrm>
+            <a:off x="7450374" y="2226472"/>
+            <a:ext cx="216000" cy="216000"/>
+          </a:xfrm>
+          <a:prstGeom prst="rect">
+            <a:avLst/>
+          </a:prstGeom>
+          <a:solidFill>
+            <a:schemeClr val="bg1"/>
+          </a:solidFill>
+          <a:ln>
+            <a:solidFill>
+              <a:schemeClr val="tx1"/>
+            </a:solidFill>
+            <a:tailEnd type="arrow"/>
+          </a:ln>
+        </p:spPr>
+        <p:style>
+          <a:lnRef idx="1">
+            <a:schemeClr val="accent1"/>
+          </a:lnRef>
+          <a:fillRef idx="0">
+            <a:schemeClr val="accent1"/>
+          </a:fillRef>
+          <a:effectRef idx="0">
+            <a:schemeClr val="accent1"/>
+          </a:effectRef>
+          <a:fontRef idx="minor">
+            <a:schemeClr val="tx1"/>
+          </a:fontRef>
+        </p:style>
+        <p:txBody>
+          <a:bodyPr rtlCol="0" anchor="ctr"/>
+          <a:lstStyle/>
+          <a:p>
+            <a:pPr algn="ctr"/>
+            <a:endParaRPr lang="en-US"/>
+          </a:p>
+        </p:txBody>
+      </p:sp>
+      <p:sp>
+        <p:nvSpPr>
+          <p:cNvPr id="13" name="Textfeld 18">
+            <a:extLst>
+              <a:ext uri="{FF2B5EF4-FFF2-40B4-BE49-F238E27FC236}">
+                <a16:creationId xmlns:a16="http://schemas.microsoft.com/office/drawing/2014/main" id="{D77B0BD3-CEC2-4549-87BB-307C448C7245}"/>
+              </a:ext>
+            </a:extLst>
+          </p:cNvPr>
+          <p:cNvSpPr txBox="1"/>
+          <p:nvPr/>
+        </p:nvSpPr>
+        <p:spPr>
+          <a:xfrm>
+            <a:off x="4138483" y="3105170"/>
+            <a:ext cx="2930605" cy="584775"/>
+          </a:xfrm>
+          <a:prstGeom prst="rect">
+            <a:avLst/>
+          </a:prstGeom>
+          <a:noFill/>
+        </p:spPr>
+        <p:txBody>
+          <a:bodyPr wrap="square" rtlCol="0">
+            <a:spAutoFit/>
+          </a:bodyPr>
+          <a:lstStyle/>
+          <a:p>
+            <a:pPr algn="ctr"/>
+            <a:r>
+              <a:rPr lang="en-US" sz="1600" i="1" dirty="0">
+                <a:solidFill>
+                  <a:srgbClr val="00549F"/>
+                </a:solidFill>
+                <a:latin typeface="Comic Sans MS" panose="030F0702030302020204" pitchFamily="66" charset="0"/>
+                <a:cs typeface="Times New Roman" panose="02020603050405020304" pitchFamily="18" charset="0"/>
+              </a:rPr>
+              <a:t>Unconnected ports used for sensor / actuator access</a:t>
+            </a:r>
+            <a:endParaRPr lang="en-US" i="1" dirty="0">
+              <a:solidFill>
+                <a:srgbClr val="00549F"/>
+              </a:solidFill>
+              <a:latin typeface="Comic Sans MS" panose="030F0702030302020204" pitchFamily="66" charset="0"/>
+              <a:cs typeface="Times New Roman" panose="02020603050405020304" pitchFamily="18" charset="0"/>
+            </a:endParaRPr>
+          </a:p>
+        </p:txBody>
+      </p:sp>
+      <p:sp>
+        <p:nvSpPr>
+          <p:cNvPr id="14" name="Freihandform 53">
+            <a:extLst>
+              <a:ext uri="{FF2B5EF4-FFF2-40B4-BE49-F238E27FC236}">
+                <a16:creationId xmlns:a16="http://schemas.microsoft.com/office/drawing/2014/main" id="{8E50117D-15BE-384C-A787-52825F97097C}"/>
+              </a:ext>
+            </a:extLst>
+          </p:cNvPr>
+          <p:cNvSpPr/>
+          <p:nvPr/>
+        </p:nvSpPr>
+        <p:spPr bwMode="auto">
+          <a:xfrm rot="5732276">
+            <a:off x="3467956" y="2500515"/>
+            <a:ext cx="737590" cy="759230"/>
+          </a:xfrm>
+          <a:custGeom>
+            <a:avLst/>
+            <a:gdLst>
+              <a:gd name="connsiteX0" fmla="*/ 191386 w 191386"/>
+              <a:gd name="connsiteY0" fmla="*/ 2774 h 247323"/>
+              <a:gd name="connsiteX1" fmla="*/ 42530 w 191386"/>
+              <a:gd name="connsiteY1" fmla="*/ 34672 h 247323"/>
+              <a:gd name="connsiteX2" fmla="*/ 0 w 191386"/>
+              <a:gd name="connsiteY2" fmla="*/ 247323 h 247323"/>
+              <a:gd name="connsiteX0" fmla="*/ 200374 w 200374"/>
+              <a:gd name="connsiteY0" fmla="*/ 1023 h 259037"/>
+              <a:gd name="connsiteX1" fmla="*/ 42530 w 200374"/>
+              <a:gd name="connsiteY1" fmla="*/ 46386 h 259037"/>
+              <a:gd name="connsiteX2" fmla="*/ 0 w 200374"/>
+              <a:gd name="connsiteY2" fmla="*/ 259037 h 259037"/>
+              <a:gd name="connsiteX0" fmla="*/ 195906 w 195906"/>
+              <a:gd name="connsiteY0" fmla="*/ 1023 h 294961"/>
+              <a:gd name="connsiteX1" fmla="*/ 38062 w 195906"/>
+              <a:gd name="connsiteY1" fmla="*/ 46386 h 294961"/>
+              <a:gd name="connsiteX2" fmla="*/ 0 w 195906"/>
+              <a:gd name="connsiteY2" fmla="*/ 294961 h 294961"/>
+              <a:gd name="connsiteX0" fmla="*/ 111738 w 111738"/>
+              <a:gd name="connsiteY0" fmla="*/ 94 h 437406"/>
+              <a:gd name="connsiteX1" fmla="*/ 38062 w 111738"/>
+              <a:gd name="connsiteY1" fmla="*/ 188831 h 437406"/>
+              <a:gd name="connsiteX2" fmla="*/ 0 w 111738"/>
+              <a:gd name="connsiteY2" fmla="*/ 437406 h 437406"/>
+              <a:gd name="connsiteX0" fmla="*/ 111738 w 111738"/>
+              <a:gd name="connsiteY0" fmla="*/ 0 h 437312"/>
+              <a:gd name="connsiteX1" fmla="*/ 0 w 111738"/>
+              <a:gd name="connsiteY1" fmla="*/ 437312 h 437312"/>
+              <a:gd name="connsiteX0" fmla="*/ 125604 w 125604"/>
+              <a:gd name="connsiteY0" fmla="*/ 0 h 485938"/>
+              <a:gd name="connsiteX1" fmla="*/ 0 w 125604"/>
+              <a:gd name="connsiteY1" fmla="*/ 485938 h 485938"/>
+              <a:gd name="connsiteX0" fmla="*/ 125673 w 125673"/>
+              <a:gd name="connsiteY0" fmla="*/ 0 h 485938"/>
+              <a:gd name="connsiteX1" fmla="*/ 69 w 125673"/>
+              <a:gd name="connsiteY1" fmla="*/ 485938 h 485938"/>
+              <a:gd name="connsiteX0" fmla="*/ 125754 w 125754"/>
+              <a:gd name="connsiteY0" fmla="*/ 0 h 485938"/>
+              <a:gd name="connsiteX1" fmla="*/ 150 w 125754"/>
+              <a:gd name="connsiteY1" fmla="*/ 485938 h 485938"/>
+              <a:gd name="connsiteX0" fmla="*/ 104343 w 104343"/>
+              <a:gd name="connsiteY0" fmla="*/ 0 h 1182736"/>
+              <a:gd name="connsiteX1" fmla="*/ 299 w 104343"/>
+              <a:gd name="connsiteY1" fmla="*/ 1182736 h 1182736"/>
+              <a:gd name="connsiteX0" fmla="*/ 104044 w 104044"/>
+              <a:gd name="connsiteY0" fmla="*/ 0 h 1182736"/>
+              <a:gd name="connsiteX1" fmla="*/ 0 w 104044"/>
+              <a:gd name="connsiteY1" fmla="*/ 1182736 h 1182736"/>
+              <a:gd name="connsiteX0" fmla="*/ 185410 w 185410"/>
+              <a:gd name="connsiteY0" fmla="*/ 0 h 1014582"/>
+              <a:gd name="connsiteX1" fmla="*/ 0 w 185410"/>
+              <a:gd name="connsiteY1" fmla="*/ 1014582 h 1014582"/>
+              <a:gd name="connsiteX0" fmla="*/ 185410 w 193474"/>
+              <a:gd name="connsiteY0" fmla="*/ 0 h 1014582"/>
+              <a:gd name="connsiteX1" fmla="*/ 0 w 193474"/>
+              <a:gd name="connsiteY1" fmla="*/ 1014582 h 1014582"/>
+              <a:gd name="connsiteX0" fmla="*/ 157976 w 167926"/>
+              <a:gd name="connsiteY0" fmla="*/ 0 h 1067881"/>
+              <a:gd name="connsiteX1" fmla="*/ 0 w 167926"/>
+              <a:gd name="connsiteY1" fmla="*/ 1067881 h 1067881"/>
+              <a:gd name="connsiteX0" fmla="*/ 730563 w 732175"/>
+              <a:gd name="connsiteY0" fmla="*/ 0 h 657929"/>
+              <a:gd name="connsiteX1" fmla="*/ 0 w 732175"/>
+              <a:gd name="connsiteY1" fmla="*/ 657929 h 657929"/>
+              <a:gd name="connsiteX0" fmla="*/ 730563 w 732979"/>
+              <a:gd name="connsiteY0" fmla="*/ 0 h 676486"/>
+              <a:gd name="connsiteX1" fmla="*/ 0 w 732979"/>
+              <a:gd name="connsiteY1" fmla="*/ 657929 h 676486"/>
+              <a:gd name="connsiteX0" fmla="*/ 730563 w 737590"/>
+              <a:gd name="connsiteY0" fmla="*/ 0 h 759230"/>
+              <a:gd name="connsiteX1" fmla="*/ 0 w 737590"/>
+              <a:gd name="connsiteY1" fmla="*/ 657929 h 759230"/>
+            </a:gdLst>
+            <a:ahLst/>
+            <a:cxnLst>
+              <a:cxn ang="0">
+                <a:pos x="connsiteX0" y="connsiteY0"/>
+              </a:cxn>
+              <a:cxn ang="0">
+                <a:pos x="connsiteX1" y="connsiteY1"/>
+              </a:cxn>
+            </a:cxnLst>
+            <a:rect l="l" t="t" r="r" b="b"/>
+            <a:pathLst>
+              <a:path w="737590" h="759230">
+                <a:moveTo>
+                  <a:pt x="730563" y="0"/>
+                </a:moveTo>
+                <a:cubicBezTo>
+                  <a:pt x="768643" y="120829"/>
+                  <a:pt x="669234" y="1065223"/>
+                  <a:pt x="0" y="657929"/>
+                </a:cubicBezTo>
+              </a:path>
+            </a:pathLst>
+          </a:custGeom>
+          <a:noFill/>
+          <a:ln w="12700">
+            <a:solidFill>
+              <a:srgbClr val="00549F"/>
+            </a:solidFill>
+            <a:round/>
+            <a:headEnd/>
+            <a:tailEnd type="arrow" w="lg" len="lg"/>
+          </a:ln>
+        </p:spPr>
+        <p:txBody>
+          <a:bodyPr rtlCol="0" anchor="ctr"/>
+          <a:lstStyle/>
+          <a:p>
+            <a:pPr algn="ctr"/>
+            <a:endParaRPr lang="en-US"/>
+          </a:p>
+        </p:txBody>
+      </p:sp>
+      <p:sp>
+        <p:nvSpPr>
+          <p:cNvPr id="15" name="Freihandform 53">
+            <a:extLst>
+              <a:ext uri="{FF2B5EF4-FFF2-40B4-BE49-F238E27FC236}">
+                <a16:creationId xmlns:a16="http://schemas.microsoft.com/office/drawing/2014/main" id="{C439C34D-B2FE-A049-8C79-7BDCB1BBCE65}"/>
+              </a:ext>
+            </a:extLst>
+          </p:cNvPr>
+          <p:cNvSpPr/>
+          <p:nvPr/>
+        </p:nvSpPr>
+        <p:spPr bwMode="auto">
+          <a:xfrm rot="15867724" flipH="1">
+            <a:off x="7038769" y="2494857"/>
+            <a:ext cx="737590" cy="759230"/>
+          </a:xfrm>
+          <a:custGeom>
+            <a:avLst/>
+            <a:gdLst>
+              <a:gd name="connsiteX0" fmla="*/ 191386 w 191386"/>
+              <a:gd name="connsiteY0" fmla="*/ 2774 h 247323"/>
+              <a:gd name="connsiteX1" fmla="*/ 42530 w 191386"/>
+              <a:gd name="connsiteY1" fmla="*/ 34672 h 247323"/>
+              <a:gd name="connsiteX2" fmla="*/ 0 w 191386"/>
+              <a:gd name="connsiteY2" fmla="*/ 247323 h 247323"/>
+              <a:gd name="connsiteX0" fmla="*/ 200374 w 200374"/>
+              <a:gd name="connsiteY0" fmla="*/ 1023 h 259037"/>
+              <a:gd name="connsiteX1" fmla="*/ 42530 w 200374"/>
+              <a:gd name="connsiteY1" fmla="*/ 46386 h 259037"/>
+              <a:gd name="connsiteX2" fmla="*/ 0 w 200374"/>
+              <a:gd name="connsiteY2" fmla="*/ 259037 h 259037"/>
+              <a:gd name="connsiteX0" fmla="*/ 195906 w 195906"/>
+              <a:gd name="connsiteY0" fmla="*/ 1023 h 294961"/>
+              <a:gd name="connsiteX1" fmla="*/ 38062 w 195906"/>
+              <a:gd name="connsiteY1" fmla="*/ 46386 h 294961"/>
+              <a:gd name="connsiteX2" fmla="*/ 0 w 195906"/>
+              <a:gd name="connsiteY2" fmla="*/ 294961 h 294961"/>
+              <a:gd name="connsiteX0" fmla="*/ 111738 w 111738"/>
+              <a:gd name="connsiteY0" fmla="*/ 94 h 437406"/>
+              <a:gd name="connsiteX1" fmla="*/ 38062 w 111738"/>
+              <a:gd name="connsiteY1" fmla="*/ 188831 h 437406"/>
+              <a:gd name="connsiteX2" fmla="*/ 0 w 111738"/>
+              <a:gd name="connsiteY2" fmla="*/ 437406 h 437406"/>
+              <a:gd name="connsiteX0" fmla="*/ 111738 w 111738"/>
+              <a:gd name="connsiteY0" fmla="*/ 0 h 437312"/>
+              <a:gd name="connsiteX1" fmla="*/ 0 w 111738"/>
+              <a:gd name="connsiteY1" fmla="*/ 437312 h 437312"/>
+              <a:gd name="connsiteX0" fmla="*/ 125604 w 125604"/>
+              <a:gd name="connsiteY0" fmla="*/ 0 h 485938"/>
+              <a:gd name="connsiteX1" fmla="*/ 0 w 125604"/>
+              <a:gd name="connsiteY1" fmla="*/ 485938 h 485938"/>
+              <a:gd name="connsiteX0" fmla="*/ 125673 w 125673"/>
+              <a:gd name="connsiteY0" fmla="*/ 0 h 485938"/>
+              <a:gd name="connsiteX1" fmla="*/ 69 w 125673"/>
+              <a:gd name="connsiteY1" fmla="*/ 485938 h 485938"/>
+              <a:gd name="connsiteX0" fmla="*/ 125754 w 125754"/>
+              <a:gd name="connsiteY0" fmla="*/ 0 h 485938"/>
+              <a:gd name="connsiteX1" fmla="*/ 150 w 125754"/>
+              <a:gd name="connsiteY1" fmla="*/ 485938 h 485938"/>
+              <a:gd name="connsiteX0" fmla="*/ 104343 w 104343"/>
+              <a:gd name="connsiteY0" fmla="*/ 0 h 1182736"/>
+              <a:gd name="connsiteX1" fmla="*/ 299 w 104343"/>
+              <a:gd name="connsiteY1" fmla="*/ 1182736 h 1182736"/>
+              <a:gd name="connsiteX0" fmla="*/ 104044 w 104044"/>
+              <a:gd name="connsiteY0" fmla="*/ 0 h 1182736"/>
+              <a:gd name="connsiteX1" fmla="*/ 0 w 104044"/>
+              <a:gd name="connsiteY1" fmla="*/ 1182736 h 1182736"/>
+              <a:gd name="connsiteX0" fmla="*/ 185410 w 185410"/>
+              <a:gd name="connsiteY0" fmla="*/ 0 h 1014582"/>
+              <a:gd name="connsiteX1" fmla="*/ 0 w 185410"/>
+              <a:gd name="connsiteY1" fmla="*/ 1014582 h 1014582"/>
+              <a:gd name="connsiteX0" fmla="*/ 185410 w 193474"/>
+              <a:gd name="connsiteY0" fmla="*/ 0 h 1014582"/>
+              <a:gd name="connsiteX1" fmla="*/ 0 w 193474"/>
+              <a:gd name="connsiteY1" fmla="*/ 1014582 h 1014582"/>
+              <a:gd name="connsiteX0" fmla="*/ 157976 w 167926"/>
+              <a:gd name="connsiteY0" fmla="*/ 0 h 1067881"/>
+              <a:gd name="connsiteX1" fmla="*/ 0 w 167926"/>
+              <a:gd name="connsiteY1" fmla="*/ 1067881 h 1067881"/>
+              <a:gd name="connsiteX0" fmla="*/ 730563 w 732175"/>
+              <a:gd name="connsiteY0" fmla="*/ 0 h 657929"/>
+              <a:gd name="connsiteX1" fmla="*/ 0 w 732175"/>
+              <a:gd name="connsiteY1" fmla="*/ 657929 h 657929"/>
+              <a:gd name="connsiteX0" fmla="*/ 730563 w 732979"/>
+              <a:gd name="connsiteY0" fmla="*/ 0 h 676486"/>
+              <a:gd name="connsiteX1" fmla="*/ 0 w 732979"/>
+              <a:gd name="connsiteY1" fmla="*/ 657929 h 676486"/>
+              <a:gd name="connsiteX0" fmla="*/ 730563 w 737590"/>
+              <a:gd name="connsiteY0" fmla="*/ 0 h 759230"/>
+              <a:gd name="connsiteX1" fmla="*/ 0 w 737590"/>
+              <a:gd name="connsiteY1" fmla="*/ 657929 h 759230"/>
+            </a:gdLst>
+            <a:ahLst/>
+            <a:cxnLst>
+              <a:cxn ang="0">
+                <a:pos x="connsiteX0" y="connsiteY0"/>
+              </a:cxn>
+              <a:cxn ang="0">
+                <a:pos x="connsiteX1" y="connsiteY1"/>
+              </a:cxn>
+            </a:cxnLst>
+            <a:rect l="l" t="t" r="r" b="b"/>
+            <a:pathLst>
+              <a:path w="737590" h="759230">
+                <a:moveTo>
+                  <a:pt x="730563" y="0"/>
+                </a:moveTo>
+                <a:cubicBezTo>
+                  <a:pt x="768643" y="120829"/>
+                  <a:pt x="669234" y="1065223"/>
+                  <a:pt x="0" y="657929"/>
+                </a:cubicBezTo>
+              </a:path>
+            </a:pathLst>
+          </a:custGeom>
+          <a:noFill/>
+          <a:ln w="12700">
+            <a:solidFill>
+              <a:srgbClr val="00549F"/>
+            </a:solidFill>
+            <a:round/>
+            <a:headEnd/>
+            <a:tailEnd type="arrow" w="lg" len="lg"/>
+          </a:ln>
+        </p:spPr>
+        <p:txBody>
+          <a:bodyPr rtlCol="0" anchor="ctr"/>
+          <a:lstStyle/>
+          <a:p>
+            <a:pPr algn="ctr"/>
+            <a:endParaRPr lang="en-US"/>
+          </a:p>
+        </p:txBody>
+      </p:sp>
+    </p:spTree>
+    <p:extLst>
+      <p:ext uri="{BB962C8B-B14F-4D97-AF65-F5344CB8AC3E}">
+        <p14:creationId xmlns:p14="http://schemas.microsoft.com/office/powerpoint/2010/main" val="3432932342"/>
+      </p:ext>
+    </p:extLst>
+  </p:cSld>
+  <p:clrMapOvr>
+    <a:masterClrMapping/>
+  </p:clrMapOvr>
+</p:sld>
+</file>
+
+<file path=ppt/slides/slide6.xml><?xml version="1.0" encoding="utf-8"?>
+<p:sld xmlns:a="http://schemas.openxmlformats.org/drawingml/2006/main" xmlns:r="http://schemas.openxmlformats.org/officeDocument/2006/relationships" xmlns:p="http://schemas.openxmlformats.org/presentationml/2006/main">
+  <p:cSld>
+    <p:spTree>
+      <p:nvGrpSpPr>
+        <p:cNvPr id="1" name=""/>
+        <p:cNvGrpSpPr/>
+        <p:nvPr/>
+      </p:nvGrpSpPr>
+      <p:grpSpPr>
+        <a:xfrm>
+          <a:off x="0" y="0"/>
+          <a:ext cx="0" cy="0"/>
+          <a:chOff x="0" y="0"/>
+          <a:chExt cx="0" cy="0"/>
+        </a:xfrm>
+      </p:grpSpPr>
+      <p:sp>
+        <p:nvSpPr>
+          <p:cNvPr id="20" name="Textfeld 3">
+            <a:extLst>
+              <a:ext uri="{FF2B5EF4-FFF2-40B4-BE49-F238E27FC236}">
+                <a16:creationId xmlns:a16="http://schemas.microsoft.com/office/drawing/2014/main" id="{C450A178-144D-914F-80F5-5309F77A8173}"/>
+              </a:ext>
+            </a:extLst>
+          </p:cNvPr>
+          <p:cNvSpPr txBox="1"/>
+          <p:nvPr/>
+        </p:nvSpPr>
+        <p:spPr>
+          <a:xfrm>
+            <a:off x="3319462" y="0"/>
+            <a:ext cx="9359900" cy="369332"/>
+          </a:xfrm>
+          <a:prstGeom prst="rect">
+            <a:avLst/>
+          </a:prstGeom>
+          <a:noFill/>
+        </p:spPr>
+        <p:txBody>
+          <a:bodyPr wrap="square" rtlCol="0">
+            <a:spAutoFit/>
+          </a:bodyPr>
+          <a:lstStyle/>
+          <a:p>
+            <a:pPr algn="ctr"/>
+            <a:r>
+              <a:rPr lang="de-DE" dirty="0" err="1"/>
+              <a:t>BehaviorExample</a:t>
+            </a:r>
+            <a:endParaRPr lang="de-DE" dirty="0"/>
+          </a:p>
+        </p:txBody>
+      </p:sp>
+      <p:sp>
+        <p:nvSpPr>
+          <p:cNvPr id="7" name="Rectangle 22">
+            <a:extLst>
+              <a:ext uri="{FF2B5EF4-FFF2-40B4-BE49-F238E27FC236}">
+                <a16:creationId xmlns:a16="http://schemas.microsoft.com/office/drawing/2014/main" id="{1A8AB62F-DFF3-AB4D-B94A-F0E446565C85}"/>
+              </a:ext>
+            </a:extLst>
+          </p:cNvPr>
+          <p:cNvSpPr>
+            <a:spLocks noChangeArrowheads="1"/>
+          </p:cNvSpPr>
+          <p:nvPr/>
+        </p:nvSpPr>
+        <p:spPr bwMode="auto">
+          <a:xfrm>
+            <a:off x="991682" y="1214020"/>
+            <a:ext cx="7356717" cy="1546765"/>
+          </a:xfrm>
+          <a:prstGeom prst="rect">
+            <a:avLst/>
+          </a:prstGeom>
+          <a:solidFill>
+            <a:schemeClr val="bg1"/>
+          </a:solidFill>
+          <a:ln w="9525" cap="rnd">
+            <a:solidFill>
+              <a:srgbClr val="000000"/>
+            </a:solidFill>
+            <a:round/>
+            <a:headEnd/>
+            <a:tailEnd/>
+          </a:ln>
+        </p:spPr>
+        <p:txBody>
+          <a:bodyPr lIns="36000" tIns="36000" rIns="36000" bIns="36000"/>
+          <a:lstStyle/>
+          <a:p>
+            <a:r>
+              <a:rPr lang="en-US" b="1" dirty="0"/>
+              <a:t>Example</a:t>
+            </a:r>
+          </a:p>
+        </p:txBody>
+      </p:sp>
+      <p:sp>
+        <p:nvSpPr>
+          <p:cNvPr id="8" name="Rectangle 27">
+            <a:extLst>
+              <a:ext uri="{FF2B5EF4-FFF2-40B4-BE49-F238E27FC236}">
+                <a16:creationId xmlns:a16="http://schemas.microsoft.com/office/drawing/2014/main" id="{BD096CFB-576C-B341-9804-C07219686F0C}"/>
+              </a:ext>
+            </a:extLst>
+          </p:cNvPr>
+          <p:cNvSpPr>
+            <a:spLocks noChangeArrowheads="1"/>
+          </p:cNvSpPr>
+          <p:nvPr/>
+        </p:nvSpPr>
+        <p:spPr bwMode="auto">
+          <a:xfrm>
+            <a:off x="3613571" y="1941811"/>
+            <a:ext cx="2040626" cy="648000"/>
+          </a:xfrm>
+          <a:prstGeom prst="rect">
+            <a:avLst/>
+          </a:prstGeom>
+          <a:solidFill>
+            <a:schemeClr val="bg1"/>
+          </a:solidFill>
+          <a:ln w="9525" cap="rnd">
+            <a:solidFill>
+              <a:srgbClr val="000000"/>
+            </a:solidFill>
+            <a:round/>
+            <a:headEnd/>
+            <a:tailEnd/>
+          </a:ln>
+        </p:spPr>
+        <p:txBody>
+          <a:bodyPr anchor="ctr"/>
+          <a:lstStyle/>
+          <a:p>
+            <a:pPr lvl="0" algn="ctr"/>
+            <a:r>
+              <a:rPr lang="en-GB" sz="1600" dirty="0" err="1"/>
+              <a:t>LowPassFilter</a:t>
+            </a:r>
+            <a:r>
+              <a:rPr lang="en-GB" sz="1600" dirty="0"/>
+              <a:t> (5, 0)</a:t>
+            </a:r>
+            <a:br>
+              <a:rPr lang="en-GB" sz="1600" dirty="0"/>
+            </a:br>
+            <a:r>
+              <a:rPr lang="en-GB" sz="1600" dirty="0" err="1"/>
+              <a:t>lfp</a:t>
+            </a:r>
+            <a:endParaRPr lang="en-US" sz="1600" dirty="0">
+              <a:solidFill>
+                <a:srgbClr val="000000"/>
+              </a:solidFill>
+            </a:endParaRPr>
+          </a:p>
+        </p:txBody>
+      </p:sp>
+      <p:cxnSp>
+        <p:nvCxnSpPr>
+          <p:cNvPr id="9" name="Gerade Verbindung mit Pfeil 63">
+            <a:extLst>
+              <a:ext uri="{FF2B5EF4-FFF2-40B4-BE49-F238E27FC236}">
+                <a16:creationId xmlns:a16="http://schemas.microsoft.com/office/drawing/2014/main" id="{F189BC44-05B3-8748-B8B5-22CEF0AF8D35}"/>
+              </a:ext>
+            </a:extLst>
+          </p:cNvPr>
+          <p:cNvCxnSpPr>
+            <a:cxnSpLocks/>
+            <a:stCxn id="13" idx="3"/>
+            <a:endCxn id="10" idx="1"/>
+          </p:cNvCxnSpPr>
+          <p:nvPr/>
+        </p:nvCxnSpPr>
+        <p:spPr>
+          <a:xfrm>
+            <a:off x="2701258" y="2265811"/>
+            <a:ext cx="804313" cy="0"/>
+          </a:xfrm>
+          <a:prstGeom prst="straightConnector1">
+            <a:avLst/>
+          </a:prstGeom>
+          <a:ln w="9525">
+            <a:solidFill>
+              <a:schemeClr val="tx1"/>
+            </a:solidFill>
+            <a:tailEnd type="arrow"/>
+          </a:ln>
+        </p:spPr>
+        <p:style>
+          <a:lnRef idx="1">
+            <a:schemeClr val="accent1"/>
+          </a:lnRef>
+          <a:fillRef idx="0">
+            <a:schemeClr val="accent1"/>
+          </a:fillRef>
+          <a:effectRef idx="0">
+            <a:schemeClr val="accent1"/>
+          </a:effectRef>
+          <a:fontRef idx="minor">
+            <a:schemeClr val="tx1"/>
+          </a:fontRef>
+        </p:style>
+      </p:cxnSp>
+      <p:sp>
+        <p:nvSpPr>
+          <p:cNvPr id="10" name="Rechteck 64">
+            <a:extLst>
+              <a:ext uri="{FF2B5EF4-FFF2-40B4-BE49-F238E27FC236}">
+                <a16:creationId xmlns:a16="http://schemas.microsoft.com/office/drawing/2014/main" id="{E009D4FC-5E3C-8945-A0AA-2C2DC6001E1B}"/>
+              </a:ext>
+            </a:extLst>
+          </p:cNvPr>
+          <p:cNvSpPr/>
+          <p:nvPr/>
+        </p:nvSpPr>
+        <p:spPr>
+          <a:xfrm>
+            <a:off x="3505571" y="2157811"/>
+            <a:ext cx="216000" cy="216000"/>
+          </a:xfrm>
+          <a:prstGeom prst="rect">
+            <a:avLst/>
+          </a:prstGeom>
+          <a:solidFill>
+            <a:schemeClr val="bg1"/>
+          </a:solidFill>
+          <a:ln>
+            <a:solidFill>
+              <a:schemeClr val="tx1"/>
+            </a:solidFill>
+            <a:tailEnd type="arrow"/>
+          </a:ln>
+        </p:spPr>
+        <p:style>
+          <a:lnRef idx="1">
+            <a:schemeClr val="accent1"/>
+          </a:lnRef>
+          <a:fillRef idx="0">
+            <a:schemeClr val="accent1"/>
+          </a:fillRef>
+          <a:effectRef idx="0">
+            <a:schemeClr val="accent1"/>
+          </a:effectRef>
+          <a:fontRef idx="minor">
+            <a:schemeClr val="tx1"/>
+          </a:fontRef>
+        </p:style>
+        <p:txBody>
+          <a:bodyPr rtlCol="0" anchor="ctr"/>
+          <a:lstStyle/>
+          <a:p>
+            <a:pPr algn="ctr"/>
+            <a:endParaRPr lang="en-US"/>
+          </a:p>
+        </p:txBody>
+      </p:sp>
+      <p:sp>
+        <p:nvSpPr>
+          <p:cNvPr id="11" name="Rechteck 66">
+            <a:extLst>
+              <a:ext uri="{FF2B5EF4-FFF2-40B4-BE49-F238E27FC236}">
+                <a16:creationId xmlns:a16="http://schemas.microsoft.com/office/drawing/2014/main" id="{5B7B9E18-A0E3-8540-A554-2886265151F5}"/>
+              </a:ext>
+            </a:extLst>
+          </p:cNvPr>
+          <p:cNvSpPr/>
+          <p:nvPr/>
+        </p:nvSpPr>
+        <p:spPr>
+          <a:xfrm>
+            <a:off x="5546197" y="2157811"/>
+            <a:ext cx="216000" cy="216000"/>
+          </a:xfrm>
+          <a:prstGeom prst="rect">
+            <a:avLst/>
+          </a:prstGeom>
+          <a:solidFill>
+            <a:schemeClr val="bg1"/>
+          </a:solidFill>
+          <a:ln>
+            <a:solidFill>
+              <a:schemeClr val="tx1"/>
+            </a:solidFill>
+            <a:tailEnd type="arrow"/>
+          </a:ln>
+        </p:spPr>
+        <p:style>
+          <a:lnRef idx="1">
+            <a:schemeClr val="accent1"/>
+          </a:lnRef>
+          <a:fillRef idx="0">
+            <a:schemeClr val="accent1"/>
+          </a:fillRef>
+          <a:effectRef idx="0">
+            <a:schemeClr val="accent1"/>
+          </a:effectRef>
+          <a:fontRef idx="minor">
+            <a:schemeClr val="tx1"/>
+          </a:fontRef>
+        </p:style>
+        <p:txBody>
+          <a:bodyPr rtlCol="0" anchor="ctr"/>
+          <a:lstStyle/>
+          <a:p>
+            <a:pPr algn="ctr"/>
+            <a:endParaRPr lang="en-US"/>
+          </a:p>
+        </p:txBody>
+      </p:sp>
+      <p:sp>
+        <p:nvSpPr>
+          <p:cNvPr id="12" name="Rectangle 41">
+            <a:extLst>
+              <a:ext uri="{FF2B5EF4-FFF2-40B4-BE49-F238E27FC236}">
+                <a16:creationId xmlns:a16="http://schemas.microsoft.com/office/drawing/2014/main" id="{8DE4CD99-58C7-BE46-B949-4FAFF1DFDDD5}"/>
+              </a:ext>
+            </a:extLst>
+          </p:cNvPr>
+          <p:cNvSpPr>
+            <a:spLocks noChangeArrowheads="1"/>
+          </p:cNvSpPr>
+          <p:nvPr/>
+        </p:nvSpPr>
+        <p:spPr bwMode="auto">
+          <a:xfrm>
+            <a:off x="1165673" y="1941811"/>
+            <a:ext cx="1427585" cy="648000"/>
+          </a:xfrm>
+          <a:prstGeom prst="rect">
+            <a:avLst/>
+          </a:prstGeom>
+          <a:solidFill>
+            <a:schemeClr val="bg1"/>
+          </a:solidFill>
+          <a:ln w="9525" cap="rnd">
+            <a:solidFill>
+              <a:srgbClr val="000000"/>
+            </a:solidFill>
+            <a:round/>
+            <a:headEnd/>
+            <a:tailEnd/>
+          </a:ln>
+        </p:spPr>
+        <p:txBody>
+          <a:bodyPr anchor="ctr"/>
+          <a:lstStyle/>
+          <a:p>
+            <a:pPr algn="ctr"/>
+            <a:r>
+              <a:rPr lang="en-US" sz="1600" dirty="0">
+                <a:solidFill>
+                  <a:srgbClr val="000000"/>
+                </a:solidFill>
+              </a:rPr>
+              <a:t>Source</a:t>
+            </a:r>
+          </a:p>
+        </p:txBody>
+      </p:sp>
+      <p:sp>
+        <p:nvSpPr>
+          <p:cNvPr id="13" name="Rechteck 57">
+            <a:extLst>
+              <a:ext uri="{FF2B5EF4-FFF2-40B4-BE49-F238E27FC236}">
+                <a16:creationId xmlns:a16="http://schemas.microsoft.com/office/drawing/2014/main" id="{05EEDD76-F6DF-E54D-9B5B-76ADC336725E}"/>
+              </a:ext>
+            </a:extLst>
+          </p:cNvPr>
+          <p:cNvSpPr/>
+          <p:nvPr/>
+        </p:nvSpPr>
+        <p:spPr>
+          <a:xfrm>
+            <a:off x="2485258" y="2157811"/>
+            <a:ext cx="216000" cy="216000"/>
+          </a:xfrm>
+          <a:prstGeom prst="rect">
+            <a:avLst/>
+          </a:prstGeom>
+          <a:solidFill>
+            <a:schemeClr val="bg1"/>
+          </a:solidFill>
+          <a:ln>
+            <a:solidFill>
+              <a:schemeClr val="tx1"/>
+            </a:solidFill>
+            <a:tailEnd type="arrow"/>
+          </a:ln>
+        </p:spPr>
+        <p:style>
+          <a:lnRef idx="1">
+            <a:schemeClr val="accent1"/>
+          </a:lnRef>
+          <a:fillRef idx="0">
+            <a:schemeClr val="accent1"/>
+          </a:fillRef>
+          <a:effectRef idx="0">
+            <a:schemeClr val="accent1"/>
+          </a:effectRef>
+          <a:fontRef idx="minor">
+            <a:schemeClr val="tx1"/>
+          </a:fontRef>
+        </p:style>
+        <p:txBody>
+          <a:bodyPr rtlCol="0" anchor="ctr"/>
+          <a:lstStyle/>
+          <a:p>
+            <a:pPr algn="ctr"/>
+            <a:endParaRPr lang="en-US"/>
+          </a:p>
+        </p:txBody>
+      </p:sp>
+      <p:sp>
+        <p:nvSpPr>
+          <p:cNvPr id="14" name="Rectangle 41">
+            <a:extLst>
+              <a:ext uri="{FF2B5EF4-FFF2-40B4-BE49-F238E27FC236}">
+                <a16:creationId xmlns:a16="http://schemas.microsoft.com/office/drawing/2014/main" id="{895F45DB-5F74-2744-BEE0-C2ED7F9B1860}"/>
+              </a:ext>
+            </a:extLst>
+          </p:cNvPr>
+          <p:cNvSpPr>
+            <a:spLocks noChangeArrowheads="1"/>
+          </p:cNvSpPr>
+          <p:nvPr/>
+        </p:nvSpPr>
+        <p:spPr bwMode="auto">
+          <a:xfrm>
+            <a:off x="6566510" y="1941811"/>
+            <a:ext cx="1427585" cy="648000"/>
+          </a:xfrm>
+          <a:prstGeom prst="rect">
+            <a:avLst/>
+          </a:prstGeom>
+          <a:solidFill>
+            <a:schemeClr val="bg1"/>
+          </a:solidFill>
+          <a:ln w="9525" cap="rnd">
+            <a:solidFill>
+              <a:srgbClr val="000000"/>
+            </a:solidFill>
+            <a:round/>
+            <a:headEnd/>
+            <a:tailEnd/>
+          </a:ln>
+        </p:spPr>
+        <p:txBody>
+          <a:bodyPr anchor="ctr"/>
+          <a:lstStyle/>
+          <a:p>
+            <a:pPr algn="ctr"/>
+            <a:r>
+              <a:rPr lang="en-US" sz="1600" dirty="0">
+                <a:solidFill>
+                  <a:srgbClr val="000000"/>
+                </a:solidFill>
+              </a:rPr>
+              <a:t>Sink</a:t>
+            </a:r>
+          </a:p>
+        </p:txBody>
+      </p:sp>
+      <p:sp>
+        <p:nvSpPr>
+          <p:cNvPr id="15" name="Rechteck 57">
+            <a:extLst>
+              <a:ext uri="{FF2B5EF4-FFF2-40B4-BE49-F238E27FC236}">
+                <a16:creationId xmlns:a16="http://schemas.microsoft.com/office/drawing/2014/main" id="{0172E365-1948-9C49-9E4C-256150F0F81A}"/>
+              </a:ext>
+            </a:extLst>
+          </p:cNvPr>
+          <p:cNvSpPr/>
+          <p:nvPr/>
+        </p:nvSpPr>
+        <p:spPr>
+          <a:xfrm>
+            <a:off x="6458510" y="2157811"/>
+            <a:ext cx="216000" cy="216000"/>
+          </a:xfrm>
+          <a:prstGeom prst="rect">
+            <a:avLst/>
+          </a:prstGeom>
+          <a:solidFill>
+            <a:schemeClr val="bg1"/>
+          </a:solidFill>
+          <a:ln>
+            <a:solidFill>
+              <a:schemeClr val="tx1"/>
+            </a:solidFill>
+            <a:tailEnd type="arrow"/>
+          </a:ln>
+        </p:spPr>
+        <p:style>
+          <a:lnRef idx="1">
+            <a:schemeClr val="accent1"/>
+          </a:lnRef>
+          <a:fillRef idx="0">
+            <a:schemeClr val="accent1"/>
+          </a:fillRef>
+          <a:effectRef idx="0">
+            <a:schemeClr val="accent1"/>
+          </a:effectRef>
+          <a:fontRef idx="minor">
+            <a:schemeClr val="tx1"/>
+          </a:fontRef>
+        </p:style>
+        <p:txBody>
+          <a:bodyPr rtlCol="0" anchor="ctr"/>
+          <a:lstStyle/>
+          <a:p>
+            <a:pPr algn="ctr"/>
+            <a:endParaRPr lang="en-US"/>
+          </a:p>
+        </p:txBody>
+      </p:sp>
+      <p:cxnSp>
+        <p:nvCxnSpPr>
+          <p:cNvPr id="25" name="Gerade Verbindung mit Pfeil 63">
+            <a:extLst>
+              <a:ext uri="{FF2B5EF4-FFF2-40B4-BE49-F238E27FC236}">
+                <a16:creationId xmlns:a16="http://schemas.microsoft.com/office/drawing/2014/main" id="{0763E9CF-2FA2-1649-8A8F-6C68A1C87828}"/>
+              </a:ext>
+            </a:extLst>
+          </p:cNvPr>
+          <p:cNvCxnSpPr>
+            <a:cxnSpLocks/>
+            <a:stCxn id="11" idx="3"/>
+            <a:endCxn id="15" idx="1"/>
+          </p:cNvCxnSpPr>
+          <p:nvPr/>
+        </p:nvCxnSpPr>
+        <p:spPr>
+          <a:xfrm>
+            <a:off x="5762197" y="2265811"/>
+            <a:ext cx="696313" cy="0"/>
+          </a:xfrm>
+          <a:prstGeom prst="straightConnector1">
+            <a:avLst/>
+          </a:prstGeom>
+          <a:ln w="9525">
+            <a:solidFill>
+              <a:schemeClr val="tx1"/>
+            </a:solidFill>
+            <a:tailEnd type="arrow"/>
+          </a:ln>
+        </p:spPr>
+        <p:style>
+          <a:lnRef idx="1">
+            <a:schemeClr val="accent1"/>
+          </a:lnRef>
+          <a:fillRef idx="0">
+            <a:schemeClr val="accent1"/>
+          </a:fillRef>
+          <a:effectRef idx="0">
+            <a:schemeClr val="accent1"/>
+          </a:effectRef>
+          <a:fontRef idx="minor">
+            <a:schemeClr val="tx1"/>
+          </a:fontRef>
+        </p:style>
+      </p:cxnSp>
+      <p:sp>
+        <p:nvSpPr>
+          <p:cNvPr id="26" name="AutoShape 40">
+            <a:extLst>
+              <a:ext uri="{FF2B5EF4-FFF2-40B4-BE49-F238E27FC236}">
+                <a16:creationId xmlns:a16="http://schemas.microsoft.com/office/drawing/2014/main" id="{F8F16213-7266-7C42-8B91-2F053929ADA0}"/>
+              </a:ext>
+            </a:extLst>
+          </p:cNvPr>
+          <p:cNvSpPr>
+            <a:spLocks noChangeArrowheads="1"/>
+          </p:cNvSpPr>
+          <p:nvPr/>
+        </p:nvSpPr>
+        <p:spPr bwMode="auto">
+          <a:xfrm flipV="1">
+            <a:off x="7164705" y="806028"/>
+            <a:ext cx="1183694" cy="339284"/>
+          </a:xfrm>
+          <a:prstGeom prst="foldedCorner">
+            <a:avLst>
+              <a:gd name="adj" fmla="val 27606"/>
+            </a:avLst>
+          </a:prstGeom>
+          <a:solidFill>
+            <a:srgbClr val="FFFFFF"/>
+          </a:solidFill>
+          <a:ln w="9525">
+            <a:solidFill>
+              <a:srgbClr val="000000"/>
+            </a:solidFill>
+            <a:round/>
+            <a:headEnd/>
+            <a:tailEnd/>
+          </a:ln>
+        </p:spPr>
+        <p:txBody>
+          <a:bodyPr rot="10800000" wrap="none" anchor="ctr" anchorCtr="1"/>
+          <a:lstStyle/>
+          <a:p>
+            <a:pPr defTabSz="914346" fontAlgn="auto">
+              <a:lnSpc>
+                <a:spcPct val="70000"/>
+              </a:lnSpc>
+              <a:spcBef>
+                <a:spcPts val="0"/>
+              </a:spcBef>
+              <a:spcAft>
+                <a:spcPts val="0"/>
+              </a:spcAft>
+              <a:defRPr/>
+            </a:pPr>
+            <a:r>
+              <a:rPr lang="en-US" altLang="de-DE" sz="1600" dirty="0" err="1">
+                <a:solidFill>
+                  <a:srgbClr val="000000"/>
+                </a:solidFill>
+                <a:latin typeface="Arial"/>
+              </a:rPr>
+              <a:t>MontiThings</a:t>
+            </a:r>
+            <a:endParaRPr lang="en-US" altLang="de-DE" sz="1600" dirty="0">
+              <a:solidFill>
+                <a:srgbClr val="000000"/>
+              </a:solidFill>
+              <a:latin typeface="Arial"/>
+            </a:endParaRPr>
+          </a:p>
+        </p:txBody>
+      </p:sp>
     </p:spTree>
     <p:extLst>
       <p:ext uri="{BB962C8B-B14F-4D97-AF65-F5344CB8AC3E}">
@@ -18985,7 +20315,7 @@
 </p:sld>
 </file>
 
-<file path=ppt/slides/slide6.xml><?xml version="1.0" encoding="utf-8"?>
+<file path=ppt/slides/slide7.xml><?xml version="1.0" encoding="utf-8"?>
 <p:sld xmlns:a="http://schemas.openxmlformats.org/drawingml/2006/main" xmlns:r="http://schemas.openxmlformats.org/officeDocument/2006/relationships" xmlns:p="http://schemas.openxmlformats.org/presentationml/2006/main">
   <p:cSld>
     <p:spTree>
@@ -19653,7 +20983,7 @@
 </p:sld>
 </file>
 
-<file path=ppt/slides/slide7.xml><?xml version="1.0" encoding="utf-8"?>
+<file path=ppt/slides/slide8.xml><?xml version="1.0" encoding="utf-8"?>
 <p:sld xmlns:a="http://schemas.openxmlformats.org/drawingml/2006/main" xmlns:r="http://schemas.openxmlformats.org/officeDocument/2006/relationships" xmlns:p="http://schemas.openxmlformats.org/presentationml/2006/main">
   <p:cSld>
     <p:spTree>
@@ -20322,7 +21652,7 @@
 </p:sld>
 </file>
 
-<file path=ppt/slides/slide8.xml><?xml version="1.0" encoding="utf-8"?>
+<file path=ppt/slides/slide9.xml><?xml version="1.0" encoding="utf-8"?>
 <p:sld xmlns:a="http://schemas.openxmlformats.org/drawingml/2006/main" xmlns:r="http://schemas.openxmlformats.org/officeDocument/2006/relationships" xmlns:p="http://schemas.openxmlformats.org/presentationml/2006/main">
   <p:cSld>
     <p:spTree>
@@ -20782,378 +22112,6 @@
     <p:extLst>
       <p:ext uri="{BB962C8B-B14F-4D97-AF65-F5344CB8AC3E}">
         <p14:creationId xmlns:p14="http://schemas.microsoft.com/office/powerpoint/2010/main" val="2308003017"/>
-      </p:ext>
-    </p:extLst>
-  </p:cSld>
-  <p:clrMapOvr>
-    <a:masterClrMapping/>
-  </p:clrMapOvr>
-</p:sld>
-</file>
-
-<file path=ppt/slides/slide9.xml><?xml version="1.0" encoding="utf-8"?>
-<p:sld xmlns:a="http://schemas.openxmlformats.org/drawingml/2006/main" xmlns:r="http://schemas.openxmlformats.org/officeDocument/2006/relationships" xmlns:p="http://schemas.openxmlformats.org/presentationml/2006/main">
-  <p:cSld>
-    <p:spTree>
-      <p:nvGrpSpPr>
-        <p:cNvPr id="1" name=""/>
-        <p:cNvGrpSpPr/>
-        <p:nvPr/>
-      </p:nvGrpSpPr>
-      <p:grpSpPr>
-        <a:xfrm>
-          <a:off x="0" y="0"/>
-          <a:ext cx="0" cy="0"/>
-          <a:chOff x="0" y="0"/>
-          <a:chExt cx="0" cy="0"/>
-        </a:xfrm>
-      </p:grpSpPr>
-      <p:sp>
-        <p:nvSpPr>
-          <p:cNvPr id="20" name="Textfeld 3">
-            <a:extLst>
-              <a:ext uri="{FF2B5EF4-FFF2-40B4-BE49-F238E27FC236}">
-                <a16:creationId xmlns:a16="http://schemas.microsoft.com/office/drawing/2014/main" id="{C450A178-144D-914F-80F5-5309F77A8173}"/>
-              </a:ext>
-            </a:extLst>
-          </p:cNvPr>
-          <p:cNvSpPr txBox="1"/>
-          <p:nvPr/>
-        </p:nvSpPr>
-        <p:spPr>
-          <a:xfrm>
-            <a:off x="3319462" y="0"/>
-            <a:ext cx="9359900" cy="369332"/>
-          </a:xfrm>
-          <a:prstGeom prst="rect">
-            <a:avLst/>
-          </a:prstGeom>
-          <a:noFill/>
-        </p:spPr>
-        <p:txBody>
-          <a:bodyPr wrap="square" rtlCol="0">
-            <a:spAutoFit/>
-          </a:bodyPr>
-          <a:lstStyle/>
-          <a:p>
-            <a:pPr algn="ctr"/>
-            <a:r>
-              <a:rPr lang="de-DE" dirty="0" err="1"/>
-              <a:t>CDExampleCD</a:t>
-            </a:r>
-            <a:endParaRPr lang="de-DE" dirty="0"/>
-          </a:p>
-        </p:txBody>
-      </p:sp>
-      <p:sp>
-        <p:nvSpPr>
-          <p:cNvPr id="44" name="AutoShape 40">
-            <a:extLst>
-              <a:ext uri="{FF2B5EF4-FFF2-40B4-BE49-F238E27FC236}">
-                <a16:creationId xmlns:a16="http://schemas.microsoft.com/office/drawing/2014/main" id="{6DCE0214-732B-9142-B614-E0DDF95F6D96}"/>
-              </a:ext>
-            </a:extLst>
-          </p:cNvPr>
-          <p:cNvSpPr>
-            <a:spLocks noChangeArrowheads="1"/>
-          </p:cNvSpPr>
-          <p:nvPr/>
-        </p:nvSpPr>
-        <p:spPr bwMode="auto">
-          <a:xfrm flipV="1">
-            <a:off x="3139092" y="3560983"/>
-            <a:ext cx="699484" cy="339284"/>
-          </a:xfrm>
-          <a:prstGeom prst="foldedCorner">
-            <a:avLst>
-              <a:gd name="adj" fmla="val 27606"/>
-            </a:avLst>
-          </a:prstGeom>
-          <a:solidFill>
-            <a:srgbClr val="FFFFFF"/>
-          </a:solidFill>
-          <a:ln w="9525">
-            <a:solidFill>
-              <a:srgbClr val="000000"/>
-            </a:solidFill>
-            <a:round/>
-            <a:headEnd/>
-            <a:tailEnd/>
-          </a:ln>
-        </p:spPr>
-        <p:txBody>
-          <a:bodyPr rot="10800000" wrap="none" anchor="ctr" anchorCtr="1"/>
-          <a:lstStyle/>
-          <a:p>
-            <a:pPr defTabSz="914346" fontAlgn="auto">
-              <a:lnSpc>
-                <a:spcPct val="70000"/>
-              </a:lnSpc>
-              <a:spcBef>
-                <a:spcPts val="0"/>
-              </a:spcBef>
-              <a:spcAft>
-                <a:spcPts val="0"/>
-              </a:spcAft>
-              <a:defRPr/>
-            </a:pPr>
-            <a:r>
-              <a:rPr lang="en-US" altLang="de-DE" sz="1600" dirty="0">
-                <a:solidFill>
-                  <a:srgbClr val="000000"/>
-                </a:solidFill>
-                <a:latin typeface="Arial"/>
-              </a:rPr>
-              <a:t>CD</a:t>
-            </a:r>
-          </a:p>
-        </p:txBody>
-      </p:sp>
-      <p:grpSp>
-        <p:nvGrpSpPr>
-          <p:cNvPr id="11" name="Group 1028">
-            <a:extLst>
-              <a:ext uri="{FF2B5EF4-FFF2-40B4-BE49-F238E27FC236}">
-                <a16:creationId xmlns:a16="http://schemas.microsoft.com/office/drawing/2014/main" id="{201F6C62-F000-F44F-8136-8744C9396C38}"/>
-              </a:ext>
-            </a:extLst>
-          </p:cNvPr>
-          <p:cNvGrpSpPr>
-            <a:grpSpLocks/>
-          </p:cNvGrpSpPr>
-          <p:nvPr/>
-        </p:nvGrpSpPr>
-        <p:grpSpPr bwMode="auto">
-          <a:xfrm>
-            <a:off x="2073276" y="3962400"/>
-            <a:ext cx="1976438" cy="1724025"/>
-            <a:chOff x="2266" y="2572"/>
-            <a:chExt cx="1245" cy="1086"/>
-          </a:xfrm>
-        </p:grpSpPr>
-        <p:sp>
-          <p:nvSpPr>
-            <p:cNvPr id="12" name="Text Box 1029">
-              <a:extLst>
-                <a:ext uri="{FF2B5EF4-FFF2-40B4-BE49-F238E27FC236}">
-                  <a16:creationId xmlns:a16="http://schemas.microsoft.com/office/drawing/2014/main" id="{B9608A06-17ED-6E4D-8C30-96C6BB24D82F}"/>
-                </a:ext>
-              </a:extLst>
-            </p:cNvPr>
-            <p:cNvSpPr txBox="1">
-              <a:spLocks noChangeArrowheads="1"/>
-            </p:cNvSpPr>
-            <p:nvPr/>
-          </p:nvSpPr>
-          <p:spPr bwMode="auto">
-            <a:xfrm>
-              <a:off x="2266" y="2610"/>
-              <a:ext cx="1245" cy="368"/>
-            </a:xfrm>
-            <a:prstGeom prst="rect">
-              <a:avLst/>
-            </a:prstGeom>
-            <a:noFill/>
-            <a:ln w="9525">
-              <a:noFill/>
-              <a:miter lim="800000"/>
-              <a:headEnd/>
-              <a:tailEnd/>
-            </a:ln>
-          </p:spPr>
-          <p:txBody>
-            <a:bodyPr wrap="square">
-              <a:spAutoFit/>
-            </a:bodyPr>
-            <a:lstStyle/>
-            <a:p>
-              <a:pPr algn="ctr" eaLnBrk="0" hangingPunct="0"/>
-              <a:r>
-                <a:rPr lang="en-US" altLang="de-DE" sz="1600" dirty="0"/>
-                <a:t>«enumeration»</a:t>
-              </a:r>
-              <a:br>
-                <a:rPr lang="en-US" altLang="de-DE" sz="1600" dirty="0"/>
-              </a:br>
-              <a:r>
-                <a:rPr lang="en-US" altLang="de-DE" sz="1600" dirty="0"/>
-                <a:t>Color</a:t>
-              </a:r>
-            </a:p>
-          </p:txBody>
-        </p:sp>
-        <p:grpSp>
-          <p:nvGrpSpPr>
-            <p:cNvPr id="13" name="Group 1030">
-              <a:extLst>
-                <a:ext uri="{FF2B5EF4-FFF2-40B4-BE49-F238E27FC236}">
-                  <a16:creationId xmlns:a16="http://schemas.microsoft.com/office/drawing/2014/main" id="{BD15FA19-96C3-F74C-9F2F-A425D193DD8A}"/>
-                </a:ext>
-              </a:extLst>
-            </p:cNvPr>
-            <p:cNvGrpSpPr>
-              <a:grpSpLocks/>
-            </p:cNvGrpSpPr>
-            <p:nvPr/>
-          </p:nvGrpSpPr>
-          <p:grpSpPr bwMode="auto">
-            <a:xfrm>
-              <a:off x="2400" y="2572"/>
-              <a:ext cx="978" cy="1086"/>
-              <a:chOff x="2400" y="2572"/>
-              <a:chExt cx="1956" cy="1086"/>
-            </a:xfrm>
-          </p:grpSpPr>
-          <p:sp>
-            <p:nvSpPr>
-              <p:cNvPr id="15" name="Rectangle 1031">
-                <a:extLst>
-                  <a:ext uri="{FF2B5EF4-FFF2-40B4-BE49-F238E27FC236}">
-                    <a16:creationId xmlns:a16="http://schemas.microsoft.com/office/drawing/2014/main" id="{2FAD303B-83C9-6F49-9868-781899165777}"/>
-                  </a:ext>
-                </a:extLst>
-              </p:cNvPr>
-              <p:cNvSpPr>
-                <a:spLocks noChangeArrowheads="1"/>
-              </p:cNvSpPr>
-              <p:nvPr/>
-            </p:nvSpPr>
-            <p:spPr bwMode="auto">
-              <a:xfrm>
-                <a:off x="2400" y="2572"/>
-                <a:ext cx="1956" cy="1086"/>
-              </a:xfrm>
-              <a:prstGeom prst="rect">
-                <a:avLst/>
-              </a:prstGeom>
-              <a:noFill/>
-              <a:ln w="9525">
-                <a:solidFill>
-                  <a:schemeClr val="tx1"/>
-                </a:solidFill>
-                <a:miter lim="800000"/>
-                <a:headEnd/>
-                <a:tailEnd/>
-              </a:ln>
-            </p:spPr>
-            <p:txBody>
-              <a:bodyPr wrap="none" anchor="ctr"/>
-              <a:lstStyle/>
-              <a:p>
-                <a:endParaRPr lang="en-US"/>
-              </a:p>
-            </p:txBody>
-          </p:sp>
-          <p:sp>
-            <p:nvSpPr>
-              <p:cNvPr id="16" name="Rectangle 1032">
-                <a:extLst>
-                  <a:ext uri="{FF2B5EF4-FFF2-40B4-BE49-F238E27FC236}">
-                    <a16:creationId xmlns:a16="http://schemas.microsoft.com/office/drawing/2014/main" id="{E12D7214-9B47-A741-9453-F20592E7D2DE}"/>
-                  </a:ext>
-                </a:extLst>
-              </p:cNvPr>
-              <p:cNvSpPr>
-                <a:spLocks noChangeArrowheads="1"/>
-              </p:cNvSpPr>
-              <p:nvPr/>
-            </p:nvSpPr>
-            <p:spPr bwMode="auto">
-              <a:xfrm>
-                <a:off x="2400" y="2978"/>
-                <a:ext cx="1956" cy="680"/>
-              </a:xfrm>
-              <a:prstGeom prst="rect">
-                <a:avLst/>
-              </a:prstGeom>
-              <a:noFill/>
-              <a:ln w="9525">
-                <a:solidFill>
-                  <a:schemeClr val="tx1"/>
-                </a:solidFill>
-                <a:miter lim="800000"/>
-                <a:headEnd/>
-                <a:tailEnd/>
-              </a:ln>
-            </p:spPr>
-            <p:txBody>
-              <a:bodyPr wrap="none" anchor="ctr"/>
-              <a:lstStyle/>
-              <a:p>
-                <a:endParaRPr lang="en-US"/>
-              </a:p>
-            </p:txBody>
-          </p:sp>
-        </p:grpSp>
-        <p:sp>
-          <p:nvSpPr>
-            <p:cNvPr id="14" name="Text Box 1033">
-              <a:extLst>
-                <a:ext uri="{FF2B5EF4-FFF2-40B4-BE49-F238E27FC236}">
-                  <a16:creationId xmlns:a16="http://schemas.microsoft.com/office/drawing/2014/main" id="{E5443111-3D1D-444C-B112-E0B68A1EDA63}"/>
-                </a:ext>
-              </a:extLst>
-            </p:cNvPr>
-            <p:cNvSpPr txBox="1">
-              <a:spLocks noChangeArrowheads="1"/>
-            </p:cNvSpPr>
-            <p:nvPr/>
-          </p:nvSpPr>
-          <p:spPr bwMode="auto">
-            <a:xfrm>
-              <a:off x="2400" y="2979"/>
-              <a:ext cx="655" cy="679"/>
-            </a:xfrm>
-            <a:prstGeom prst="rect">
-              <a:avLst/>
-            </a:prstGeom>
-            <a:noFill/>
-            <a:ln w="9525">
-              <a:noFill/>
-              <a:miter lim="800000"/>
-              <a:headEnd/>
-              <a:tailEnd/>
-            </a:ln>
-          </p:spPr>
-          <p:txBody>
-            <a:bodyPr wrap="none">
-              <a:spAutoFit/>
-            </a:bodyPr>
-            <a:lstStyle/>
-            <a:p>
-              <a:r>
-                <a:rPr lang="de-DE" sz="1600" dirty="0"/>
-                <a:t>RED</a:t>
-              </a:r>
-              <a:br>
-                <a:rPr lang="de-DE" sz="1600" dirty="0"/>
-              </a:br>
-              <a:r>
-                <a:rPr lang="de-DE" sz="1600" dirty="0"/>
-                <a:t>GREEN</a:t>
-              </a:r>
-              <a:br>
-                <a:rPr lang="de-DE" sz="1600" dirty="0"/>
-              </a:br>
-              <a:r>
-                <a:rPr lang="de-DE" sz="1600" dirty="0"/>
-                <a:t>BLUE</a:t>
-              </a:r>
-              <a:br>
-                <a:rPr lang="de-DE" sz="1600" dirty="0"/>
-              </a:br>
-              <a:r>
-                <a:rPr lang="de-DE" sz="1600" dirty="0"/>
-                <a:t>YELLOW</a:t>
-              </a:r>
-            </a:p>
-          </p:txBody>
-        </p:sp>
-      </p:grpSp>
-    </p:spTree>
-    <p:extLst>
-      <p:ext uri="{BB962C8B-B14F-4D97-AF65-F5344CB8AC3E}">
-        <p14:creationId xmlns:p14="http://schemas.microsoft.com/office/powerpoint/2010/main" val="2886980958"/>
       </p:ext>
     </p:extLst>
   </p:cSld>
